--- a/04/go基础知识.pptx
+++ b/04/go基础知识.pptx
@@ -13,13 +13,11 @@
     <p:sldId id="279" r:id="rId6"/>
     <p:sldId id="289" r:id="rId7"/>
     <p:sldId id="309" r:id="rId8"/>
-    <p:sldId id="310" r:id="rId9"/>
-    <p:sldId id="270" r:id="rId10"/>
-    <p:sldId id="287" r:id="rId11"/>
-    <p:sldId id="316" r:id="rId12"/>
-    <p:sldId id="299" r:id="rId13"/>
-    <p:sldId id="301" r:id="rId14"/>
-    <p:sldId id="266" r:id="rId15"/>
+    <p:sldId id="320" r:id="rId9"/>
+    <p:sldId id="321" r:id="rId10"/>
+    <p:sldId id="299" r:id="rId11"/>
+    <p:sldId id="301" r:id="rId12"/>
+    <p:sldId id="266" r:id="rId13"/>
   </p:sldIdLst>
   <p:sldSz cx="12192000" cy="6858000"/>
   <p:notesSz cx="6858000" cy="9144000"/>
@@ -124,16 +122,14 @@
         <p14:section name="默认节" id="{6D85C079-5351-D344-AC85-0BE671A74C07}">
           <p14:sldIdLst>
             <p14:sldId id="267"/>
-            <p14:sldId id="279"/>
             <p14:sldId id="289"/>
-            <p14:sldId id="309"/>
-            <p14:sldId id="310"/>
-            <p14:sldId id="270"/>
-            <p14:sldId id="287"/>
-            <p14:sldId id="316"/>
-            <p14:sldId id="299"/>
             <p14:sldId id="301"/>
             <p14:sldId id="266"/>
+            <p14:sldId id="279"/>
+            <p14:sldId id="299"/>
+            <p14:sldId id="309"/>
+            <p14:sldId id="320"/>
+            <p14:sldId id="321"/>
           </p14:sldIdLst>
         </p14:section>
         <p14:section name="技术项目" id="{CD5D3B33-B192-7A47-9AA8-B7BE35B63FD9}">
@@ -3522,300 +3518,6 @@
 </p:sld>
 </file>
 
-<file path=ppt/slides/slide10.xml><?xml version="1.0" encoding="utf-8"?>
-<p:sld xmlns:a="http://schemas.openxmlformats.org/drawingml/2006/main" xmlns:r="http://schemas.openxmlformats.org/officeDocument/2006/relationships" xmlns:p="http://schemas.openxmlformats.org/presentationml/2006/main">
-  <p:cSld>
-    <p:spTree>
-      <p:nvGrpSpPr>
-        <p:cNvPr id="1" name=""/>
-        <p:cNvGrpSpPr/>
-        <p:nvPr/>
-      </p:nvGrpSpPr>
-      <p:grpSpPr>
-        <a:xfrm>
-          <a:off x="0" y="0"/>
-          <a:ext cx="0" cy="0"/>
-          <a:chOff x="0" y="0"/>
-          <a:chExt cx="0" cy="0"/>
-        </a:xfrm>
-      </p:grpSpPr>
-      <p:sp>
-        <p:nvSpPr>
-          <p:cNvPr id="2" name="标题 1"/>
-          <p:cNvSpPr>
-            <a:spLocks noGrp="1"/>
-          </p:cNvSpPr>
-          <p:nvPr>
-            <p:ph type="title"/>
-          </p:nvPr>
-        </p:nvSpPr>
-        <p:spPr>
-          <a:xfrm>
-            <a:off x="1772274" y="320634"/>
-            <a:ext cx="5115414" cy="391885"/>
-          </a:xfrm>
-        </p:spPr>
-        <p:txBody>
-          <a:bodyPr>
-            <a:normAutofit fontScale="90000"/>
-          </a:bodyPr>
-          <a:lstStyle/>
-          <a:p>
-            <a:r>
-              <a:rPr lang="zh-CN" altLang="en-US" sz="2700" spc="200">
-                <a:solidFill>
-                  <a:schemeClr val="tx1">
-                    <a:lumMod val="85000"/>
-                    <a:lumOff val="15000"/>
-                  </a:schemeClr>
-                </a:solidFill>
-                <a:uFillTx/>
-                <a:latin typeface="Arial" panose="020B0604020202020204" pitchFamily="34" charset="0"/>
-                <a:sym typeface="Arial" panose="020B0604020202020204" pitchFamily="34" charset="0"/>
-              </a:rPr>
-              <a:t>总结和练习题</a:t>
-            </a:r>
-            <a:br>
-              <a:rPr lang="zh-CN" altLang="en-US" sz="2700" b="1" spc="200">
-                <a:solidFill>
-                  <a:schemeClr val="tx1">
-                    <a:lumMod val="85000"/>
-                    <a:lumOff val="15000"/>
-                  </a:schemeClr>
-                </a:solidFill>
-                <a:uFillTx/>
-                <a:latin typeface="Arial" panose="020B0604020202020204" pitchFamily="34" charset="0"/>
-                <a:ea typeface="微软雅黑" panose="020B0503020204020204" pitchFamily="34" charset="-122"/>
-                <a:sym typeface="Arial" panose="020B0604020202020204" pitchFamily="34" charset="0"/>
-              </a:rPr>
-            </a:br>
-            <a:endParaRPr lang="zh-CN" altLang="en-US" sz="2700" dirty="0"/>
-          </a:p>
-        </p:txBody>
-      </p:sp>
-      <p:pic>
-        <p:nvPicPr>
-          <p:cNvPr id="5" name="内容占位符 4"/>
-          <p:cNvPicPr>
-            <a:picLocks noGrp="1" noChangeAspect="1"/>
-          </p:cNvPicPr>
-          <p:nvPr>
-            <p:ph idx="1"/>
-          </p:nvPr>
-        </p:nvPicPr>
-        <p:blipFill>
-          <a:blip r:embed="rId1">
-            <a:extLst>
-              <a:ext uri="{28A0092B-C50C-407E-A947-70E740481C1C}">
-                <a14:useLocalDpi xmlns:a14="http://schemas.microsoft.com/office/drawing/2010/main" val="0"/>
-              </a:ext>
-            </a:extLst>
-          </a:blip>
-          <a:stretch>
-            <a:fillRect/>
-          </a:stretch>
-        </p:blipFill>
-        <p:spPr/>
-      </p:pic>
-      <p:sp>
-        <p:nvSpPr>
-          <p:cNvPr id="3" name="文本框 2"/>
-          <p:cNvSpPr txBox="1"/>
-          <p:nvPr/>
-        </p:nvSpPr>
-        <p:spPr>
-          <a:xfrm>
-            <a:off x="1278890" y="1793875"/>
-            <a:ext cx="8638540" cy="675640"/>
-          </a:xfrm>
-          <a:prstGeom prst="rect">
-            <a:avLst/>
-          </a:prstGeom>
-          <a:noFill/>
-        </p:spPr>
-        <p:txBody>
-          <a:bodyPr wrap="square" rtlCol="0">
-            <a:spAutoFit/>
-          </a:bodyPr>
-          <a:p>
-            <a:pPr indent="0">
-              <a:buFontTx/>
-              <a:buNone/>
-            </a:pPr>
-            <a:endParaRPr lang="en-US" altLang="zh-CN" dirty="0">
-              <a:latin typeface="微软雅黑" panose="020B0503020204020204" pitchFamily="34" charset="-122"/>
-              <a:ea typeface="微软雅黑" panose="020B0503020204020204" pitchFamily="34" charset="-122"/>
-            </a:endParaRPr>
-          </a:p>
-          <a:p>
-            <a:endParaRPr lang="zh-CN" altLang="en-US"/>
-          </a:p>
-        </p:txBody>
-      </p:sp>
-      <p:sp>
-        <p:nvSpPr>
-          <p:cNvPr id="4" name="文本框 3"/>
-          <p:cNvSpPr txBox="1"/>
-          <p:nvPr/>
-        </p:nvSpPr>
-        <p:spPr>
-          <a:xfrm>
-            <a:off x="716280" y="1761490"/>
-            <a:ext cx="10468610" cy="1260475"/>
-          </a:xfrm>
-          <a:prstGeom prst="rect">
-            <a:avLst/>
-          </a:prstGeom>
-          <a:noFill/>
-        </p:spPr>
-        <p:txBody>
-          <a:bodyPr wrap="square" rtlCol="0">
-            <a:spAutoFit/>
-          </a:bodyPr>
-          <a:p>
-            <a:r>
-              <a:rPr lang="zh-CN" altLang="en-US"/>
-              <a:t>练习题</a:t>
-            </a:r>
-            <a:r>
-              <a:rPr lang="en-US" altLang="zh-CN"/>
-              <a:t>1</a:t>
-            </a:r>
-            <a:r>
-              <a:rPr lang="zh-CN" altLang="en-US"/>
-              <a:t>：</a:t>
-            </a:r>
-            <a:endParaRPr lang="zh-CN" altLang="en-US"/>
-          </a:p>
-          <a:p>
-            <a:r>
-              <a:rPr lang="zh-CN"/>
-              <a:t>声明一个数组，里面存储房源价格，元素以此为：{</a:t>
-            </a:r>
-            <a:r>
-              <a:rPr lang="en-US" altLang="zh-CN"/>
-              <a:t>22</a:t>
-            </a:r>
-            <a:r>
-              <a:rPr lang="zh-CN"/>
-              <a:t>1</a:t>
-            </a:r>
-            <a:r>
-              <a:rPr lang="en-US" altLang="zh-CN"/>
-              <a:t>1.00</a:t>
-            </a:r>
-            <a:r>
-              <a:rPr lang="zh-CN"/>
-              <a:t>,</a:t>
-            </a:r>
-            <a:r>
-              <a:rPr lang="en-US" altLang="zh-CN"/>
-              <a:t>3600.00</a:t>
-            </a:r>
-            <a:r>
-              <a:rPr lang="zh-CN"/>
-              <a:t>,</a:t>
-            </a:r>
-            <a:r>
-              <a:rPr lang="en-US" altLang="zh-CN"/>
-              <a:t>2500.31</a:t>
-            </a:r>
-            <a:r>
-              <a:rPr lang="zh-CN"/>
-              <a:t>,</a:t>
-            </a:r>
-            <a:r>
-              <a:rPr lang="en-US" altLang="zh-CN"/>
-              <a:t>2500.00</a:t>
-            </a:r>
-            <a:r>
-              <a:rPr lang="zh-CN"/>
-              <a:t>,</a:t>
-            </a:r>
-            <a:r>
-              <a:rPr lang="en-US" altLang="zh-CN"/>
-              <a:t>3698.00</a:t>
-            </a:r>
-            <a:r>
-              <a:rPr lang="zh-CN"/>
-              <a:t>,</a:t>
-            </a:r>
-            <a:r>
-              <a:rPr lang="en-US" altLang="zh-CN"/>
-              <a:t>3789.00</a:t>
-            </a:r>
-            <a:r>
-              <a:rPr lang="zh-CN"/>
-              <a:t>,</a:t>
-            </a:r>
-            <a:r>
-              <a:rPr lang="en-US" altLang="zh-CN"/>
-              <a:t>7423.00</a:t>
-            </a:r>
-            <a:r>
-              <a:rPr lang="zh-CN"/>
-              <a:t>,</a:t>
-            </a:r>
-            <a:r>
-              <a:rPr lang="en-US" altLang="zh-CN"/>
-              <a:t>1002.00</a:t>
-            </a:r>
-            <a:r>
-              <a:rPr lang="zh-CN"/>
-              <a:t>} 对这个数组进行排序</a:t>
-            </a:r>
-            <a:endParaRPr lang="zh-CN"/>
-          </a:p>
-          <a:p/>
-        </p:txBody>
-      </p:sp>
-    </p:spTree>
-  </p:cSld>
-  <p:clrMapOvr>
-    <a:masterClrMapping/>
-  </p:clrMapOvr>
-  <p:timing>
-    <p:tnLst>
-      <p:par>
-        <p:cTn id="1" dur="indefinite" restart="never" nodeType="tmRoot"/>
-      </p:par>
-    </p:tnLst>
-  </p:timing>
-</p:sld>
-</file>
-
-<file path=ppt/slides/slide11.xml><?xml version="1.0" encoding="utf-8"?>
-<p:sld xmlns:a="http://schemas.openxmlformats.org/drawingml/2006/main" xmlns:r="http://schemas.openxmlformats.org/officeDocument/2006/relationships" xmlns:p="http://schemas.openxmlformats.org/presentationml/2006/main">
-  <p:cSld>
-    <p:spTree>
-      <p:nvGrpSpPr>
-        <p:cNvPr id="1" name=""/>
-        <p:cNvGrpSpPr/>
-        <p:nvPr/>
-      </p:nvGrpSpPr>
-      <p:grpSpPr>
-        <a:xfrm>
-          <a:off x="0" y="0"/>
-          <a:ext cx="0" cy="0"/>
-          <a:chOff x="0" y="0"/>
-          <a:chExt cx="0" cy="0"/>
-        </a:xfrm>
-      </p:grpSpPr>
-    </p:spTree>
-  </p:cSld>
-  <p:clrMapOvr>
-    <a:masterClrMapping/>
-  </p:clrMapOvr>
-  <p:timing>
-    <p:tnLst>
-      <p:par>
-        <p:cTn id="1" dur="indefinite" restart="never" nodeType="tmRoot"/>
-      </p:par>
-    </p:tnLst>
-  </p:timing>
-</p:sld>
-</file>
-
 <file path=ppt/slides/slide2.xml><?xml version="1.0" encoding="utf-8"?>
 <p:sld xmlns:a="http://schemas.openxmlformats.org/drawingml/2006/main" xmlns:r="http://schemas.openxmlformats.org/officeDocument/2006/relationships" xmlns:p="http://schemas.openxmlformats.org/presentationml/2006/main">
   <p:cSld>
@@ -4878,21 +4580,7 @@
                 <a:latin typeface="Arial" panose="020B0604020202020204" pitchFamily="34" charset="0"/>
                 <a:sym typeface="Arial" panose="020B0604020202020204" pitchFamily="34" charset="0"/>
               </a:rPr>
-              <a:t>-slice</a:t>
-            </a:r>
-            <a:r>
-              <a:rPr lang="zh-CN" altLang="en-US" sz="2700" spc="200">
-                <a:solidFill>
-                  <a:schemeClr val="tx1">
-                    <a:lumMod val="85000"/>
-                    <a:lumOff val="15000"/>
-                  </a:schemeClr>
-                </a:solidFill>
-                <a:uFillTx/>
-                <a:latin typeface="Arial" panose="020B0604020202020204" pitchFamily="34" charset="0"/>
-                <a:sym typeface="Arial" panose="020B0604020202020204" pitchFamily="34" charset="0"/>
-              </a:rPr>
-              <a:t>切片</a:t>
+              <a:t>-map</a:t>
             </a:r>
             <a:br>
               <a:rPr lang="zh-CN" sz="2700" b="1" spc="200">
@@ -4945,7 +4633,7 @@
         <p:spPr>
           <a:xfrm>
             <a:off x="1098550" y="857250"/>
-            <a:ext cx="10097135" cy="5877560"/>
+            <a:ext cx="10097135" cy="3538220"/>
           </a:xfrm>
           <a:prstGeom prst="rect">
             <a:avLst/>
@@ -4968,7 +4656,7 @@
                 <a:ea typeface="微软雅黑" panose="020B0503020204020204" pitchFamily="34" charset="-122"/>
                 <a:sym typeface="+mn-ea"/>
               </a:rPr>
-              <a:t>if-else 结构</a:t>
+              <a:t>map概念</a:t>
             </a:r>
             <a:endParaRPr sz="2400" dirty="0" smtClean="0">
               <a:latin typeface="微软雅黑" panose="020B0503020204020204" pitchFamily="34" charset="-122"/>
@@ -4993,71 +4681,63 @@
               <a:buNone/>
             </a:pPr>
             <a:r>
-              <a:rPr lang="zh-CN" sz="2400" dirty="0" smtClean="0">
+              <a:rPr sz="2400" dirty="0" smtClean="0">
                 <a:latin typeface="微软雅黑" panose="020B0503020204020204" pitchFamily="34" charset="-122"/>
                 <a:ea typeface="微软雅黑" panose="020B0503020204020204" pitchFamily="34" charset="-122"/>
                 <a:sym typeface="+mn-ea"/>
               </a:rPr>
-              <a:t>格式：</a:t>
-            </a:r>
-            <a:endParaRPr lang="zh-CN" sz="2400" dirty="0" smtClean="0">
-              <a:latin typeface="微软雅黑" panose="020B0503020204020204" pitchFamily="34" charset="-122"/>
-              <a:ea typeface="微软雅黑" panose="020B0503020204020204" pitchFamily="34" charset="-122"/>
-              <a:sym typeface="+mn-ea"/>
-            </a:endParaRPr>
-          </a:p>
-          <a:p>
-            <a:pPr indent="0">
-              <a:buFont typeface="+mj-lt"/>
-              <a:buNone/>
-            </a:pPr>
-            <a:r>
-              <a:rPr lang="zh-CN" sz="1600" dirty="0" smtClean="0">
+              <a:t>map 是一种特殊的数据结构：一个</a:t>
+            </a:r>
+            <a:r>
+              <a:rPr sz="2400" dirty="0" smtClean="0">
+                <a:solidFill>
+                  <a:srgbClr val="FF0000"/>
+                </a:solidFill>
                 <a:latin typeface="微软雅黑" panose="020B0503020204020204" pitchFamily="34" charset="-122"/>
                 <a:ea typeface="微软雅黑" panose="020B0503020204020204" pitchFamily="34" charset="-122"/>
                 <a:sym typeface="+mn-ea"/>
               </a:rPr>
-              <a:t>if condition {</a:t>
-            </a:r>
-            <a:endParaRPr lang="zh-CN" sz="1600" dirty="0" smtClean="0">
-              <a:latin typeface="微软雅黑" panose="020B0503020204020204" pitchFamily="34" charset="-122"/>
-              <a:ea typeface="微软雅黑" panose="020B0503020204020204" pitchFamily="34" charset="-122"/>
-              <a:sym typeface="+mn-ea"/>
-            </a:endParaRPr>
-          </a:p>
-          <a:p>
-            <a:pPr indent="0">
-              <a:buFont typeface="+mj-lt"/>
-              <a:buNone/>
-            </a:pPr>
-            <a:r>
-              <a:rPr lang="zh-CN" sz="1600" dirty="0" smtClean="0">
+              <a:t>无序</a:t>
+            </a:r>
+            <a:r>
+              <a:rPr sz="2400" dirty="0" smtClean="0">
                 <a:latin typeface="微软雅黑" panose="020B0503020204020204" pitchFamily="34" charset="-122"/>
                 <a:ea typeface="微软雅黑" panose="020B0503020204020204" pitchFamily="34" charset="-122"/>
                 <a:sym typeface="+mn-ea"/>
               </a:rPr>
-              <a:t>    // do something </a:t>
-            </a:r>
-            <a:endParaRPr lang="zh-CN" sz="1600" dirty="0" smtClean="0">
-              <a:latin typeface="微软雅黑" panose="020B0503020204020204" pitchFamily="34" charset="-122"/>
-              <a:ea typeface="微软雅黑" panose="020B0503020204020204" pitchFamily="34" charset="-122"/>
-              <a:sym typeface="+mn-ea"/>
-            </a:endParaRPr>
-          </a:p>
-          <a:p>
-            <a:pPr indent="0">
-              <a:buFont typeface="+mj-lt"/>
-              <a:buNone/>
-            </a:pPr>
-            <a:r>
-              <a:rPr lang="zh-CN" sz="1600" dirty="0" smtClean="0">
+              <a:t>的</a:t>
+            </a:r>
+            <a:r>
+              <a:rPr sz="2400" dirty="0" smtClean="0">
+                <a:solidFill>
+                  <a:srgbClr val="FF0000"/>
+                </a:solidFill>
                 <a:latin typeface="微软雅黑" panose="020B0503020204020204" pitchFamily="34" charset="-122"/>
                 <a:ea typeface="微软雅黑" panose="020B0503020204020204" pitchFamily="34" charset="-122"/>
                 <a:sym typeface="+mn-ea"/>
               </a:rPr>
-              <a:t>}</a:t>
-            </a:r>
-            <a:endParaRPr lang="zh-CN" sz="1600" dirty="0" smtClean="0">
+              <a:t>key/value对</a:t>
+            </a:r>
+            <a:r>
+              <a:rPr sz="2400" dirty="0" smtClean="0">
+                <a:latin typeface="微软雅黑" panose="020B0503020204020204" pitchFamily="34" charset="-122"/>
+                <a:ea typeface="微软雅黑" panose="020B0503020204020204" pitchFamily="34" charset="-122"/>
+                <a:sym typeface="+mn-ea"/>
+              </a:rPr>
+              <a:t>【元素对（pair）】的集合，pair 的一个元素是 key，对应的另一个元素是 value，所以这个结构也称为</a:t>
+            </a:r>
+            <a:r>
+              <a:rPr sz="2400" dirty="0" smtClean="0">
+                <a:solidFill>
+                  <a:srgbClr val="FF0000"/>
+                </a:solidFill>
+                <a:latin typeface="微软雅黑" panose="020B0503020204020204" pitchFamily="34" charset="-122"/>
+                <a:ea typeface="微软雅黑" panose="020B0503020204020204" pitchFamily="34" charset="-122"/>
+                <a:sym typeface="+mn-ea"/>
+              </a:rPr>
+              <a:t>关联数组或字典</a:t>
+            </a:r>
+            <a:endParaRPr sz="2400" dirty="0" smtClean="0">
               <a:latin typeface="微软雅黑" panose="020B0503020204020204" pitchFamily="34" charset="-122"/>
               <a:ea typeface="微软雅黑" panose="020B0503020204020204" pitchFamily="34" charset="-122"/>
               <a:sym typeface="+mn-ea"/>
@@ -5079,14 +4759,6 @@
               <a:buFont typeface="+mj-lt"/>
               <a:buNone/>
             </a:pPr>
-            <a:r>
-              <a:rPr lang="zh-CN" sz="1600" dirty="0" smtClean="0">
-                <a:latin typeface="微软雅黑" panose="020B0503020204020204" pitchFamily="34" charset="-122"/>
-                <a:ea typeface="微软雅黑" panose="020B0503020204020204" pitchFamily="34" charset="-122"/>
-                <a:sym typeface="+mn-ea"/>
-              </a:rPr>
-              <a:t>// 存在第二个分支</a:t>
-            </a:r>
             <a:endParaRPr lang="zh-CN" sz="1600" dirty="0" smtClean="0">
               <a:latin typeface="微软雅黑" panose="020B0503020204020204" pitchFamily="34" charset="-122"/>
               <a:ea typeface="微软雅黑" panose="020B0503020204020204" pitchFamily="34" charset="-122"/>
@@ -5099,14 +4771,14 @@
               <a:buNone/>
             </a:pPr>
             <a:r>
-              <a:rPr lang="zh-CN" sz="1600" dirty="0" smtClean="0">
+              <a:rPr lang="zh-CN" sz="2400" dirty="0" smtClean="0">
                 <a:latin typeface="微软雅黑" panose="020B0503020204020204" pitchFamily="34" charset="-122"/>
                 <a:ea typeface="微软雅黑" panose="020B0503020204020204" pitchFamily="34" charset="-122"/>
                 <a:sym typeface="+mn-ea"/>
               </a:rPr>
-              <a:t>if condition {</a:t>
-            </a:r>
-            <a:endParaRPr lang="zh-CN" sz="1600" dirty="0" smtClean="0">
+              <a:t>map声明和初始化</a:t>
+            </a:r>
+            <a:endParaRPr lang="zh-CN" sz="2400" dirty="0" smtClean="0">
               <a:latin typeface="微软雅黑" panose="020B0503020204020204" pitchFamily="34" charset="-122"/>
               <a:ea typeface="微软雅黑" panose="020B0503020204020204" pitchFamily="34" charset="-122"/>
               <a:sym typeface="+mn-ea"/>
@@ -5123,64 +4795,7 @@
                 <a:ea typeface="微软雅黑" panose="020B0503020204020204" pitchFamily="34" charset="-122"/>
                 <a:sym typeface="+mn-ea"/>
               </a:rPr>
-              <a:t>    // do something </a:t>
-            </a:r>
-            <a:endParaRPr lang="zh-CN" sz="1600" dirty="0" smtClean="0">
-              <a:latin typeface="微软雅黑" panose="020B0503020204020204" pitchFamily="34" charset="-122"/>
-              <a:ea typeface="微软雅黑" panose="020B0503020204020204" pitchFamily="34" charset="-122"/>
-              <a:sym typeface="+mn-ea"/>
-            </a:endParaRPr>
-          </a:p>
-          <a:p>
-            <a:pPr indent="0">
-              <a:buFont typeface="+mj-lt"/>
-              <a:buNone/>
-            </a:pPr>
-            <a:r>
-              <a:rPr lang="zh-CN" sz="1600" dirty="0" smtClean="0">
-                <a:latin typeface="微软雅黑" panose="020B0503020204020204" pitchFamily="34" charset="-122"/>
-                <a:ea typeface="微软雅黑" panose="020B0503020204020204" pitchFamily="34" charset="-122"/>
-                <a:sym typeface="+mn-ea"/>
-              </a:rPr>
-              <a:t>} else {</a:t>
-            </a:r>
-            <a:endParaRPr lang="zh-CN" sz="1600" dirty="0" smtClean="0">
-              <a:latin typeface="微软雅黑" panose="020B0503020204020204" pitchFamily="34" charset="-122"/>
-              <a:ea typeface="微软雅黑" panose="020B0503020204020204" pitchFamily="34" charset="-122"/>
-              <a:sym typeface="+mn-ea"/>
-            </a:endParaRPr>
-          </a:p>
-          <a:p>
-            <a:pPr indent="0">
-              <a:buFont typeface="+mj-lt"/>
-              <a:buNone/>
-            </a:pPr>
-            <a:r>
-              <a:rPr lang="zh-CN" sz="1600" dirty="0" smtClean="0">
-                <a:latin typeface="微软雅黑" panose="020B0503020204020204" pitchFamily="34" charset="-122"/>
-                <a:ea typeface="微软雅黑" panose="020B0503020204020204" pitchFamily="34" charset="-122"/>
-                <a:sym typeface="+mn-ea"/>
-              </a:rPr>
-              <a:t>    // do something </a:t>
-            </a:r>
-            <a:endParaRPr lang="zh-CN" sz="1600" dirty="0" smtClean="0">
-              <a:latin typeface="微软雅黑" panose="020B0503020204020204" pitchFamily="34" charset="-122"/>
-              <a:ea typeface="微软雅黑" panose="020B0503020204020204" pitchFamily="34" charset="-122"/>
-              <a:sym typeface="+mn-ea"/>
-            </a:endParaRPr>
-          </a:p>
-          <a:p>
-            <a:pPr indent="0">
-              <a:buFont typeface="+mj-lt"/>
-              <a:buNone/>
-            </a:pPr>
-            <a:r>
-              <a:rPr lang="zh-CN" sz="1600" dirty="0" smtClean="0">
-                <a:latin typeface="微软雅黑" panose="020B0503020204020204" pitchFamily="34" charset="-122"/>
-                <a:ea typeface="微软雅黑" panose="020B0503020204020204" pitchFamily="34" charset="-122"/>
-                <a:sym typeface="+mn-ea"/>
-              </a:rPr>
-              <a:t>}</a:t>
+              <a:t>map 是引用类型，可以使用如下声明：</a:t>
             </a:r>
             <a:endParaRPr lang="zh-CN" sz="1600" dirty="0" smtClean="0">
               <a:latin typeface="微软雅黑" panose="020B0503020204020204" pitchFamily="34" charset="-122"/>
@@ -5204,155 +4819,38 @@
               <a:buFont typeface="+mj-lt"/>
               <a:buNone/>
             </a:pPr>
-            <a:r>
-              <a:rPr lang="zh-CN" sz="1600" dirty="0" smtClean="0">
-                <a:latin typeface="微软雅黑" panose="020B0503020204020204" pitchFamily="34" charset="-122"/>
-                <a:ea typeface="微软雅黑" panose="020B0503020204020204" pitchFamily="34" charset="-122"/>
-                <a:sym typeface="+mn-ea"/>
-              </a:rPr>
-              <a:t>// 多个分支</a:t>
-            </a:r>
             <a:endParaRPr lang="zh-CN" sz="1600" dirty="0" smtClean="0">
               <a:latin typeface="微软雅黑" panose="020B0503020204020204" pitchFamily="34" charset="-122"/>
               <a:ea typeface="微软雅黑" panose="020B0503020204020204" pitchFamily="34" charset="-122"/>
               <a:sym typeface="+mn-ea"/>
             </a:endParaRPr>
           </a:p>
-          <a:p>
-            <a:pPr indent="0">
-              <a:buFont typeface="+mj-lt"/>
-              <a:buNone/>
-            </a:pPr>
-            <a:r>
-              <a:rPr lang="zh-CN" sz="1600" dirty="0" smtClean="0">
-                <a:latin typeface="微软雅黑" panose="020B0503020204020204" pitchFamily="34" charset="-122"/>
-                <a:ea typeface="微软雅黑" panose="020B0503020204020204" pitchFamily="34" charset="-122"/>
-                <a:sym typeface="+mn-ea"/>
-              </a:rPr>
-              <a:t>if condition1 {</a:t>
-            </a:r>
-            <a:endParaRPr lang="zh-CN" sz="1600" dirty="0" smtClean="0">
-              <a:latin typeface="微软雅黑" panose="020B0503020204020204" pitchFamily="34" charset="-122"/>
-              <a:ea typeface="微软雅黑" panose="020B0503020204020204" pitchFamily="34" charset="-122"/>
-              <a:sym typeface="+mn-ea"/>
-            </a:endParaRPr>
-          </a:p>
-          <a:p>
-            <a:pPr indent="0">
-              <a:buFont typeface="+mj-lt"/>
-              <a:buNone/>
-            </a:pPr>
-            <a:r>
-              <a:rPr lang="zh-CN" sz="1600" dirty="0" smtClean="0">
-                <a:latin typeface="微软雅黑" panose="020B0503020204020204" pitchFamily="34" charset="-122"/>
-                <a:ea typeface="微软雅黑" panose="020B0503020204020204" pitchFamily="34" charset="-122"/>
-                <a:sym typeface="+mn-ea"/>
-              </a:rPr>
-              <a:t>    // do something </a:t>
-            </a:r>
-            <a:endParaRPr lang="zh-CN" sz="1600" dirty="0" smtClean="0">
-              <a:latin typeface="微软雅黑" panose="020B0503020204020204" pitchFamily="34" charset="-122"/>
-              <a:ea typeface="微软雅黑" panose="020B0503020204020204" pitchFamily="34" charset="-122"/>
-              <a:sym typeface="+mn-ea"/>
-            </a:endParaRPr>
-          </a:p>
-          <a:p>
-            <a:pPr indent="0">
-              <a:buFont typeface="+mj-lt"/>
-              <a:buNone/>
-            </a:pPr>
-            <a:r>
-              <a:rPr lang="zh-CN" sz="1600" dirty="0" smtClean="0">
-                <a:latin typeface="微软雅黑" panose="020B0503020204020204" pitchFamily="34" charset="-122"/>
-                <a:ea typeface="微软雅黑" panose="020B0503020204020204" pitchFamily="34" charset="-122"/>
-                <a:sym typeface="+mn-ea"/>
-              </a:rPr>
-              <a:t>} else if condition2 {</a:t>
-            </a:r>
-            <a:endParaRPr lang="zh-CN" sz="1600" dirty="0" smtClean="0">
-              <a:latin typeface="微软雅黑" panose="020B0503020204020204" pitchFamily="34" charset="-122"/>
-              <a:ea typeface="微软雅黑" panose="020B0503020204020204" pitchFamily="34" charset="-122"/>
-              <a:sym typeface="+mn-ea"/>
-            </a:endParaRPr>
-          </a:p>
-          <a:p>
-            <a:pPr indent="0">
-              <a:buFont typeface="+mj-lt"/>
-              <a:buNone/>
-            </a:pPr>
-            <a:r>
-              <a:rPr lang="zh-CN" sz="1600" dirty="0" smtClean="0">
-                <a:latin typeface="微软雅黑" panose="020B0503020204020204" pitchFamily="34" charset="-122"/>
-                <a:ea typeface="微软雅黑" panose="020B0503020204020204" pitchFamily="34" charset="-122"/>
-                <a:sym typeface="+mn-ea"/>
-              </a:rPr>
-              <a:t>    // do something else    </a:t>
-            </a:r>
-            <a:endParaRPr lang="zh-CN" sz="1600" dirty="0" smtClean="0">
-              <a:latin typeface="微软雅黑" panose="020B0503020204020204" pitchFamily="34" charset="-122"/>
-              <a:ea typeface="微软雅黑" panose="020B0503020204020204" pitchFamily="34" charset="-122"/>
-              <a:sym typeface="+mn-ea"/>
-            </a:endParaRPr>
-          </a:p>
-          <a:p>
-            <a:pPr indent="0">
-              <a:buFont typeface="+mj-lt"/>
-              <a:buNone/>
-            </a:pPr>
-            <a:r>
-              <a:rPr lang="zh-CN" sz="1600" dirty="0" smtClean="0">
-                <a:latin typeface="微软雅黑" panose="020B0503020204020204" pitchFamily="34" charset="-122"/>
-                <a:ea typeface="微软雅黑" panose="020B0503020204020204" pitchFamily="34" charset="-122"/>
-                <a:sym typeface="+mn-ea"/>
-              </a:rPr>
-              <a:t>} else {</a:t>
-            </a:r>
-            <a:endParaRPr lang="zh-CN" sz="1600" dirty="0" smtClean="0">
-              <a:latin typeface="微软雅黑" panose="020B0503020204020204" pitchFamily="34" charset="-122"/>
-              <a:ea typeface="微软雅黑" panose="020B0503020204020204" pitchFamily="34" charset="-122"/>
-              <a:sym typeface="+mn-ea"/>
-            </a:endParaRPr>
-          </a:p>
-          <a:p>
-            <a:pPr indent="0">
-              <a:buFont typeface="+mj-lt"/>
-              <a:buNone/>
-            </a:pPr>
-            <a:r>
-              <a:rPr lang="zh-CN" sz="1600" dirty="0" smtClean="0">
-                <a:latin typeface="微软雅黑" panose="020B0503020204020204" pitchFamily="34" charset="-122"/>
-                <a:ea typeface="微软雅黑" panose="020B0503020204020204" pitchFamily="34" charset="-122"/>
-                <a:sym typeface="+mn-ea"/>
-              </a:rPr>
-              <a:t>    // catch-all or default</a:t>
-            </a:r>
-            <a:endParaRPr lang="zh-CN" sz="1600" dirty="0" smtClean="0">
-              <a:latin typeface="微软雅黑" panose="020B0503020204020204" pitchFamily="34" charset="-122"/>
-              <a:ea typeface="微软雅黑" panose="020B0503020204020204" pitchFamily="34" charset="-122"/>
-              <a:sym typeface="+mn-ea"/>
-            </a:endParaRPr>
-          </a:p>
-          <a:p>
-            <a:pPr indent="0">
-              <a:buFont typeface="+mj-lt"/>
-              <a:buNone/>
-            </a:pPr>
-            <a:r>
-              <a:rPr lang="zh-CN" sz="1600" dirty="0" smtClean="0">
-                <a:latin typeface="微软雅黑" panose="020B0503020204020204" pitchFamily="34" charset="-122"/>
-                <a:ea typeface="微软雅黑" panose="020B0503020204020204" pitchFamily="34" charset="-122"/>
-                <a:sym typeface="+mn-ea"/>
-              </a:rPr>
-              <a:t>}</a:t>
-            </a:r>
-            <a:endParaRPr lang="zh-CN" sz="1600" dirty="0" smtClean="0">
-              <a:latin typeface="微软雅黑" panose="020B0503020204020204" pitchFamily="34" charset="-122"/>
-              <a:ea typeface="微软雅黑" panose="020B0503020204020204" pitchFamily="34" charset="-122"/>
-              <a:sym typeface="+mn-ea"/>
-            </a:endParaRPr>
-          </a:p>
-        </p:txBody>
-      </p:sp>
+        </p:txBody>
+      </p:sp>
+      <p:pic>
+        <p:nvPicPr>
+          <p:cNvPr id="3" name="图片 2"/>
+          <p:cNvPicPr>
+            <a:picLocks noChangeAspect="1"/>
+          </p:cNvPicPr>
+          <p:nvPr/>
+        </p:nvPicPr>
+        <p:blipFill>
+          <a:blip r:embed="rId2"/>
+          <a:stretch>
+            <a:fillRect/>
+          </a:stretch>
+        </p:blipFill>
+        <p:spPr>
+          <a:xfrm>
+            <a:off x="4962525" y="3094355"/>
+            <a:ext cx="6852285" cy="3598545"/>
+          </a:xfrm>
+          <a:prstGeom prst="rect">
+            <a:avLst/>
+          </a:prstGeom>
+        </p:spPr>
+      </p:pic>
     </p:spTree>
   </p:cSld>
   <p:clrMapOvr>
@@ -5408,6 +4906,48 @@
           <a:lstStyle/>
           <a:p>
             <a:r>
+              <a:rPr lang="zh-CN" altLang="en-US" sz="2700" spc="200">
+                <a:solidFill>
+                  <a:schemeClr val="tx1">
+                    <a:lumMod val="85000"/>
+                    <a:lumOff val="15000"/>
+                  </a:schemeClr>
+                </a:solidFill>
+                <a:uFillTx/>
+                <a:latin typeface="Arial" panose="020B0604020202020204" pitchFamily="34" charset="0"/>
+                <a:sym typeface="Arial" panose="020B0604020202020204" pitchFamily="34" charset="0"/>
+              </a:rPr>
+              <a:t>复合数据类型</a:t>
+            </a:r>
+            <a:r>
+              <a:rPr lang="en-US" altLang="zh-CN" sz="2700" spc="200">
+                <a:solidFill>
+                  <a:schemeClr val="tx1">
+                    <a:lumMod val="85000"/>
+                    <a:lumOff val="15000"/>
+                  </a:schemeClr>
+                </a:solidFill>
+                <a:uFillTx/>
+                <a:latin typeface="Arial" panose="020B0604020202020204" pitchFamily="34" charset="0"/>
+                <a:sym typeface="Arial" panose="020B0604020202020204" pitchFamily="34" charset="0"/>
+              </a:rPr>
+              <a:t>-</a:t>
+            </a:r>
+            <a:r>
+              <a:rPr lang="zh-CN" altLang="en-US" sz="2700" spc="200">
+                <a:solidFill>
+                  <a:schemeClr val="tx1">
+                    <a:lumMod val="85000"/>
+                    <a:lumOff val="15000"/>
+                  </a:schemeClr>
+                </a:solidFill>
+                <a:uFillTx/>
+                <a:latin typeface="Arial" panose="020B0604020202020204" pitchFamily="34" charset="0"/>
+                <a:sym typeface="Arial" panose="020B0604020202020204" pitchFamily="34" charset="0"/>
+              </a:rPr>
+              <a:t>结构体</a:t>
+            </a:r>
+            <a:br>
               <a:rPr lang="zh-CN" sz="2700" spc="200">
                 <a:solidFill>
                   <a:schemeClr val="tx1">
@@ -5417,21 +4957,6 @@
                 </a:solidFill>
                 <a:uFillTx/>
                 <a:latin typeface="Arial" panose="020B0604020202020204" pitchFamily="34" charset="0"/>
-                <a:sym typeface="Arial" panose="020B0604020202020204" pitchFamily="34" charset="0"/>
-              </a:rPr>
-              <a:t>控制结构</a:t>
-            </a:r>
-            <a:br>
-              <a:rPr lang="zh-CN" sz="2700" b="1" spc="200">
-                <a:solidFill>
-                  <a:schemeClr val="tx1">
-                    <a:lumMod val="85000"/>
-                    <a:lumOff val="15000"/>
-                  </a:schemeClr>
-                </a:solidFill>
-                <a:uFillTx/>
-                <a:latin typeface="Arial" panose="020B0604020202020204" pitchFamily="34" charset="0"/>
-                <a:ea typeface="微软雅黑" panose="020B0503020204020204" pitchFamily="34" charset="-122"/>
                 <a:sym typeface="Arial" panose="020B0604020202020204" pitchFamily="34" charset="0"/>
               </a:rPr>
             </a:br>
@@ -5472,7 +4997,7 @@
         <p:spPr>
           <a:xfrm>
             <a:off x="1047750" y="857250"/>
-            <a:ext cx="10097135" cy="6216015"/>
+            <a:ext cx="10097135" cy="3569335"/>
           </a:xfrm>
           <a:prstGeom prst="rect">
             <a:avLst/>
@@ -5495,7 +5020,7 @@
                 <a:ea typeface="微软雅黑" panose="020B0503020204020204" pitchFamily="34" charset="-122"/>
                 <a:sym typeface="+mn-ea"/>
               </a:rPr>
-              <a:t>switch 结构</a:t>
+              <a:t>struct概念</a:t>
             </a:r>
             <a:endParaRPr sz="2400" dirty="0" smtClean="0">
               <a:latin typeface="微软雅黑" panose="020B0503020204020204" pitchFamily="34" charset="-122"/>
@@ -5515,593 +5040,186 @@
             </a:endParaRPr>
           </a:p>
           <a:p>
+            <a:pPr marL="457200" indent="-457200">
+              <a:buFont typeface="+mj-lt"/>
+              <a:buAutoNum type="arabicPeriod"/>
+            </a:pPr>
+            <a:r>
+              <a:rPr sz="2000" dirty="0" smtClean="0">
+                <a:latin typeface="微软雅黑" panose="020B0503020204020204" pitchFamily="34" charset="-122"/>
+                <a:ea typeface="微软雅黑" panose="020B0503020204020204" pitchFamily="34" charset="-122"/>
+                <a:sym typeface="+mn-ea"/>
+              </a:rPr>
+              <a:t>结构体是一种</a:t>
+            </a:r>
+            <a:r>
+              <a:rPr sz="2000" dirty="0" smtClean="0">
+                <a:solidFill>
+                  <a:srgbClr val="FF0000"/>
+                </a:solidFill>
+                <a:latin typeface="微软雅黑" panose="020B0503020204020204" pitchFamily="34" charset="-122"/>
+                <a:ea typeface="微软雅黑" panose="020B0503020204020204" pitchFamily="34" charset="-122"/>
+                <a:sym typeface="+mn-ea"/>
+              </a:rPr>
+              <a:t>聚合的数据类型</a:t>
+            </a:r>
+            <a:r>
+              <a:rPr sz="2000" dirty="0" smtClean="0">
+                <a:latin typeface="微软雅黑" panose="020B0503020204020204" pitchFamily="34" charset="-122"/>
+                <a:ea typeface="微软雅黑" panose="020B0503020204020204" pitchFamily="34" charset="-122"/>
+                <a:sym typeface="+mn-ea"/>
+              </a:rPr>
+              <a:t>，是由零个或多个任意类型的值聚合成的实体。</a:t>
+            </a:r>
+            <a:endParaRPr sz="2000" dirty="0" smtClean="0">
+              <a:latin typeface="微软雅黑" panose="020B0503020204020204" pitchFamily="34" charset="-122"/>
+              <a:ea typeface="微软雅黑" panose="020B0503020204020204" pitchFamily="34" charset="-122"/>
+              <a:sym typeface="+mn-ea"/>
+            </a:endParaRPr>
+          </a:p>
+          <a:p>
+            <a:pPr marL="457200" indent="-457200">
+              <a:buFont typeface="+mj-lt"/>
+              <a:buAutoNum type="arabicPeriod"/>
+            </a:pPr>
+            <a:r>
+              <a:rPr sz="2000" dirty="0" smtClean="0">
+                <a:latin typeface="微软雅黑" panose="020B0503020204020204" pitchFamily="34" charset="-122"/>
+                <a:ea typeface="微软雅黑" panose="020B0503020204020204" pitchFamily="34" charset="-122"/>
+                <a:sym typeface="+mn-ea"/>
+              </a:rPr>
+              <a:t>Go语言的结构体（struct）和其他语言的类（class）有同等的地位</a:t>
+            </a:r>
+            <a:endParaRPr sz="2000" dirty="0" smtClean="0">
+              <a:latin typeface="微软雅黑" panose="020B0503020204020204" pitchFamily="34" charset="-122"/>
+              <a:ea typeface="微软雅黑" panose="020B0503020204020204" pitchFamily="34" charset="-122"/>
+              <a:sym typeface="+mn-ea"/>
+            </a:endParaRPr>
+          </a:p>
+          <a:p>
+            <a:pPr marL="457200" indent="-457200">
+              <a:buFont typeface="+mj-lt"/>
+              <a:buAutoNum type="arabicPeriod"/>
+            </a:pPr>
+            <a:r>
+              <a:rPr sz="2000" dirty="0" smtClean="0">
+                <a:latin typeface="微软雅黑" panose="020B0503020204020204" pitchFamily="34" charset="-122"/>
+                <a:ea typeface="微软雅黑" panose="020B0503020204020204" pitchFamily="34" charset="-122"/>
+                <a:sym typeface="+mn-ea"/>
+              </a:rPr>
+              <a:t>结构体也是</a:t>
+            </a:r>
+            <a:r>
+              <a:rPr sz="2000" dirty="0" smtClean="0">
+                <a:solidFill>
+                  <a:srgbClr val="FF0000"/>
+                </a:solidFill>
+                <a:latin typeface="微软雅黑" panose="020B0503020204020204" pitchFamily="34" charset="-122"/>
+                <a:ea typeface="微软雅黑" panose="020B0503020204020204" pitchFamily="34" charset="-122"/>
+                <a:sym typeface="+mn-ea"/>
+              </a:rPr>
+              <a:t>值类型</a:t>
+            </a:r>
+            <a:r>
+              <a:rPr sz="2000" dirty="0" smtClean="0">
+                <a:latin typeface="微软雅黑" panose="020B0503020204020204" pitchFamily="34" charset="-122"/>
+                <a:ea typeface="微软雅黑" panose="020B0503020204020204" pitchFamily="34" charset="-122"/>
+                <a:sym typeface="+mn-ea"/>
+              </a:rPr>
+              <a:t>，因此可以通过 new 函数来创建。</a:t>
+            </a:r>
+            <a:endParaRPr sz="2000" dirty="0" smtClean="0">
+              <a:latin typeface="微软雅黑" panose="020B0503020204020204" pitchFamily="34" charset="-122"/>
+              <a:ea typeface="微软雅黑" panose="020B0503020204020204" pitchFamily="34" charset="-122"/>
+              <a:sym typeface="+mn-ea"/>
+            </a:endParaRPr>
+          </a:p>
+          <a:p>
+            <a:pPr marL="457200" indent="-457200">
+              <a:buFont typeface="+mj-lt"/>
+              <a:buAutoNum type="arabicPeriod"/>
+            </a:pPr>
+            <a:r>
+              <a:rPr sz="2000" dirty="0" smtClean="0">
+                <a:latin typeface="微软雅黑" panose="020B0503020204020204" pitchFamily="34" charset="-122"/>
+                <a:ea typeface="微软雅黑" panose="020B0503020204020204" pitchFamily="34" charset="-122"/>
+                <a:sym typeface="+mn-ea"/>
+              </a:rPr>
+              <a:t>组成结构体类型的那些数据称为 </a:t>
+            </a:r>
+            <a:r>
+              <a:rPr sz="2000" dirty="0" smtClean="0">
+                <a:solidFill>
+                  <a:srgbClr val="FF0000"/>
+                </a:solidFill>
+                <a:latin typeface="微软雅黑" panose="020B0503020204020204" pitchFamily="34" charset="-122"/>
+                <a:ea typeface="微软雅黑" panose="020B0503020204020204" pitchFamily="34" charset="-122"/>
+                <a:sym typeface="+mn-ea"/>
+              </a:rPr>
+              <a:t>字段</a:t>
+            </a:r>
+            <a:r>
+              <a:rPr sz="2000" dirty="0" smtClean="0">
+                <a:latin typeface="微软雅黑" panose="020B0503020204020204" pitchFamily="34" charset="-122"/>
+                <a:ea typeface="微软雅黑" panose="020B0503020204020204" pitchFamily="34" charset="-122"/>
+                <a:sym typeface="+mn-ea"/>
+              </a:rPr>
+              <a:t>（fields）。每个字段都有一个类型和一个名字；</a:t>
+            </a:r>
+            <a:r>
+              <a:rPr sz="2000" dirty="0" smtClean="0">
+                <a:solidFill>
+                  <a:srgbClr val="FF0000"/>
+                </a:solidFill>
+                <a:latin typeface="微软雅黑" panose="020B0503020204020204" pitchFamily="34" charset="-122"/>
+                <a:ea typeface="微软雅黑" panose="020B0503020204020204" pitchFamily="34" charset="-122"/>
+                <a:sym typeface="+mn-ea"/>
+              </a:rPr>
+              <a:t>在一个结构体中，字段名字必须是唯一的</a:t>
+            </a:r>
+            <a:r>
+              <a:rPr sz="2000" dirty="0" smtClean="0">
+                <a:latin typeface="微软雅黑" panose="020B0503020204020204" pitchFamily="34" charset="-122"/>
+                <a:ea typeface="微软雅黑" panose="020B0503020204020204" pitchFamily="34" charset="-122"/>
+                <a:sym typeface="+mn-ea"/>
+              </a:rPr>
+              <a:t>。</a:t>
+            </a:r>
+            <a:endParaRPr sz="2000" dirty="0" smtClean="0">
+              <a:latin typeface="微软雅黑" panose="020B0503020204020204" pitchFamily="34" charset="-122"/>
+              <a:ea typeface="微软雅黑" panose="020B0503020204020204" pitchFamily="34" charset="-122"/>
+              <a:sym typeface="+mn-ea"/>
+            </a:endParaRPr>
+          </a:p>
+          <a:p>
+            <a:pPr marL="457200" indent="-457200">
+              <a:buFont typeface="+mj-lt"/>
+              <a:buNone/>
+            </a:pPr>
+            <a:endParaRPr sz="2400" dirty="0" smtClean="0">
+              <a:latin typeface="微软雅黑" panose="020B0503020204020204" pitchFamily="34" charset="-122"/>
+              <a:ea typeface="微软雅黑" panose="020B0503020204020204" pitchFamily="34" charset="-122"/>
+              <a:sym typeface="+mn-ea"/>
+            </a:endParaRPr>
+          </a:p>
+          <a:p>
             <a:pPr indent="0">
               <a:buFont typeface="+mj-lt"/>
               <a:buNone/>
             </a:pPr>
             <a:r>
-              <a:rPr lang="zh-CN" sz="2400" dirty="0" smtClean="0">
+              <a:rPr lang="zh-CN" sz="1800" dirty="0" smtClean="0">
                 <a:latin typeface="微软雅黑" panose="020B0503020204020204" pitchFamily="34" charset="-122"/>
                 <a:ea typeface="微软雅黑" panose="020B0503020204020204" pitchFamily="34" charset="-122"/>
                 <a:sym typeface="+mn-ea"/>
               </a:rPr>
-              <a:t>格式：</a:t>
-            </a:r>
-            <a:endParaRPr lang="zh-CN" sz="2400" dirty="0" smtClean="0">
-              <a:latin typeface="微软雅黑" panose="020B0503020204020204" pitchFamily="34" charset="-122"/>
-              <a:ea typeface="微软雅黑" panose="020B0503020204020204" pitchFamily="34" charset="-122"/>
-              <a:sym typeface="+mn-ea"/>
-            </a:endParaRPr>
-          </a:p>
-          <a:p>
-            <a:pPr indent="0">
-              <a:buFont typeface="+mj-lt"/>
-              <a:buNone/>
-            </a:pPr>
-            <a:r>
-              <a:rPr lang="zh-CN" sz="1600" dirty="0" smtClean="0">
-                <a:latin typeface="微软雅黑" panose="020B0503020204020204" pitchFamily="34" charset="-122"/>
-                <a:ea typeface="微软雅黑" panose="020B0503020204020204" pitchFamily="34" charset="-122"/>
-                <a:sym typeface="+mn-ea"/>
-              </a:rPr>
-              <a:t>switch 变量</a:t>
-            </a:r>
-            <a:r>
-              <a:rPr lang="en-US" altLang="zh-CN" sz="1600" dirty="0" smtClean="0">
-                <a:latin typeface="微软雅黑" panose="020B0503020204020204" pitchFamily="34" charset="-122"/>
-                <a:ea typeface="微软雅黑" panose="020B0503020204020204" pitchFamily="34" charset="-122"/>
-                <a:sym typeface="+mn-ea"/>
-              </a:rPr>
-              <a:t>/</a:t>
-            </a:r>
-            <a:r>
-              <a:rPr lang="zh-CN" altLang="en-US" sz="1600" dirty="0" smtClean="0">
-                <a:latin typeface="微软雅黑" panose="020B0503020204020204" pitchFamily="34" charset="-122"/>
-                <a:ea typeface="微软雅黑" panose="020B0503020204020204" pitchFamily="34" charset="-122"/>
-                <a:sym typeface="+mn-ea"/>
-              </a:rPr>
-              <a:t>常量</a:t>
-            </a:r>
-            <a:r>
-              <a:rPr lang="en-US" altLang="zh-CN" sz="1600" dirty="0" smtClean="0">
-                <a:latin typeface="微软雅黑" panose="020B0503020204020204" pitchFamily="34" charset="-122"/>
-                <a:ea typeface="微软雅黑" panose="020B0503020204020204" pitchFamily="34" charset="-122"/>
-                <a:sym typeface="+mn-ea"/>
-              </a:rPr>
-              <a:t>/</a:t>
-            </a:r>
-            <a:r>
-              <a:rPr lang="zh-CN" altLang="en-US" sz="1600" dirty="0" smtClean="0">
-                <a:latin typeface="微软雅黑" panose="020B0503020204020204" pitchFamily="34" charset="-122"/>
-                <a:ea typeface="微软雅黑" panose="020B0503020204020204" pitchFamily="34" charset="-122"/>
-                <a:sym typeface="+mn-ea"/>
-              </a:rPr>
-              <a:t>表达式</a:t>
-            </a:r>
-            <a:r>
-              <a:rPr lang="en-US" altLang="zh-CN" sz="1600" dirty="0" smtClean="0">
-                <a:latin typeface="微软雅黑" panose="020B0503020204020204" pitchFamily="34" charset="-122"/>
-                <a:ea typeface="微软雅黑" panose="020B0503020204020204" pitchFamily="34" charset="-122"/>
-                <a:sym typeface="+mn-ea"/>
-              </a:rPr>
-              <a:t>/</a:t>
-            </a:r>
-            <a:r>
-              <a:rPr lang="zh-CN" altLang="en-US" sz="1600" dirty="0" smtClean="0">
-                <a:latin typeface="微软雅黑" panose="020B0503020204020204" pitchFamily="34" charset="-122"/>
-                <a:ea typeface="微软雅黑" panose="020B0503020204020204" pitchFamily="34" charset="-122"/>
-                <a:sym typeface="+mn-ea"/>
-              </a:rPr>
-              <a:t>留空</a:t>
-            </a:r>
-            <a:r>
-              <a:rPr lang="zh-CN" altLang="en-US" sz="1600" dirty="0" smtClean="0">
-                <a:latin typeface="微软雅黑" panose="020B0503020204020204" pitchFamily="34" charset="-122"/>
-                <a:ea typeface="微软雅黑" panose="020B0503020204020204" pitchFamily="34" charset="-122"/>
-                <a:sym typeface="+mn-ea"/>
-              </a:rPr>
-              <a:t> </a:t>
-            </a:r>
-            <a:r>
-              <a:rPr lang="zh-CN" sz="1600" dirty="0" smtClean="0">
-                <a:latin typeface="微软雅黑" panose="020B0503020204020204" pitchFamily="34" charset="-122"/>
-                <a:ea typeface="微软雅黑" panose="020B0503020204020204" pitchFamily="34" charset="-122"/>
-                <a:sym typeface="+mn-ea"/>
-              </a:rPr>
-              <a:t>{</a:t>
-            </a:r>
-            <a:endParaRPr lang="zh-CN" sz="1600" dirty="0" smtClean="0">
-              <a:latin typeface="微软雅黑" panose="020B0503020204020204" pitchFamily="34" charset="-122"/>
-              <a:ea typeface="微软雅黑" panose="020B0503020204020204" pitchFamily="34" charset="-122"/>
-              <a:sym typeface="+mn-ea"/>
-            </a:endParaRPr>
-          </a:p>
-          <a:p>
-            <a:pPr indent="0">
-              <a:buFont typeface="+mj-lt"/>
-              <a:buNone/>
-            </a:pPr>
-            <a:r>
-              <a:rPr lang="zh-CN" sz="1600" dirty="0" smtClean="0">
-                <a:latin typeface="微软雅黑" panose="020B0503020204020204" pitchFamily="34" charset="-122"/>
-                <a:ea typeface="微软雅黑" panose="020B0503020204020204" pitchFamily="34" charset="-122"/>
-                <a:sym typeface="+mn-ea"/>
-              </a:rPr>
-              <a:t>    case </a:t>
-            </a:r>
-            <a:r>
-              <a:rPr lang="zh-CN" sz="1600" dirty="0" smtClean="0">
-                <a:latin typeface="微软雅黑" panose="020B0503020204020204" pitchFamily="34" charset="-122"/>
-                <a:ea typeface="微软雅黑" panose="020B0503020204020204" pitchFamily="34" charset="-122"/>
-                <a:sym typeface="+mn-ea"/>
-              </a:rPr>
-              <a:t>变量</a:t>
-            </a:r>
-            <a:r>
-              <a:rPr lang="en-US" altLang="zh-CN" sz="1600" dirty="0" smtClean="0">
-                <a:latin typeface="微软雅黑" panose="020B0503020204020204" pitchFamily="34" charset="-122"/>
-                <a:ea typeface="微软雅黑" panose="020B0503020204020204" pitchFamily="34" charset="-122"/>
-                <a:sym typeface="+mn-ea"/>
-              </a:rPr>
-              <a:t>/</a:t>
-            </a:r>
-            <a:r>
-              <a:rPr lang="zh-CN" altLang="en-US" sz="1600" dirty="0" smtClean="0">
-                <a:latin typeface="微软雅黑" panose="020B0503020204020204" pitchFamily="34" charset="-122"/>
-                <a:ea typeface="微软雅黑" panose="020B0503020204020204" pitchFamily="34" charset="-122"/>
-                <a:sym typeface="+mn-ea"/>
-              </a:rPr>
-              <a:t>常量</a:t>
-            </a:r>
-            <a:r>
-              <a:rPr lang="en-US" altLang="zh-CN" sz="1600" dirty="0" smtClean="0">
-                <a:latin typeface="微软雅黑" panose="020B0503020204020204" pitchFamily="34" charset="-122"/>
-                <a:ea typeface="微软雅黑" panose="020B0503020204020204" pitchFamily="34" charset="-122"/>
-                <a:sym typeface="+mn-ea"/>
-              </a:rPr>
-              <a:t>/</a:t>
-            </a:r>
-            <a:r>
-              <a:rPr lang="zh-CN" altLang="en-US" sz="1600" dirty="0" smtClean="0">
-                <a:latin typeface="微软雅黑" panose="020B0503020204020204" pitchFamily="34" charset="-122"/>
-                <a:ea typeface="微软雅黑" panose="020B0503020204020204" pitchFamily="34" charset="-122"/>
-                <a:sym typeface="+mn-ea"/>
-              </a:rPr>
-              <a:t>表达式</a:t>
-            </a:r>
-            <a:r>
-              <a:rPr lang="zh-CN" sz="1600" dirty="0" smtClean="0">
-                <a:latin typeface="微软雅黑" panose="020B0503020204020204" pitchFamily="34" charset="-122"/>
-                <a:ea typeface="微软雅黑" panose="020B0503020204020204" pitchFamily="34" charset="-122"/>
-                <a:sym typeface="+mn-ea"/>
-              </a:rPr>
-              <a:t>: </a:t>
-            </a:r>
-            <a:endParaRPr lang="zh-CN" sz="1600" dirty="0" smtClean="0">
-              <a:latin typeface="微软雅黑" panose="020B0503020204020204" pitchFamily="34" charset="-122"/>
-              <a:ea typeface="微软雅黑" panose="020B0503020204020204" pitchFamily="34" charset="-122"/>
-              <a:sym typeface="+mn-ea"/>
-            </a:endParaRPr>
-          </a:p>
-          <a:p>
-            <a:pPr indent="0">
-              <a:buFont typeface="+mj-lt"/>
-              <a:buNone/>
-            </a:pPr>
-            <a:r>
-              <a:rPr lang="en-US" altLang="zh-CN" sz="1600" dirty="0" smtClean="0">
-                <a:latin typeface="微软雅黑" panose="020B0503020204020204" pitchFamily="34" charset="-122"/>
-                <a:ea typeface="微软雅黑" panose="020B0503020204020204" pitchFamily="34" charset="-122"/>
-                <a:sym typeface="+mn-ea"/>
-              </a:rPr>
-              <a:t>	</a:t>
-            </a:r>
-            <a:r>
-              <a:rPr lang="zh-CN" altLang="en-US" sz="1600" dirty="0" smtClean="0">
-                <a:latin typeface="微软雅黑" panose="020B0503020204020204" pitchFamily="34" charset="-122"/>
-                <a:ea typeface="微软雅黑" panose="020B0503020204020204" pitchFamily="34" charset="-122"/>
-                <a:sym typeface="+mn-ea"/>
-              </a:rPr>
-              <a:t>语句</a:t>
-            </a:r>
-            <a:endParaRPr lang="zh-CN" sz="1600" dirty="0" smtClean="0">
-              <a:latin typeface="微软雅黑" panose="020B0503020204020204" pitchFamily="34" charset="-122"/>
-              <a:ea typeface="微软雅黑" panose="020B0503020204020204" pitchFamily="34" charset="-122"/>
-              <a:sym typeface="+mn-ea"/>
-            </a:endParaRPr>
-          </a:p>
-          <a:p>
-            <a:pPr indent="0">
-              <a:buFont typeface="+mj-lt"/>
-              <a:buNone/>
-            </a:pPr>
-            <a:r>
-              <a:rPr lang="zh-CN" sz="1600" dirty="0" smtClean="0">
-                <a:latin typeface="微软雅黑" panose="020B0503020204020204" pitchFamily="34" charset="-122"/>
-                <a:ea typeface="微软雅黑" panose="020B0503020204020204" pitchFamily="34" charset="-122"/>
-                <a:sym typeface="+mn-ea"/>
-              </a:rPr>
-              <a:t>    case </a:t>
-            </a:r>
-            <a:r>
-              <a:rPr lang="zh-CN" sz="1600" dirty="0" smtClean="0">
-                <a:latin typeface="微软雅黑" panose="020B0503020204020204" pitchFamily="34" charset="-122"/>
-                <a:ea typeface="微软雅黑" panose="020B0503020204020204" pitchFamily="34" charset="-122"/>
-                <a:sym typeface="+mn-ea"/>
-              </a:rPr>
-              <a:t>变量</a:t>
-            </a:r>
-            <a:r>
-              <a:rPr lang="en-US" altLang="zh-CN" sz="1600" dirty="0" smtClean="0">
-                <a:latin typeface="微软雅黑" panose="020B0503020204020204" pitchFamily="34" charset="-122"/>
-                <a:ea typeface="微软雅黑" panose="020B0503020204020204" pitchFamily="34" charset="-122"/>
-                <a:sym typeface="+mn-ea"/>
-              </a:rPr>
-              <a:t>/</a:t>
-            </a:r>
-            <a:r>
-              <a:rPr lang="zh-CN" altLang="en-US" sz="1600" dirty="0" smtClean="0">
-                <a:latin typeface="微软雅黑" panose="020B0503020204020204" pitchFamily="34" charset="-122"/>
-                <a:ea typeface="微软雅黑" panose="020B0503020204020204" pitchFamily="34" charset="-122"/>
-                <a:sym typeface="+mn-ea"/>
-              </a:rPr>
-              <a:t>常量</a:t>
-            </a:r>
-            <a:r>
-              <a:rPr lang="en-US" altLang="zh-CN" sz="1600" dirty="0" smtClean="0">
-                <a:latin typeface="微软雅黑" panose="020B0503020204020204" pitchFamily="34" charset="-122"/>
-                <a:ea typeface="微软雅黑" panose="020B0503020204020204" pitchFamily="34" charset="-122"/>
-                <a:sym typeface="+mn-ea"/>
-              </a:rPr>
-              <a:t>/</a:t>
-            </a:r>
-            <a:r>
-              <a:rPr lang="zh-CN" altLang="en-US" sz="1600" dirty="0" smtClean="0">
-                <a:latin typeface="微软雅黑" panose="020B0503020204020204" pitchFamily="34" charset="-122"/>
-                <a:ea typeface="微软雅黑" panose="020B0503020204020204" pitchFamily="34" charset="-122"/>
-                <a:sym typeface="+mn-ea"/>
-              </a:rPr>
-              <a:t>表达式</a:t>
-            </a:r>
-            <a:r>
-              <a:rPr lang="zh-CN" sz="1600" dirty="0" smtClean="0">
-                <a:latin typeface="微软雅黑" panose="020B0503020204020204" pitchFamily="34" charset="-122"/>
-                <a:ea typeface="微软雅黑" panose="020B0503020204020204" pitchFamily="34" charset="-122"/>
-                <a:sym typeface="+mn-ea"/>
-              </a:rPr>
-              <a:t>:</a:t>
-            </a:r>
-            <a:endParaRPr lang="zh-CN" sz="1600" dirty="0" smtClean="0">
-              <a:latin typeface="微软雅黑" panose="020B0503020204020204" pitchFamily="34" charset="-122"/>
-              <a:ea typeface="微软雅黑" panose="020B0503020204020204" pitchFamily="34" charset="-122"/>
-              <a:sym typeface="+mn-ea"/>
-            </a:endParaRPr>
-          </a:p>
-          <a:p>
-            <a:pPr indent="0">
-              <a:buFont typeface="+mj-lt"/>
-              <a:buNone/>
-            </a:pPr>
-            <a:r>
-              <a:rPr lang="zh-CN" sz="1600" dirty="0" smtClean="0">
-                <a:latin typeface="微软雅黑" panose="020B0503020204020204" pitchFamily="34" charset="-122"/>
-                <a:ea typeface="微软雅黑" panose="020B0503020204020204" pitchFamily="34" charset="-122"/>
-                <a:sym typeface="+mn-ea"/>
-              </a:rPr>
-              <a:t>        f() </a:t>
-            </a:r>
-            <a:endParaRPr lang="zh-CN" sz="1600" dirty="0" smtClean="0">
-              <a:latin typeface="微软雅黑" panose="020B0503020204020204" pitchFamily="34" charset="-122"/>
-              <a:ea typeface="微软雅黑" panose="020B0503020204020204" pitchFamily="34" charset="-122"/>
-              <a:sym typeface="+mn-ea"/>
-            </a:endParaRPr>
-          </a:p>
-          <a:p>
-            <a:pPr indent="0">
-              <a:buFont typeface="+mj-lt"/>
-              <a:buNone/>
-            </a:pPr>
-            <a:r>
-              <a:rPr lang="zh-CN" sz="1600" dirty="0" smtClean="0">
-                <a:latin typeface="微软雅黑" panose="020B0503020204020204" pitchFamily="34" charset="-122"/>
-                <a:ea typeface="微软雅黑" panose="020B0503020204020204" pitchFamily="34" charset="-122"/>
-                <a:sym typeface="+mn-ea"/>
-              </a:rPr>
-              <a:t>}</a:t>
-            </a:r>
-            <a:endParaRPr lang="zh-CN" sz="1600" dirty="0" smtClean="0">
-              <a:latin typeface="微软雅黑" panose="020B0503020204020204" pitchFamily="34" charset="-122"/>
-              <a:ea typeface="微软雅黑" panose="020B0503020204020204" pitchFamily="34" charset="-122"/>
-              <a:sym typeface="+mn-ea"/>
-            </a:endParaRPr>
-          </a:p>
-          <a:p>
-            <a:pPr indent="0">
-              <a:buFont typeface="+mj-lt"/>
-              <a:buNone/>
-            </a:pPr>
-            <a:endParaRPr lang="zh-CN" sz="1600" dirty="0" smtClean="0">
-              <a:latin typeface="微软雅黑" panose="020B0503020204020204" pitchFamily="34" charset="-122"/>
-              <a:ea typeface="微软雅黑" panose="020B0503020204020204" pitchFamily="34" charset="-122"/>
-              <a:sym typeface="+mn-ea"/>
-            </a:endParaRPr>
-          </a:p>
-          <a:p>
-            <a:pPr indent="0">
-              <a:buFont typeface="+mj-lt"/>
-              <a:buNone/>
-            </a:pPr>
-            <a:endParaRPr lang="zh-CN" sz="1600" dirty="0" smtClean="0">
-              <a:latin typeface="微软雅黑" panose="020B0503020204020204" pitchFamily="34" charset="-122"/>
-              <a:ea typeface="微软雅黑" panose="020B0503020204020204" pitchFamily="34" charset="-122"/>
-              <a:sym typeface="+mn-ea"/>
-            </a:endParaRPr>
-          </a:p>
-          <a:p>
-            <a:pPr indent="0">
-              <a:buFont typeface="+mj-lt"/>
-              <a:buNone/>
-            </a:pPr>
-            <a:r>
-              <a:rPr lang="zh-CN" sz="1800" dirty="0" smtClean="0">
-                <a:latin typeface="微软雅黑" panose="020B0503020204020204" pitchFamily="34" charset="-122"/>
-                <a:ea typeface="微软雅黑" panose="020B0503020204020204" pitchFamily="34" charset="-122"/>
-                <a:sym typeface="+mn-ea"/>
-              </a:rPr>
-              <a:t>Type Switch 的基本用法</a:t>
+              <a:t>如处理公司的员工信息，每个员工信息包含一个唯一的员工编号、员工的名字、家庭住址、出生日期、工作岗位、薪资、上级领导等等。所有的这些信息都需要绑定到一个实体中就可以使用结构体的概念</a:t>
             </a:r>
             <a:endParaRPr lang="zh-CN" sz="1800" dirty="0" smtClean="0">
               <a:latin typeface="微软雅黑" panose="020B0503020204020204" pitchFamily="34" charset="-122"/>
               <a:ea typeface="微软雅黑" panose="020B0503020204020204" pitchFamily="34" charset="-122"/>
               <a:sym typeface="+mn-ea"/>
             </a:endParaRPr>
-          </a:p>
-          <a:p>
-            <a:pPr indent="0">
-              <a:buFont typeface="+mj-lt"/>
-              <a:buNone/>
-            </a:pPr>
-            <a:r>
-              <a:rPr lang="zh-CN" sz="1800" dirty="0" smtClean="0">
-                <a:latin typeface="微软雅黑" panose="020B0503020204020204" pitchFamily="34" charset="-122"/>
-                <a:ea typeface="微软雅黑" panose="020B0503020204020204" pitchFamily="34" charset="-122"/>
-                <a:sym typeface="+mn-ea"/>
-              </a:rPr>
-              <a:t>格式：</a:t>
-            </a:r>
-            <a:endParaRPr lang="zh-CN" sz="1800" dirty="0" smtClean="0">
-              <a:latin typeface="微软雅黑" panose="020B0503020204020204" pitchFamily="34" charset="-122"/>
-              <a:ea typeface="微软雅黑" panose="020B0503020204020204" pitchFamily="34" charset="-122"/>
-              <a:sym typeface="+mn-ea"/>
-            </a:endParaRPr>
-          </a:p>
-          <a:p>
-            <a:pPr indent="0">
-              <a:buFont typeface="+mj-lt"/>
-              <a:buNone/>
-            </a:pPr>
-            <a:r>
-              <a:rPr lang="zh-CN" sz="1800" dirty="0" smtClean="0">
-                <a:latin typeface="微软雅黑" panose="020B0503020204020204" pitchFamily="34" charset="-122"/>
-                <a:ea typeface="微软雅黑" panose="020B0503020204020204" pitchFamily="34" charset="-122"/>
-                <a:sym typeface="+mn-ea"/>
-              </a:rPr>
-              <a:t>switch x.(type) {</a:t>
-            </a:r>
-            <a:endParaRPr lang="zh-CN" sz="1800" dirty="0" smtClean="0">
-              <a:latin typeface="微软雅黑" panose="020B0503020204020204" pitchFamily="34" charset="-122"/>
-              <a:ea typeface="微软雅黑" panose="020B0503020204020204" pitchFamily="34" charset="-122"/>
-              <a:sym typeface="+mn-ea"/>
-            </a:endParaRPr>
-          </a:p>
-          <a:p>
-            <a:pPr indent="0">
-              <a:buFont typeface="+mj-lt"/>
-              <a:buNone/>
-            </a:pPr>
-            <a:r>
-              <a:rPr lang="zh-CN" sz="1800" dirty="0" smtClean="0">
-                <a:latin typeface="微软雅黑" panose="020B0503020204020204" pitchFamily="34" charset="-122"/>
-                <a:ea typeface="微软雅黑" panose="020B0503020204020204" pitchFamily="34" charset="-122"/>
-                <a:sym typeface="+mn-ea"/>
-              </a:rPr>
-              <a:t>case Type1:</a:t>
-            </a:r>
-            <a:endParaRPr lang="zh-CN" sz="1800" dirty="0" smtClean="0">
-              <a:latin typeface="微软雅黑" panose="020B0503020204020204" pitchFamily="34" charset="-122"/>
-              <a:ea typeface="微软雅黑" panose="020B0503020204020204" pitchFamily="34" charset="-122"/>
-              <a:sym typeface="+mn-ea"/>
-            </a:endParaRPr>
-          </a:p>
-          <a:p>
-            <a:pPr indent="0">
-              <a:buFont typeface="+mj-lt"/>
-              <a:buNone/>
-            </a:pPr>
-            <a:r>
-              <a:rPr lang="zh-CN" sz="1800" dirty="0" smtClean="0">
-                <a:latin typeface="微软雅黑" panose="020B0503020204020204" pitchFamily="34" charset="-122"/>
-                <a:ea typeface="微软雅黑" panose="020B0503020204020204" pitchFamily="34" charset="-122"/>
-                <a:sym typeface="+mn-ea"/>
-              </a:rPr>
-              <a:t>    doSomeThingWithType1()</a:t>
-            </a:r>
-            <a:endParaRPr lang="zh-CN" sz="1800" dirty="0" smtClean="0">
-              <a:latin typeface="微软雅黑" panose="020B0503020204020204" pitchFamily="34" charset="-122"/>
-              <a:ea typeface="微软雅黑" panose="020B0503020204020204" pitchFamily="34" charset="-122"/>
-              <a:sym typeface="+mn-ea"/>
-            </a:endParaRPr>
-          </a:p>
-          <a:p>
-            <a:pPr indent="0">
-              <a:buFont typeface="+mj-lt"/>
-              <a:buNone/>
-            </a:pPr>
-            <a:r>
-              <a:rPr lang="zh-CN" sz="1800" dirty="0" smtClean="0">
-                <a:latin typeface="微软雅黑" panose="020B0503020204020204" pitchFamily="34" charset="-122"/>
-                <a:ea typeface="微软雅黑" panose="020B0503020204020204" pitchFamily="34" charset="-122"/>
-                <a:sym typeface="+mn-ea"/>
-              </a:rPr>
-              <a:t>case Type2:</a:t>
-            </a:r>
-            <a:endParaRPr lang="zh-CN" sz="1800" dirty="0" smtClean="0">
-              <a:latin typeface="微软雅黑" panose="020B0503020204020204" pitchFamily="34" charset="-122"/>
-              <a:ea typeface="微软雅黑" panose="020B0503020204020204" pitchFamily="34" charset="-122"/>
-              <a:sym typeface="+mn-ea"/>
-            </a:endParaRPr>
-          </a:p>
-          <a:p>
-            <a:pPr indent="0">
-              <a:buFont typeface="+mj-lt"/>
-              <a:buNone/>
-            </a:pPr>
-            <a:r>
-              <a:rPr lang="zh-CN" sz="1800" dirty="0" smtClean="0">
-                <a:latin typeface="微软雅黑" panose="020B0503020204020204" pitchFamily="34" charset="-122"/>
-                <a:ea typeface="微软雅黑" panose="020B0503020204020204" pitchFamily="34" charset="-122"/>
-                <a:sym typeface="+mn-ea"/>
-              </a:rPr>
-              <a:t>    doSomeThingWithType2()</a:t>
-            </a:r>
-            <a:endParaRPr lang="zh-CN" sz="1800" dirty="0" smtClean="0">
-              <a:latin typeface="微软雅黑" panose="020B0503020204020204" pitchFamily="34" charset="-122"/>
-              <a:ea typeface="微软雅黑" panose="020B0503020204020204" pitchFamily="34" charset="-122"/>
-              <a:sym typeface="+mn-ea"/>
-            </a:endParaRPr>
-          </a:p>
-          <a:p>
-            <a:pPr indent="0">
-              <a:buFont typeface="+mj-lt"/>
-              <a:buNone/>
-            </a:pPr>
-            <a:r>
-              <a:rPr lang="zh-CN" sz="1800" dirty="0" smtClean="0">
-                <a:latin typeface="微软雅黑" panose="020B0503020204020204" pitchFamily="34" charset="-122"/>
-                <a:ea typeface="微软雅黑" panose="020B0503020204020204" pitchFamily="34" charset="-122"/>
-                <a:sym typeface="+mn-ea"/>
-              </a:rPr>
-              <a:t>default:</a:t>
-            </a:r>
-            <a:endParaRPr lang="zh-CN" sz="1800" dirty="0" smtClean="0">
-              <a:latin typeface="微软雅黑" panose="020B0503020204020204" pitchFamily="34" charset="-122"/>
-              <a:ea typeface="微软雅黑" panose="020B0503020204020204" pitchFamily="34" charset="-122"/>
-              <a:sym typeface="+mn-ea"/>
-            </a:endParaRPr>
-          </a:p>
-          <a:p>
-            <a:pPr indent="0">
-              <a:buFont typeface="+mj-lt"/>
-              <a:buNone/>
-            </a:pPr>
-            <a:r>
-              <a:rPr lang="zh-CN" sz="1800" dirty="0" smtClean="0">
-                <a:latin typeface="微软雅黑" panose="020B0503020204020204" pitchFamily="34" charset="-122"/>
-                <a:ea typeface="微软雅黑" panose="020B0503020204020204" pitchFamily="34" charset="-122"/>
-                <a:sym typeface="+mn-ea"/>
-              </a:rPr>
-              <a:t>    doSomeDefaultThing()</a:t>
-            </a:r>
-            <a:endParaRPr lang="zh-CN" sz="1800" dirty="0" smtClean="0">
-              <a:latin typeface="微软雅黑" panose="020B0503020204020204" pitchFamily="34" charset="-122"/>
-              <a:ea typeface="微软雅黑" panose="020B0503020204020204" pitchFamily="34" charset="-122"/>
-              <a:sym typeface="+mn-ea"/>
-            </a:endParaRPr>
-          </a:p>
-          <a:p>
-            <a:pPr indent="0">
-              <a:buFont typeface="+mj-lt"/>
-              <a:buNone/>
-            </a:pPr>
-            <a:r>
-              <a:rPr lang="zh-CN" sz="1800" dirty="0" smtClean="0">
-                <a:latin typeface="微软雅黑" panose="020B0503020204020204" pitchFamily="34" charset="-122"/>
-                <a:ea typeface="微软雅黑" panose="020B0503020204020204" pitchFamily="34" charset="-122"/>
-                <a:sym typeface="+mn-ea"/>
-              </a:rPr>
-              <a:t>}</a:t>
-            </a:r>
-            <a:endParaRPr lang="zh-CN" sz="1800" dirty="0" smtClean="0">
-              <a:latin typeface="微软雅黑" panose="020B0503020204020204" pitchFamily="34" charset="-122"/>
-              <a:ea typeface="微软雅黑" panose="020B0503020204020204" pitchFamily="34" charset="-122"/>
-              <a:sym typeface="+mn-ea"/>
-            </a:endParaRPr>
-          </a:p>
-          <a:p>
-            <a:pPr indent="0">
-              <a:buFont typeface="+mj-lt"/>
-              <a:buNone/>
-            </a:pPr>
-            <a:endParaRPr lang="zh-CN" sz="1800" dirty="0" smtClean="0">
-              <a:latin typeface="微软雅黑" panose="020B0503020204020204" pitchFamily="34" charset="-122"/>
-              <a:ea typeface="微软雅黑" panose="020B0503020204020204" pitchFamily="34" charset="-122"/>
-              <a:sym typeface="+mn-ea"/>
-            </a:endParaRPr>
-          </a:p>
-        </p:txBody>
-      </p:sp>
-      <p:sp>
-        <p:nvSpPr>
-          <p:cNvPr id="3" name="文本框 2"/>
-          <p:cNvSpPr txBox="1"/>
-          <p:nvPr/>
-        </p:nvSpPr>
-        <p:spPr>
-          <a:xfrm>
-            <a:off x="5229225" y="4834255"/>
-            <a:ext cx="5148580" cy="675640"/>
-          </a:xfrm>
-          <a:prstGeom prst="rect">
-            <a:avLst/>
-          </a:prstGeom>
-          <a:noFill/>
-        </p:spPr>
-        <p:txBody>
-          <a:bodyPr wrap="square" rtlCol="0">
-            <a:spAutoFit/>
-          </a:bodyPr>
-          <a:p>
-            <a:r>
-              <a:rPr lang="zh-CN" altLang="en-US"/>
-              <a:t>其中，</a:t>
-            </a:r>
-            <a:r>
-              <a:rPr lang="zh-CN" altLang="en-US">
-                <a:solidFill>
-                  <a:srgbClr val="FF0000"/>
-                </a:solidFill>
-              </a:rPr>
-              <a:t>x</a:t>
-            </a:r>
-            <a:r>
-              <a:rPr lang="zh-CN" altLang="en-US"/>
-              <a:t>必须是一个</a:t>
-            </a:r>
-            <a:r>
-              <a:rPr lang="zh-CN" altLang="en-US">
-                <a:solidFill>
-                  <a:srgbClr val="FF0000"/>
-                </a:solidFill>
-              </a:rPr>
-              <a:t>接口类型的变量</a:t>
-            </a:r>
-            <a:r>
-              <a:rPr lang="zh-CN" altLang="en-US"/>
-              <a:t>，而所有的case语句后面跟的类型必须</a:t>
-            </a:r>
-            <a:r>
-              <a:rPr lang="zh-CN" altLang="en-US">
-                <a:solidFill>
-                  <a:srgbClr val="FF0000"/>
-                </a:solidFill>
-              </a:rPr>
-              <a:t>实现了x的接口类型</a:t>
-            </a:r>
-            <a:r>
-              <a:rPr lang="zh-CN" altLang="en-US"/>
-              <a:t>。</a:t>
-            </a:r>
-            <a:endParaRPr lang="zh-CN" altLang="en-US"/>
           </a:p>
         </p:txBody>
       </p:sp>
@@ -6160,6 +5278,48 @@
           <a:lstStyle/>
           <a:p>
             <a:r>
+              <a:rPr lang="zh-CN" altLang="en-US" sz="2700" spc="200">
+                <a:solidFill>
+                  <a:schemeClr val="tx1">
+                    <a:lumMod val="85000"/>
+                    <a:lumOff val="15000"/>
+                  </a:schemeClr>
+                </a:solidFill>
+                <a:uFillTx/>
+                <a:latin typeface="Arial" panose="020B0604020202020204" pitchFamily="34" charset="0"/>
+                <a:sym typeface="Arial" panose="020B0604020202020204" pitchFamily="34" charset="0"/>
+              </a:rPr>
+              <a:t>复合数据类型</a:t>
+            </a:r>
+            <a:r>
+              <a:rPr lang="en-US" altLang="zh-CN" sz="2700" spc="200">
+                <a:solidFill>
+                  <a:schemeClr val="tx1">
+                    <a:lumMod val="85000"/>
+                    <a:lumOff val="15000"/>
+                  </a:schemeClr>
+                </a:solidFill>
+                <a:uFillTx/>
+                <a:latin typeface="Arial" panose="020B0604020202020204" pitchFamily="34" charset="0"/>
+                <a:sym typeface="Arial" panose="020B0604020202020204" pitchFamily="34" charset="0"/>
+              </a:rPr>
+              <a:t>-</a:t>
+            </a:r>
+            <a:r>
+              <a:rPr lang="zh-CN" altLang="en-US" sz="2700" spc="200">
+                <a:solidFill>
+                  <a:schemeClr val="tx1">
+                    <a:lumMod val="85000"/>
+                    <a:lumOff val="15000"/>
+                  </a:schemeClr>
+                </a:solidFill>
+                <a:uFillTx/>
+                <a:latin typeface="Arial" panose="020B0604020202020204" pitchFamily="34" charset="0"/>
+                <a:sym typeface="Arial" panose="020B0604020202020204" pitchFamily="34" charset="0"/>
+              </a:rPr>
+              <a:t>结构体</a:t>
+            </a:r>
+            <a:br>
               <a:rPr lang="zh-CN" sz="2700" spc="200">
                 <a:solidFill>
                   <a:schemeClr val="tx1">
@@ -6169,21 +5329,6 @@
                 </a:solidFill>
                 <a:uFillTx/>
                 <a:latin typeface="Arial" panose="020B0604020202020204" pitchFamily="34" charset="0"/>
-                <a:sym typeface="Arial" panose="020B0604020202020204" pitchFamily="34" charset="0"/>
-              </a:rPr>
-              <a:t>控制结构</a:t>
-            </a:r>
-            <a:br>
-              <a:rPr lang="zh-CN" sz="2700" b="1" spc="200">
-                <a:solidFill>
-                  <a:schemeClr val="tx1">
-                    <a:lumMod val="85000"/>
-                    <a:lumOff val="15000"/>
-                  </a:schemeClr>
-                </a:solidFill>
-                <a:uFillTx/>
-                <a:latin typeface="Arial" panose="020B0604020202020204" pitchFamily="34" charset="0"/>
-                <a:ea typeface="微软雅黑" panose="020B0503020204020204" pitchFamily="34" charset="-122"/>
                 <a:sym typeface="Arial" panose="020B0604020202020204" pitchFamily="34" charset="0"/>
               </a:rPr>
             </a:br>
@@ -6223,8 +5368,8 @@
         </p:nvSpPr>
         <p:spPr>
           <a:xfrm>
-            <a:off x="1098550" y="857250"/>
-            <a:ext cx="10097135" cy="3291840"/>
+            <a:off x="1047750" y="857250"/>
+            <a:ext cx="10097135" cy="737235"/>
           </a:xfrm>
           <a:prstGeom prst="rect">
             <a:avLst/>
@@ -6247,7 +5392,15 @@
                 <a:ea typeface="微软雅黑" panose="020B0503020204020204" pitchFamily="34" charset="-122"/>
                 <a:sym typeface="+mn-ea"/>
               </a:rPr>
-              <a:t>for 结构</a:t>
+              <a:t>struct</a:t>
+            </a:r>
+            <a:r>
+              <a:rPr lang="zh-CN" sz="2400" dirty="0" smtClean="0">
+                <a:latin typeface="微软雅黑" panose="020B0503020204020204" pitchFamily="34" charset="-122"/>
+                <a:ea typeface="微软雅黑" panose="020B0503020204020204" pitchFamily="34" charset="-122"/>
+                <a:sym typeface="+mn-ea"/>
+              </a:rPr>
+              <a:t>定义</a:t>
             </a:r>
             <a:endParaRPr sz="2400" dirty="0" smtClean="0">
               <a:latin typeface="微软雅黑" panose="020B0503020204020204" pitchFamily="34" charset="-122"/>
@@ -6256,169 +5409,42 @@
             </a:endParaRPr>
           </a:p>
           <a:p>
-            <a:pPr indent="0">
+            <a:pPr marL="457200" indent="-457200">
               <a:buFont typeface="+mj-lt"/>
-              <a:buNone/>
+              <a:buAutoNum type="arabicPeriod"/>
             </a:pPr>
-            <a:endParaRPr sz="2400" dirty="0" smtClean="0">
+            <a:endParaRPr lang="zh-CN" sz="1800" dirty="0" smtClean="0">
               <a:latin typeface="微软雅黑" panose="020B0503020204020204" pitchFamily="34" charset="-122"/>
               <a:ea typeface="微软雅黑" panose="020B0503020204020204" pitchFamily="34" charset="-122"/>
               <a:sym typeface="+mn-ea"/>
             </a:endParaRPr>
           </a:p>
-          <a:p>
-            <a:pPr indent="0">
-              <a:buFont typeface="+mj-lt"/>
-              <a:buNone/>
-            </a:pPr>
-            <a:r>
-              <a:rPr lang="zh-CN" sz="2400" dirty="0" smtClean="0">
-                <a:latin typeface="微软雅黑" panose="020B0503020204020204" pitchFamily="34" charset="-122"/>
-                <a:ea typeface="微软雅黑" panose="020B0503020204020204" pitchFamily="34" charset="-122"/>
-                <a:sym typeface="+mn-ea"/>
-              </a:rPr>
-              <a:t>格式：</a:t>
-            </a:r>
-            <a:endParaRPr lang="zh-CN" sz="2400" dirty="0" smtClean="0">
-              <a:latin typeface="微软雅黑" panose="020B0503020204020204" pitchFamily="34" charset="-122"/>
-              <a:ea typeface="微软雅黑" panose="020B0503020204020204" pitchFamily="34" charset="-122"/>
-              <a:sym typeface="+mn-ea"/>
-            </a:endParaRPr>
-          </a:p>
-          <a:p>
-            <a:pPr indent="0">
-              <a:buFont typeface="+mj-lt"/>
-              <a:buNone/>
-            </a:pPr>
-            <a:r>
-              <a:rPr lang="zh-CN" sz="1600" dirty="0" smtClean="0">
-                <a:latin typeface="微软雅黑" panose="020B0503020204020204" pitchFamily="34" charset="-122"/>
-                <a:ea typeface="微软雅黑" panose="020B0503020204020204" pitchFamily="34" charset="-122"/>
-                <a:sym typeface="+mn-ea"/>
-              </a:rPr>
-              <a:t>for 初始化语句; 条件语句; 修饰语句 {}</a:t>
-            </a:r>
-            <a:endParaRPr lang="zh-CN" sz="1600" dirty="0" smtClean="0">
-              <a:latin typeface="微软雅黑" panose="020B0503020204020204" pitchFamily="34" charset="-122"/>
-              <a:ea typeface="微软雅黑" panose="020B0503020204020204" pitchFamily="34" charset="-122"/>
-              <a:sym typeface="+mn-ea"/>
-            </a:endParaRPr>
-          </a:p>
-          <a:p>
-            <a:pPr indent="0">
-              <a:buFont typeface="+mj-lt"/>
-              <a:buNone/>
-            </a:pPr>
-            <a:endParaRPr lang="zh-CN" sz="1600" dirty="0" smtClean="0">
-              <a:latin typeface="微软雅黑" panose="020B0503020204020204" pitchFamily="34" charset="-122"/>
-              <a:ea typeface="微软雅黑" panose="020B0503020204020204" pitchFamily="34" charset="-122"/>
-              <a:sym typeface="+mn-ea"/>
-            </a:endParaRPr>
-          </a:p>
-          <a:p>
-            <a:pPr indent="0">
-              <a:buFont typeface="+mj-lt"/>
-              <a:buNone/>
-            </a:pPr>
-            <a:endParaRPr lang="zh-CN" sz="1600" dirty="0" smtClean="0">
-              <a:latin typeface="微软雅黑" panose="020B0503020204020204" pitchFamily="34" charset="-122"/>
-              <a:ea typeface="微软雅黑" panose="020B0503020204020204" pitchFamily="34" charset="-122"/>
-              <a:sym typeface="+mn-ea"/>
-            </a:endParaRPr>
-          </a:p>
-          <a:p>
-            <a:pPr algn="l">
-              <a:buClrTx/>
-              <a:buSzTx/>
-              <a:buFont typeface="+mj-lt"/>
-              <a:buNone/>
-            </a:pPr>
-            <a:r>
-              <a:rPr sz="2400" dirty="0" smtClean="0">
-                <a:latin typeface="微软雅黑" panose="020B0503020204020204" pitchFamily="34" charset="-122"/>
-                <a:ea typeface="微软雅黑" panose="020B0503020204020204" pitchFamily="34" charset="-122"/>
-                <a:sym typeface="+mn-ea"/>
-              </a:rPr>
-              <a:t>for-range 结构 [后面还会详解]</a:t>
-            </a:r>
-            <a:endParaRPr sz="2400" dirty="0" smtClean="0">
-              <a:latin typeface="微软雅黑" panose="020B0503020204020204" pitchFamily="34" charset="-122"/>
-              <a:ea typeface="微软雅黑" panose="020B0503020204020204" pitchFamily="34" charset="-122"/>
-              <a:sym typeface="+mn-ea"/>
-            </a:endParaRPr>
-          </a:p>
-          <a:p>
-            <a:pPr indent="0">
-              <a:buFont typeface="+mj-lt"/>
-              <a:buNone/>
-            </a:pPr>
-            <a:endParaRPr lang="zh-CN" sz="1600" dirty="0" smtClean="0">
-              <a:latin typeface="微软雅黑" panose="020B0503020204020204" pitchFamily="34" charset="-122"/>
-              <a:ea typeface="微软雅黑" panose="020B0503020204020204" pitchFamily="34" charset="-122"/>
-              <a:sym typeface="+mn-ea"/>
-            </a:endParaRPr>
-          </a:p>
-          <a:p>
-            <a:pPr indent="0">
-              <a:buFont typeface="+mj-lt"/>
-              <a:buNone/>
-            </a:pPr>
-            <a:r>
-              <a:rPr lang="zh-CN" sz="1600" dirty="0" smtClean="0">
-                <a:latin typeface="微软雅黑" panose="020B0503020204020204" pitchFamily="34" charset="-122"/>
-                <a:ea typeface="微软雅黑" panose="020B0503020204020204" pitchFamily="34" charset="-122"/>
-                <a:sym typeface="+mn-ea"/>
-              </a:rPr>
-              <a:t>用来迭代一个集合（包括数组和map等） 类似于其他语言的foreach，</a:t>
-            </a:r>
-            <a:endParaRPr lang="zh-CN" sz="1600" dirty="0" smtClean="0">
-              <a:latin typeface="微软雅黑" panose="020B0503020204020204" pitchFamily="34" charset="-122"/>
-              <a:ea typeface="微软雅黑" panose="020B0503020204020204" pitchFamily="34" charset="-122"/>
-              <a:sym typeface="+mn-ea"/>
-            </a:endParaRPr>
-          </a:p>
-          <a:p>
-            <a:pPr algn="l">
-              <a:buClrTx/>
-              <a:buSzTx/>
-              <a:buFont typeface="+mj-lt"/>
-              <a:buNone/>
-            </a:pPr>
-            <a:r>
-              <a:rPr lang="zh-CN" sz="2400" dirty="0" smtClean="0">
-                <a:latin typeface="微软雅黑" panose="020B0503020204020204" pitchFamily="34" charset="-122"/>
-                <a:ea typeface="微软雅黑" panose="020B0503020204020204" pitchFamily="34" charset="-122"/>
-                <a:sym typeface="+mn-ea"/>
-              </a:rPr>
-              <a:t>格式：</a:t>
-            </a:r>
-            <a:endParaRPr lang="zh-CN" sz="2400" dirty="0" smtClean="0">
-              <a:latin typeface="微软雅黑" panose="020B0503020204020204" pitchFamily="34" charset="-122"/>
-              <a:ea typeface="微软雅黑" panose="020B0503020204020204" pitchFamily="34" charset="-122"/>
-              <a:sym typeface="+mn-ea"/>
-            </a:endParaRPr>
-          </a:p>
-          <a:p>
-            <a:pPr indent="0">
-              <a:buFont typeface="+mj-lt"/>
-              <a:buNone/>
-            </a:pPr>
-            <a:r>
-              <a:rPr lang="zh-CN" sz="1600" dirty="0" smtClean="0">
-                <a:latin typeface="微软雅黑" panose="020B0503020204020204" pitchFamily="34" charset="-122"/>
-                <a:ea typeface="微软雅黑" panose="020B0503020204020204" pitchFamily="34" charset="-122"/>
-                <a:sym typeface="+mn-ea"/>
-              </a:rPr>
-              <a:t>for ix, val := range coll { }</a:t>
-            </a:r>
-            <a:endParaRPr lang="zh-CN" sz="1600" dirty="0" smtClean="0">
-              <a:latin typeface="微软雅黑" panose="020B0503020204020204" pitchFamily="34" charset="-122"/>
-              <a:ea typeface="微软雅黑" panose="020B0503020204020204" pitchFamily="34" charset="-122"/>
-              <a:sym typeface="+mn-ea"/>
-            </a:endParaRPr>
-          </a:p>
-        </p:txBody>
-      </p:sp>
+        </p:txBody>
+      </p:sp>
+      <p:pic>
+        <p:nvPicPr>
+          <p:cNvPr id="3" name="图片 2"/>
+          <p:cNvPicPr>
+            <a:picLocks noChangeAspect="1"/>
+          </p:cNvPicPr>
+          <p:nvPr/>
+        </p:nvPicPr>
+        <p:blipFill>
+          <a:blip r:embed="rId2"/>
+          <a:stretch>
+            <a:fillRect/>
+          </a:stretch>
+        </p:blipFill>
+        <p:spPr>
+          <a:xfrm>
+            <a:off x="2437765" y="1265555"/>
+            <a:ext cx="7374255" cy="5494020"/>
+          </a:xfrm>
+          <a:prstGeom prst="rect">
+            <a:avLst/>
+          </a:prstGeom>
+        </p:spPr>
+      </p:pic>
     </p:spTree>
   </p:cSld>
   <p:clrMapOvr>
@@ -6485,10 +5511,10 @@
                 <a:latin typeface="Arial" panose="020B0604020202020204" pitchFamily="34" charset="0"/>
                 <a:sym typeface="Arial" panose="020B0604020202020204" pitchFamily="34" charset="0"/>
               </a:rPr>
-              <a:t>跳转控制</a:t>
-            </a:r>
-            <a:br>
-              <a:rPr lang="zh-CN" altLang="en-US" sz="2700" b="1" spc="200">
+              <a:t>复合数据类型</a:t>
+            </a:r>
+            <a:r>
+              <a:rPr lang="en-US" altLang="zh-CN" sz="2700" spc="200">
                 <a:solidFill>
                   <a:schemeClr val="tx1">
                     <a:lumMod val="85000"/>
@@ -6497,12 +5523,12 @@
                 </a:solidFill>
                 <a:uFillTx/>
                 <a:latin typeface="Arial" panose="020B0604020202020204" pitchFamily="34" charset="0"/>
-                <a:ea typeface="微软雅黑" panose="020B0503020204020204" pitchFamily="34" charset="-122"/>
                 <a:sym typeface="Arial" panose="020B0604020202020204" pitchFamily="34" charset="0"/>
               </a:rPr>
-            </a:br>
-            <a:br>
-              <a:rPr lang="zh-CN" altLang="en-US" sz="2700" b="1" spc="200">
+              <a:t>-</a:t>
+            </a:r>
+            <a:r>
+              <a:rPr lang="zh-CN" altLang="en-US" sz="2700" spc="200">
                 <a:solidFill>
                   <a:schemeClr val="tx1">
                     <a:lumMod val="85000"/>
@@ -6511,7 +5537,20 @@
                 </a:solidFill>
                 <a:uFillTx/>
                 <a:latin typeface="Arial" panose="020B0604020202020204" pitchFamily="34" charset="0"/>
-                <a:ea typeface="微软雅黑" panose="020B0503020204020204" pitchFamily="34" charset="-122"/>
+                <a:sym typeface="Arial" panose="020B0604020202020204" pitchFamily="34" charset="0"/>
+              </a:rPr>
+              <a:t>结构体</a:t>
+            </a:r>
+            <a:br>
+              <a:rPr lang="zh-CN" sz="2700" spc="200">
+                <a:solidFill>
+                  <a:schemeClr val="tx1">
+                    <a:lumMod val="85000"/>
+                    <a:lumOff val="15000"/>
+                  </a:schemeClr>
+                </a:solidFill>
+                <a:uFillTx/>
+                <a:latin typeface="Arial" panose="020B0604020202020204" pitchFamily="34" charset="0"/>
                 <a:sym typeface="Arial" panose="020B0604020202020204" pitchFamily="34" charset="0"/>
               </a:rPr>
             </a:br>
@@ -6551,8 +5590,8 @@
         </p:nvSpPr>
         <p:spPr>
           <a:xfrm>
-            <a:off x="1186180" y="1233170"/>
-            <a:ext cx="10118725" cy="5507990"/>
+            <a:off x="1047750" y="857250"/>
+            <a:ext cx="10097135" cy="1845310"/>
           </a:xfrm>
           <a:prstGeom prst="rect">
             <a:avLst/>
@@ -6570,10 +5609,18 @@
               <a:buNone/>
             </a:pPr>
             <a:r>
-              <a:rPr lang="zh-CN" altLang="en-US" sz="2800" b="1" dirty="0"/>
-              <a:t>Break</a:t>
-            </a:r>
-            <a:endParaRPr lang="zh-CN" altLang="en-US" sz="2800" b="1" dirty="0"/>
+              <a:rPr sz="2400" dirty="0" smtClean="0">
+                <a:latin typeface="微软雅黑" panose="020B0503020204020204" pitchFamily="34" charset="-122"/>
+                <a:ea typeface="微软雅黑" panose="020B0503020204020204" pitchFamily="34" charset="-122"/>
+                <a:sym typeface="+mn-ea"/>
+              </a:rPr>
+              <a:t>结构体变量的成员可以通过点操作符访问</a:t>
+            </a:r>
+            <a:endParaRPr sz="2400" dirty="0" smtClean="0">
+              <a:latin typeface="微软雅黑" panose="020B0503020204020204" pitchFamily="34" charset="-122"/>
+              <a:ea typeface="微软雅黑" panose="020B0503020204020204" pitchFamily="34" charset="-122"/>
+              <a:sym typeface="+mn-ea"/>
+            </a:endParaRPr>
           </a:p>
           <a:p>
             <a:pPr indent="0">
@@ -6581,17 +5628,37 @@
               <a:buNone/>
             </a:pPr>
             <a:r>
-              <a:rPr lang="zh-CN" altLang="en-US" sz="2400" dirty="0"/>
-              <a:t>Go语言中 break 语句可以结束 for、switch 和 select 的代码块</a:t>
-            </a:r>
-            <a:endParaRPr lang="zh-CN" altLang="en-US" sz="2400" dirty="0"/>
+              <a:rPr sz="2400" dirty="0" smtClean="0">
+                <a:latin typeface="微软雅黑" panose="020B0503020204020204" pitchFamily="34" charset="-122"/>
+                <a:ea typeface="微软雅黑" panose="020B0503020204020204" pitchFamily="34" charset="-122"/>
+                <a:sym typeface="+mn-ea"/>
+              </a:rPr>
+              <a:t>结构体成员名字是以大写字母开头的，那么该成员就是导出的</a:t>
+            </a:r>
+            <a:endParaRPr sz="2400" dirty="0" smtClean="0">
+              <a:latin typeface="微软雅黑" panose="020B0503020204020204" pitchFamily="34" charset="-122"/>
+              <a:ea typeface="微软雅黑" panose="020B0503020204020204" pitchFamily="34" charset="-122"/>
+              <a:sym typeface="+mn-ea"/>
+            </a:endParaRPr>
           </a:p>
           <a:p>
             <a:pPr indent="0">
               <a:buFont typeface="+mj-lt"/>
               <a:buNone/>
             </a:pPr>
-            <a:endParaRPr lang="zh-CN" altLang="en-US" sz="2400" dirty="0"/>
+            <a:r>
+              <a:rPr sz="2400" dirty="0" smtClean="0">
+                <a:latin typeface="微软雅黑" panose="020B0503020204020204" pitchFamily="34" charset="-122"/>
+                <a:ea typeface="微软雅黑" panose="020B0503020204020204" pitchFamily="34" charset="-122"/>
+                <a:sym typeface="+mn-ea"/>
+              </a:rPr>
+              <a:t>可以用字面量语法初始化一个结构体</a:t>
+            </a:r>
+            <a:endParaRPr sz="2400" dirty="0" smtClean="0">
+              <a:latin typeface="微软雅黑" panose="020B0503020204020204" pitchFamily="34" charset="-122"/>
+              <a:ea typeface="微软雅黑" panose="020B0503020204020204" pitchFamily="34" charset="-122"/>
+              <a:sym typeface="+mn-ea"/>
+            </a:endParaRPr>
           </a:p>
           <a:p>
             <a:pPr indent="0">
@@ -6599,114 +5666,29 @@
               <a:buNone/>
             </a:pPr>
             <a:r>
-              <a:rPr lang="zh-CN" altLang="en-US" sz="2800" b="1" dirty="0">
-                <a:solidFill>
-                  <a:schemeClr val="tx1"/>
-                </a:solidFill>
-              </a:rPr>
-              <a:t>continue </a:t>
-            </a:r>
-            <a:endParaRPr lang="zh-CN" altLang="en-US" sz="2800" b="1" dirty="0">
-              <a:solidFill>
-                <a:schemeClr val="tx1"/>
-              </a:solidFill>
+              <a:rPr sz="2400" dirty="0" smtClean="0">
+                <a:latin typeface="微软雅黑" panose="020B0503020204020204" pitchFamily="34" charset="-122"/>
+                <a:ea typeface="微软雅黑" panose="020B0503020204020204" pitchFamily="34" charset="-122"/>
+                <a:sym typeface="+mn-ea"/>
+              </a:rPr>
+              <a:t>结构体也是可以比较的</a:t>
+            </a:r>
+            <a:endParaRPr sz="2400" dirty="0" smtClean="0">
+              <a:latin typeface="微软雅黑" panose="020B0503020204020204" pitchFamily="34" charset="-122"/>
+              <a:ea typeface="微软雅黑" panose="020B0503020204020204" pitchFamily="34" charset="-122"/>
+              <a:sym typeface="+mn-ea"/>
             </a:endParaRPr>
           </a:p>
           <a:p>
-            <a:pPr indent="0">
+            <a:pPr marL="457200" indent="-457200">
               <a:buFont typeface="+mj-lt"/>
-              <a:buNone/>
+              <a:buAutoNum type="arabicPeriod"/>
             </a:pPr>
-            <a:r>
-              <a:rPr lang="zh-CN" altLang="en-US" sz="2400" dirty="0"/>
-              <a:t>Go语言中 continue 语句可以结束当前循环，开始下一次的循环迭代过程，仅限在 for 循环内使用</a:t>
-            </a:r>
-            <a:endParaRPr lang="zh-CN" altLang="en-US" sz="2400" dirty="0"/>
-          </a:p>
-          <a:p>
-            <a:pPr indent="0">
-              <a:buFont typeface="+mj-lt"/>
-              <a:buNone/>
-            </a:pPr>
-            <a:endParaRPr lang="zh-CN" altLang="en-US" sz="2400" dirty="0"/>
-          </a:p>
-          <a:p>
-            <a:pPr indent="0">
-              <a:buFont typeface="+mj-lt"/>
-              <a:buNone/>
-            </a:pPr>
-            <a:r>
-              <a:rPr lang="zh-CN" altLang="en-US" sz="2800" b="1" dirty="0"/>
-              <a:t>标签与 goto</a:t>
-            </a:r>
-            <a:endParaRPr lang="zh-CN" altLang="en-US" sz="2800" b="1" dirty="0"/>
-          </a:p>
-          <a:p>
-            <a:pPr indent="0">
-              <a:buFont typeface="+mj-lt"/>
-              <a:buNone/>
-            </a:pPr>
-            <a:r>
-              <a:rPr lang="zh-CN" altLang="en-US" sz="2400" dirty="0"/>
-              <a:t>Go语言中 goto 语句通过标签进行代码间的无条件跳转</a:t>
-            </a:r>
-            <a:endParaRPr lang="zh-CN" altLang="en-US" sz="2400" dirty="0"/>
-          </a:p>
-          <a:p>
-            <a:pPr indent="0">
-              <a:buFont typeface="+mj-lt"/>
-              <a:buNone/>
-            </a:pPr>
-            <a:endParaRPr lang="zh-CN" altLang="en-US" sz="2400" dirty="0"/>
-          </a:p>
-          <a:p>
-            <a:pPr indent="0">
-              <a:buFont typeface="+mj-lt"/>
-              <a:buNone/>
-            </a:pPr>
-            <a:r>
-              <a:rPr lang="en-US" altLang="zh-CN" sz="2800" b="1" dirty="0"/>
-              <a:t>Return</a:t>
-            </a:r>
-            <a:endParaRPr lang="en-US" altLang="zh-CN" sz="2800" b="1" dirty="0"/>
-          </a:p>
-          <a:p>
-            <a:pPr indent="0">
-              <a:buFont typeface="+mj-lt"/>
-              <a:buNone/>
-            </a:pPr>
-            <a:r>
-              <a:rPr lang="en-US" altLang="zh-CN" sz="2400" dirty="0"/>
-              <a:t>1</a:t>
-            </a:r>
-            <a:r>
-              <a:rPr lang="zh-CN" altLang="en-US" sz="2400" dirty="0"/>
-              <a:t>、</a:t>
-            </a:r>
-            <a:r>
-              <a:rPr lang="en-US" altLang="zh-CN" sz="2400" dirty="0"/>
-              <a:t>如果 return 是在普通的函数，则表示跳出该函数，即不再执行函数中 return 后面代码，也可以 理解成终止函数。</a:t>
-            </a:r>
-            <a:endParaRPr lang="en-US" altLang="zh-CN" sz="2400" dirty="0"/>
-          </a:p>
-          <a:p>
-            <a:pPr indent="0">
-              <a:buFont typeface="+mj-lt"/>
-              <a:buNone/>
-            </a:pPr>
-            <a:r>
-              <a:rPr lang="en-US" altLang="zh-CN" sz="2400" dirty="0"/>
-              <a:t>2</a:t>
-            </a:r>
-            <a:r>
-              <a:rPr lang="zh-CN" altLang="en-US" sz="2400" dirty="0"/>
-              <a:t>、</a:t>
-            </a:r>
-            <a:r>
-              <a:rPr lang="en-US" altLang="zh-CN" sz="2400" dirty="0"/>
-              <a:t>如果 return 是在 main 函数，表示终止 main 函数，也就是说终止程序。</a:t>
-            </a:r>
-            <a:endParaRPr lang="en-US" altLang="zh-CN" sz="2400" dirty="0"/>
+            <a:endParaRPr lang="zh-CN" sz="1800" dirty="0" smtClean="0">
+              <a:latin typeface="微软雅黑" panose="020B0503020204020204" pitchFamily="34" charset="-122"/>
+              <a:ea typeface="微软雅黑" panose="020B0503020204020204" pitchFamily="34" charset="-122"/>
+              <a:sym typeface="+mn-ea"/>
+            </a:endParaRPr>
           </a:p>
         </p:txBody>
       </p:sp>
@@ -6776,8 +5758,22 @@
                 <a:latin typeface="Arial" panose="020B0604020202020204" pitchFamily="34" charset="0"/>
                 <a:sym typeface="Arial" panose="020B0604020202020204" pitchFamily="34" charset="0"/>
               </a:rPr>
-              <a:t>数组</a:t>
-            </a:r>
+              <a:t>总结和练习题</a:t>
+            </a:r>
+            <a:br>
+              <a:rPr lang="zh-CN" altLang="en-US" sz="2700" b="1" spc="200">
+                <a:solidFill>
+                  <a:schemeClr val="tx1">
+                    <a:lumMod val="85000"/>
+                    <a:lumOff val="15000"/>
+                  </a:schemeClr>
+                </a:solidFill>
+                <a:uFillTx/>
+                <a:latin typeface="Arial" panose="020B0604020202020204" pitchFamily="34" charset="0"/>
+                <a:ea typeface="微软雅黑" panose="020B0503020204020204" pitchFamily="34" charset="-122"/>
+                <a:sym typeface="Arial" panose="020B0604020202020204" pitchFamily="34" charset="0"/>
+              </a:rPr>
+            </a:br>
             <a:endParaRPr lang="zh-CN" altLang="en-US" sz="2700" dirty="0"/>
           </a:p>
         </p:txBody>
@@ -6808,14 +5804,14 @@
       </p:pic>
       <p:sp>
         <p:nvSpPr>
-          <p:cNvPr id="6" name="TextBox 5"/>
+          <p:cNvPr id="3" name="文本框 2"/>
           <p:cNvSpPr txBox="1"/>
           <p:nvPr/>
         </p:nvSpPr>
         <p:spPr>
           <a:xfrm>
-            <a:off x="1047750" y="1233170"/>
-            <a:ext cx="10257155" cy="3107690"/>
+            <a:off x="1278890" y="1793875"/>
+            <a:ext cx="8638540" cy="675640"/>
           </a:xfrm>
           <a:prstGeom prst="rect">
             <a:avLst/>
@@ -6826,207 +5822,175 @@
           <a:bodyPr wrap="square" rtlCol="0">
             <a:spAutoFit/>
           </a:bodyPr>
-          <a:lstStyle/>
-          <a:p>
-            <a:pPr marL="342900" indent="-342900">
-              <a:buFont typeface="Arial" panose="020B0604020202020204" pitchFamily="34" charset="0"/>
-              <a:buChar char="•"/>
+          <a:p>
+            <a:pPr indent="0">
+              <a:buFontTx/>
+              <a:buNone/>
             </a:pPr>
-            <a:r>
-              <a:rPr sz="2800" smtClean="0">
-                <a:latin typeface="微软雅黑" panose="020B0503020204020204" pitchFamily="34" charset="-122"/>
-                <a:ea typeface="微软雅黑" panose="020B0503020204020204" pitchFamily="34" charset="-122"/>
-                <a:sym typeface="+mn-ea"/>
-              </a:rPr>
-              <a:t>数组概念</a:t>
-            </a:r>
-            <a:endParaRPr sz="2800" smtClean="0">
+            <a:endParaRPr lang="en-US" altLang="zh-CN" dirty="0">
               <a:latin typeface="微软雅黑" panose="020B0503020204020204" pitchFamily="34" charset="-122"/>
               <a:ea typeface="微软雅黑" panose="020B0503020204020204" pitchFamily="34" charset="-122"/>
+            </a:endParaRPr>
+          </a:p>
+          <a:p>
+            <a:endParaRPr lang="zh-CN" altLang="en-US"/>
+          </a:p>
+        </p:txBody>
+      </p:sp>
+      <p:sp>
+        <p:nvSpPr>
+          <p:cNvPr id="4" name="文本框 3"/>
+          <p:cNvSpPr txBox="1"/>
+          <p:nvPr/>
+        </p:nvSpPr>
+        <p:spPr>
+          <a:xfrm>
+            <a:off x="1631950" y="1665605"/>
+            <a:ext cx="8285480" cy="2722880"/>
+          </a:xfrm>
+          <a:prstGeom prst="rect">
+            <a:avLst/>
+          </a:prstGeom>
+          <a:noFill/>
+        </p:spPr>
+        <p:txBody>
+          <a:bodyPr wrap="square" rtlCol="0">
+            <a:spAutoFit/>
+          </a:bodyPr>
+          <a:p>
+            <a:pPr marL="457200" indent="-457200">
+              <a:buAutoNum type="arabicPeriod"/>
+            </a:pPr>
+            <a:r>
+              <a:rPr lang="en-US" altLang="zh-CN"/>
+              <a:t>map</a:t>
+            </a:r>
+            <a:r>
+              <a:rPr lang="zh-CN" altLang="en-US"/>
+              <a:t>的声明和定义</a:t>
+            </a:r>
+            <a:endParaRPr lang="zh-CN"/>
+          </a:p>
+          <a:p>
+            <a:pPr marL="457200" indent="-457200" algn="l">
+              <a:buClrTx/>
+              <a:buSzTx/>
+              <a:buFontTx/>
+              <a:buAutoNum type="arabicPeriod"/>
+            </a:pPr>
+            <a:r>
+              <a:rPr lang="en-US" altLang="zh-CN">
+                <a:sym typeface="+mn-ea"/>
+              </a:rPr>
+              <a:t>map</a:t>
+            </a:r>
+            <a:r>
+              <a:rPr lang="zh-CN" altLang="en-US">
+                <a:sym typeface="+mn-ea"/>
+              </a:rPr>
+              <a:t>的判断和操作</a:t>
+            </a:r>
+            <a:endParaRPr lang="zh-CN" altLang="en-US">
               <a:sym typeface="+mn-ea"/>
             </a:endParaRPr>
           </a:p>
           <a:p>
-            <a:pPr marL="457200" indent="-457200">
-              <a:buFont typeface="Arial" panose="020B0604020202020204" pitchFamily="34" charset="0"/>
+            <a:pPr marL="457200" indent="-457200" algn="l">
+              <a:buClrTx/>
+              <a:buSzTx/>
+              <a:buFontTx/>
               <a:buAutoNum type="arabicPeriod"/>
             </a:pPr>
             <a:r>
-              <a:rPr sz="2400" smtClean="0">
-                <a:latin typeface="微软雅黑" panose="020B0503020204020204" pitchFamily="34" charset="-122"/>
-                <a:ea typeface="微软雅黑" panose="020B0503020204020204" pitchFamily="34" charset="-122"/>
+              <a:rPr lang="en-US" altLang="zh-CN">
                 <a:sym typeface="+mn-ea"/>
               </a:rPr>
-              <a:t>数组是具有</a:t>
-            </a:r>
-            <a:r>
-              <a:rPr sz="2400" smtClean="0">
-                <a:solidFill>
-                  <a:srgbClr val="FF0000"/>
-                </a:solidFill>
-                <a:latin typeface="微软雅黑" panose="020B0503020204020204" pitchFamily="34" charset="-122"/>
-                <a:ea typeface="微软雅黑" panose="020B0503020204020204" pitchFamily="34" charset="-122"/>
+              <a:t>map</a:t>
+            </a:r>
+            <a:r>
+              <a:rPr lang="zh-CN" altLang="en-US">
                 <a:sym typeface="+mn-ea"/>
               </a:rPr>
-              <a:t>相同</a:t>
-            </a:r>
-            <a:r>
-              <a:rPr sz="2400" smtClean="0">
-                <a:latin typeface="微软雅黑" panose="020B0503020204020204" pitchFamily="34" charset="-122"/>
-                <a:ea typeface="微软雅黑" panose="020B0503020204020204" pitchFamily="34" charset="-122"/>
-                <a:sym typeface="+mn-ea"/>
-              </a:rPr>
-              <a:t> </a:t>
-            </a:r>
-            <a:r>
-              <a:rPr sz="2400" smtClean="0">
-                <a:solidFill>
-                  <a:srgbClr val="FF0000"/>
-                </a:solidFill>
-                <a:latin typeface="微软雅黑" panose="020B0503020204020204" pitchFamily="34" charset="-122"/>
-                <a:ea typeface="微软雅黑" panose="020B0503020204020204" pitchFamily="34" charset="-122"/>
-                <a:sym typeface="+mn-ea"/>
-              </a:rPr>
-              <a:t>唯一类型</a:t>
-            </a:r>
-            <a:r>
-              <a:rPr sz="2400" smtClean="0">
-                <a:latin typeface="微软雅黑" panose="020B0503020204020204" pitchFamily="34" charset="-122"/>
-                <a:ea typeface="微软雅黑" panose="020B0503020204020204" pitchFamily="34" charset="-122"/>
-                <a:sym typeface="+mn-ea"/>
-              </a:rPr>
-              <a:t>的一组已编号且</a:t>
-            </a:r>
-            <a:r>
-              <a:rPr sz="2400" smtClean="0">
-                <a:solidFill>
-                  <a:srgbClr val="FF0000"/>
-                </a:solidFill>
-                <a:latin typeface="微软雅黑" panose="020B0503020204020204" pitchFamily="34" charset="-122"/>
-                <a:ea typeface="微软雅黑" panose="020B0503020204020204" pitchFamily="34" charset="-122"/>
-                <a:sym typeface="+mn-ea"/>
-              </a:rPr>
-              <a:t>长度固定</a:t>
-            </a:r>
-            <a:r>
-              <a:rPr sz="2400" smtClean="0">
-                <a:latin typeface="微软雅黑" panose="020B0503020204020204" pitchFamily="34" charset="-122"/>
-                <a:ea typeface="微软雅黑" panose="020B0503020204020204" pitchFamily="34" charset="-122"/>
-                <a:sym typeface="+mn-ea"/>
-              </a:rPr>
-              <a:t>的数据项序列（这是一种</a:t>
-            </a:r>
-            <a:r>
-              <a:rPr sz="2400" smtClean="0">
-                <a:solidFill>
-                  <a:srgbClr val="FF0000"/>
-                </a:solidFill>
-                <a:latin typeface="微软雅黑" panose="020B0503020204020204" pitchFamily="34" charset="-122"/>
-                <a:ea typeface="微软雅黑" panose="020B0503020204020204" pitchFamily="34" charset="-122"/>
-                <a:sym typeface="+mn-ea"/>
-              </a:rPr>
-              <a:t>同构的数据结构</a:t>
-            </a:r>
-            <a:r>
-              <a:rPr sz="2400" smtClean="0">
-                <a:latin typeface="微软雅黑" panose="020B0503020204020204" pitchFamily="34" charset="-122"/>
-                <a:ea typeface="微软雅黑" panose="020B0503020204020204" pitchFamily="34" charset="-122"/>
-                <a:sym typeface="+mn-ea"/>
-              </a:rPr>
-              <a:t>）</a:t>
-            </a:r>
-            <a:endParaRPr sz="2400" smtClean="0">
-              <a:latin typeface="微软雅黑" panose="020B0503020204020204" pitchFamily="34" charset="-122"/>
-              <a:ea typeface="微软雅黑" panose="020B0503020204020204" pitchFamily="34" charset="-122"/>
+              <a:t>遍历</a:t>
+            </a:r>
+            <a:endParaRPr lang="zh-CN" altLang="en-US">
               <a:sym typeface="+mn-ea"/>
             </a:endParaRPr>
           </a:p>
           <a:p>
-            <a:pPr marL="457200" indent="-457200">
-              <a:buFont typeface="Arial" panose="020B0604020202020204" pitchFamily="34" charset="0"/>
+            <a:pPr marL="457200" indent="-457200" algn="l">
+              <a:buClrTx/>
+              <a:buSzTx/>
+              <a:buFontTx/>
               <a:buAutoNum type="arabicPeriod"/>
             </a:pPr>
             <a:r>
-              <a:rPr sz="2400" smtClean="0">
-                <a:latin typeface="微软雅黑" panose="020B0503020204020204" pitchFamily="34" charset="-122"/>
-                <a:ea typeface="微软雅黑" panose="020B0503020204020204" pitchFamily="34" charset="-122"/>
+              <a:rPr lang="en-US" altLang="zh-CN">
                 <a:sym typeface="+mn-ea"/>
               </a:rPr>
-              <a:t>数据项类型可以是</a:t>
-            </a:r>
-            <a:r>
-              <a:rPr sz="2400" smtClean="0">
-                <a:solidFill>
-                  <a:srgbClr val="FF0000"/>
-                </a:solidFill>
-                <a:latin typeface="微软雅黑" panose="020B0503020204020204" pitchFamily="34" charset="-122"/>
-                <a:ea typeface="微软雅黑" panose="020B0503020204020204" pitchFamily="34" charset="-122"/>
+              <a:t>map</a:t>
+            </a:r>
+            <a:r>
+              <a:rPr lang="zh-CN" altLang="en-US">
                 <a:sym typeface="+mn-ea"/>
               </a:rPr>
-              <a:t>任意</a:t>
-            </a:r>
-            <a:r>
-              <a:rPr sz="2400" smtClean="0">
-                <a:latin typeface="微软雅黑" panose="020B0503020204020204" pitchFamily="34" charset="-122"/>
-                <a:ea typeface="微软雅黑" panose="020B0503020204020204" pitchFamily="34" charset="-122"/>
+              <a:t>排序</a:t>
+            </a:r>
+            <a:r>
+              <a:rPr lang="en-US" altLang="zh-CN">
                 <a:sym typeface="+mn-ea"/>
               </a:rPr>
-              <a:t>的原始类型例如整型、字符串或者自定义类型</a:t>
-            </a:r>
-            <a:endParaRPr sz="2400" smtClean="0">
-              <a:latin typeface="微软雅黑" panose="020B0503020204020204" pitchFamily="34" charset="-122"/>
-              <a:ea typeface="微软雅黑" panose="020B0503020204020204" pitchFamily="34" charset="-122"/>
+              <a:t> </a:t>
+            </a:r>
+            <a:endParaRPr lang="en-US" altLang="zh-CN">
               <a:sym typeface="+mn-ea"/>
             </a:endParaRPr>
           </a:p>
           <a:p>
             <a:pPr marL="457200" indent="-457200">
-              <a:buFont typeface="Arial" panose="020B0604020202020204" pitchFamily="34" charset="0"/>
               <a:buAutoNum type="arabicPeriod"/>
             </a:pPr>
             <a:r>
-              <a:rPr sz="2400" smtClean="0">
-                <a:latin typeface="微软雅黑" panose="020B0503020204020204" pitchFamily="34" charset="-122"/>
-                <a:ea typeface="微软雅黑" panose="020B0503020204020204" pitchFamily="34" charset="-122"/>
-                <a:sym typeface="+mn-ea"/>
-              </a:rPr>
-              <a:t>数组长度也是数组类型的一部分，所以 [5] int 和 [10] int 是属于不同类型的</a:t>
-            </a:r>
-            <a:endParaRPr sz="2400" smtClean="0">
-              <a:latin typeface="微软雅黑" panose="020B0503020204020204" pitchFamily="34" charset="-122"/>
-              <a:ea typeface="微软雅黑" panose="020B0503020204020204" pitchFamily="34" charset="-122"/>
-              <a:sym typeface="+mn-ea"/>
-            </a:endParaRPr>
+              <a:rPr lang="en-US" altLang="zh-CN"/>
+              <a:t>for</a:t>
+            </a:r>
+            <a:r>
+              <a:rPr lang="zh-CN" altLang="en-US"/>
+              <a:t>循环</a:t>
+            </a:r>
+            <a:endParaRPr lang="zh-CN" altLang="en-US"/>
           </a:p>
           <a:p>
             <a:pPr marL="457200" indent="-457200">
-              <a:buFont typeface="Arial" panose="020B0604020202020204" pitchFamily="34" charset="0"/>
               <a:buAutoNum type="arabicPeriod"/>
             </a:pPr>
             <a:r>
-              <a:rPr sz="2400" smtClean="0">
-                <a:latin typeface="微软雅黑" panose="020B0503020204020204" pitchFamily="34" charset="-122"/>
-                <a:ea typeface="微软雅黑" panose="020B0503020204020204" pitchFamily="34" charset="-122"/>
-                <a:sym typeface="+mn-ea"/>
-              </a:rPr>
-              <a:t>数组元素可以通过 索引（位置）来读取（或者修改），索引从 0 开始</a:t>
-            </a:r>
-            <a:endParaRPr sz="2400" smtClean="0">
-              <a:latin typeface="微软雅黑" panose="020B0503020204020204" pitchFamily="34" charset="-122"/>
-              <a:ea typeface="微软雅黑" panose="020B0503020204020204" pitchFamily="34" charset="-122"/>
-              <a:sym typeface="+mn-ea"/>
-            </a:endParaRPr>
+              <a:rPr lang="zh-CN" altLang="en-US"/>
+              <a:t>跳转控制</a:t>
+            </a:r>
+            <a:endParaRPr lang="zh-CN" altLang="en-US"/>
+          </a:p>
+          <a:p>
+            <a:pPr marL="457200" indent="-457200">
+              <a:buAutoNum type="arabicPeriod"/>
+            </a:pPr>
+            <a:r>
+              <a:rPr lang="zh-CN" altLang="en-US"/>
+              <a:t>数组声明、遍历</a:t>
+            </a:r>
+            <a:endParaRPr lang="zh-CN" altLang="en-US"/>
           </a:p>
           <a:p>
             <a:pPr indent="0">
-              <a:buFont typeface="Arial" panose="020B0604020202020204" pitchFamily="34" charset="0"/>
               <a:buNone/>
             </a:pPr>
-            <a:endParaRPr sz="2400" smtClean="0">
-              <a:latin typeface="微软雅黑" panose="020B0503020204020204" pitchFamily="34" charset="-122"/>
-              <a:ea typeface="微软雅黑" panose="020B0503020204020204" pitchFamily="34" charset="-122"/>
-              <a:sym typeface="+mn-ea"/>
-            </a:endParaRPr>
+            <a:endParaRPr lang="zh-CN" altLang="en-US"/>
+          </a:p>
+          <a:p>
+            <a:pPr marL="457200" indent="-457200">
+              <a:buAutoNum type="arabicPeriod"/>
+            </a:pPr>
+            <a:endParaRPr lang="zh-CN" altLang="en-US"/>
           </a:p>
         </p:txBody>
       </p:sp>
@@ -7096,8 +6060,22 @@
                 <a:latin typeface="Arial" panose="020B0604020202020204" pitchFamily="34" charset="0"/>
                 <a:sym typeface="Arial" panose="020B0604020202020204" pitchFamily="34" charset="0"/>
               </a:rPr>
-              <a:t>数组</a:t>
-            </a:r>
+              <a:t>总结和练习题</a:t>
+            </a:r>
+            <a:br>
+              <a:rPr lang="zh-CN" altLang="en-US" sz="2700" b="1" spc="200">
+                <a:solidFill>
+                  <a:schemeClr val="tx1">
+                    <a:lumMod val="85000"/>
+                    <a:lumOff val="15000"/>
+                  </a:schemeClr>
+                </a:solidFill>
+                <a:uFillTx/>
+                <a:latin typeface="Arial" panose="020B0604020202020204" pitchFamily="34" charset="0"/>
+                <a:ea typeface="微软雅黑" panose="020B0503020204020204" pitchFamily="34" charset="-122"/>
+                <a:sym typeface="Arial" panose="020B0604020202020204" pitchFamily="34" charset="0"/>
+              </a:rPr>
+            </a:br>
             <a:endParaRPr lang="zh-CN" altLang="en-US" sz="2700" dirty="0"/>
           </a:p>
         </p:txBody>
@@ -7128,14 +6106,14 @@
       </p:pic>
       <p:sp>
         <p:nvSpPr>
-          <p:cNvPr id="6" name="TextBox 5"/>
+          <p:cNvPr id="3" name="文本框 2"/>
           <p:cNvSpPr txBox="1"/>
           <p:nvPr/>
         </p:nvSpPr>
         <p:spPr>
           <a:xfrm>
-            <a:off x="1047750" y="1233170"/>
-            <a:ext cx="10257155" cy="1691640"/>
+            <a:off x="1278890" y="1793875"/>
+            <a:ext cx="8638540" cy="675640"/>
           </a:xfrm>
           <a:prstGeom prst="rect">
             <a:avLst/>
@@ -7146,67 +6124,136 @@
           <a:bodyPr wrap="square" rtlCol="0">
             <a:spAutoFit/>
           </a:bodyPr>
-          <a:lstStyle/>
-          <a:p>
-            <a:pPr marL="342900" indent="-342900">
-              <a:buFont typeface="Arial" panose="020B0604020202020204" pitchFamily="34" charset="0"/>
-              <a:buChar char="•"/>
+          <a:p>
+            <a:pPr indent="0">
+              <a:buFontTx/>
+              <a:buNone/>
             </a:pPr>
-            <a:r>
-              <a:rPr sz="2800" smtClean="0">
-                <a:latin typeface="微软雅黑" panose="020B0503020204020204" pitchFamily="34" charset="-122"/>
-                <a:ea typeface="微软雅黑" panose="020B0503020204020204" pitchFamily="34" charset="-122"/>
-                <a:sym typeface="+mn-ea"/>
-              </a:rPr>
-              <a:t>数组声明和初始化</a:t>
-            </a:r>
-            <a:endParaRPr sz="2800" smtClean="0">
+            <a:endParaRPr lang="en-US" altLang="zh-CN" dirty="0">
               <a:latin typeface="微软雅黑" panose="020B0503020204020204" pitchFamily="34" charset="-122"/>
               <a:ea typeface="微软雅黑" panose="020B0503020204020204" pitchFamily="34" charset="-122"/>
-              <a:sym typeface="+mn-ea"/>
             </a:endParaRPr>
           </a:p>
           <a:p>
-            <a:pPr marL="342900" indent="-342900">
-              <a:buFont typeface="Arial" panose="020B0604020202020204" pitchFamily="34" charset="0"/>
-              <a:buChar char="•"/>
-            </a:pPr>
-            <a:endParaRPr sz="2800" smtClean="0">
-              <a:latin typeface="微软雅黑" panose="020B0503020204020204" pitchFamily="34" charset="-122"/>
-              <a:ea typeface="微软雅黑" panose="020B0503020204020204" pitchFamily="34" charset="-122"/>
-              <a:sym typeface="+mn-ea"/>
-            </a:endParaRPr>
-          </a:p>
-          <a:p>
-            <a:pPr indent="0">
-              <a:buFont typeface="Arial" panose="020B0604020202020204" pitchFamily="34" charset="0"/>
-              <a:buNone/>
-            </a:pPr>
-            <a:r>
-              <a:rPr sz="2400" smtClean="0">
-                <a:latin typeface="微软雅黑" panose="020B0503020204020204" pitchFamily="34" charset="-122"/>
-                <a:ea typeface="微软雅黑" panose="020B0503020204020204" pitchFamily="34" charset="-122"/>
-                <a:sym typeface="+mn-ea"/>
-              </a:rPr>
-              <a:t>var identifier [len]type // 如var arr1 [5]int</a:t>
-            </a:r>
-            <a:endParaRPr sz="2400" smtClean="0">
-              <a:latin typeface="微软雅黑" panose="020B0503020204020204" pitchFamily="34" charset="-122"/>
-              <a:ea typeface="微软雅黑" panose="020B0503020204020204" pitchFamily="34" charset="-122"/>
-              <a:sym typeface="+mn-ea"/>
-            </a:endParaRPr>
-          </a:p>
-          <a:p>
-            <a:pPr indent="0">
-              <a:buFont typeface="Arial" panose="020B0604020202020204" pitchFamily="34" charset="0"/>
-              <a:buNone/>
-            </a:pPr>
-            <a:endParaRPr sz="2400" smtClean="0">
-              <a:latin typeface="微软雅黑" panose="020B0503020204020204" pitchFamily="34" charset="-122"/>
-              <a:ea typeface="微软雅黑" panose="020B0503020204020204" pitchFamily="34" charset="-122"/>
-              <a:sym typeface="+mn-ea"/>
-            </a:endParaRPr>
-          </a:p>
+            <a:endParaRPr lang="zh-CN" altLang="en-US"/>
+          </a:p>
+        </p:txBody>
+      </p:sp>
+      <p:sp>
+        <p:nvSpPr>
+          <p:cNvPr id="4" name="文本框 3"/>
+          <p:cNvSpPr txBox="1"/>
+          <p:nvPr/>
+        </p:nvSpPr>
+        <p:spPr>
+          <a:xfrm>
+            <a:off x="716280" y="1761490"/>
+            <a:ext cx="10468610" cy="1260475"/>
+          </a:xfrm>
+          <a:prstGeom prst="rect">
+            <a:avLst/>
+          </a:prstGeom>
+          <a:noFill/>
+        </p:spPr>
+        <p:txBody>
+          <a:bodyPr wrap="square" rtlCol="0">
+            <a:spAutoFit/>
+          </a:bodyPr>
+          <a:p>
+            <a:r>
+              <a:rPr lang="zh-CN" altLang="en-US"/>
+              <a:t>练习题</a:t>
+            </a:r>
+            <a:r>
+              <a:rPr lang="en-US" altLang="zh-CN"/>
+              <a:t>1</a:t>
+            </a:r>
+            <a:r>
+              <a:rPr lang="zh-CN" altLang="en-US"/>
+              <a:t>：</a:t>
+            </a:r>
+            <a:endParaRPr lang="zh-CN" altLang="en-US"/>
+          </a:p>
+          <a:p>
+            <a:r>
+              <a:rPr lang="zh-CN"/>
+              <a:t>声明一个数组，里面存储房源价格，元素以此为：{</a:t>
+            </a:r>
+            <a:r>
+              <a:rPr lang="en-US" altLang="zh-CN"/>
+              <a:t>22</a:t>
+            </a:r>
+            <a:r>
+              <a:rPr lang="zh-CN"/>
+              <a:t>1</a:t>
+            </a:r>
+            <a:r>
+              <a:rPr lang="en-US" altLang="zh-CN"/>
+              <a:t>1.00</a:t>
+            </a:r>
+            <a:r>
+              <a:rPr lang="zh-CN"/>
+              <a:t>,</a:t>
+            </a:r>
+            <a:r>
+              <a:rPr lang="en-US" altLang="zh-CN"/>
+              <a:t>3600.00</a:t>
+            </a:r>
+            <a:r>
+              <a:rPr lang="zh-CN"/>
+              <a:t>,</a:t>
+            </a:r>
+            <a:r>
+              <a:rPr lang="en-US" altLang="zh-CN"/>
+              <a:t>2500.31</a:t>
+            </a:r>
+            <a:r>
+              <a:rPr lang="zh-CN"/>
+              <a:t>,</a:t>
+            </a:r>
+            <a:r>
+              <a:rPr lang="en-US" altLang="zh-CN"/>
+              <a:t>2500.00</a:t>
+            </a:r>
+            <a:r>
+              <a:rPr lang="zh-CN"/>
+              <a:t>,</a:t>
+            </a:r>
+            <a:r>
+              <a:rPr lang="en-US" altLang="zh-CN"/>
+              <a:t>3698.00</a:t>
+            </a:r>
+            <a:r>
+              <a:rPr lang="zh-CN"/>
+              <a:t>,</a:t>
+            </a:r>
+            <a:r>
+              <a:rPr lang="en-US" altLang="zh-CN"/>
+              <a:t>3789.00</a:t>
+            </a:r>
+            <a:r>
+              <a:rPr lang="zh-CN"/>
+              <a:t>,</a:t>
+            </a:r>
+            <a:r>
+              <a:rPr lang="en-US" altLang="zh-CN"/>
+              <a:t>7423.00</a:t>
+            </a:r>
+            <a:r>
+              <a:rPr lang="zh-CN"/>
+              <a:t>,</a:t>
+            </a:r>
+            <a:r>
+              <a:rPr lang="en-US" altLang="zh-CN"/>
+              <a:t>1002.00</a:t>
+            </a:r>
+            <a:r>
+              <a:rPr lang="zh-CN"/>
+              <a:t>} 对这个数组进行排序</a:t>
+            </a:r>
+            <a:endParaRPr lang="zh-CN"/>
+          </a:p>
+          <a:p/>
         </p:txBody>
       </p:sp>
     </p:spTree>
@@ -7241,214 +6288,6 @@
           <a:chExt cx="0" cy="0"/>
         </a:xfrm>
       </p:grpSpPr>
-      <p:sp>
-        <p:nvSpPr>
-          <p:cNvPr id="2" name="标题 1"/>
-          <p:cNvSpPr>
-            <a:spLocks noGrp="1"/>
-          </p:cNvSpPr>
-          <p:nvPr>
-            <p:ph type="title"/>
-          </p:nvPr>
-        </p:nvSpPr>
-        <p:spPr>
-          <a:xfrm>
-            <a:off x="1772274" y="320634"/>
-            <a:ext cx="5115414" cy="391885"/>
-          </a:xfrm>
-        </p:spPr>
-        <p:txBody>
-          <a:bodyPr>
-            <a:normAutofit fontScale="90000"/>
-          </a:bodyPr>
-          <a:lstStyle/>
-          <a:p>
-            <a:r>
-              <a:rPr lang="zh-CN" altLang="en-US" sz="2700" spc="200">
-                <a:solidFill>
-                  <a:schemeClr val="tx1">
-                    <a:lumMod val="85000"/>
-                    <a:lumOff val="15000"/>
-                  </a:schemeClr>
-                </a:solidFill>
-                <a:uFillTx/>
-                <a:latin typeface="Arial" panose="020B0604020202020204" pitchFamily="34" charset="0"/>
-                <a:sym typeface="Arial" panose="020B0604020202020204" pitchFamily="34" charset="0"/>
-              </a:rPr>
-              <a:t>总结和练习题</a:t>
-            </a:r>
-            <a:br>
-              <a:rPr lang="zh-CN" altLang="en-US" sz="2700" b="1" spc="200">
-                <a:solidFill>
-                  <a:schemeClr val="tx1">
-                    <a:lumMod val="85000"/>
-                    <a:lumOff val="15000"/>
-                  </a:schemeClr>
-                </a:solidFill>
-                <a:uFillTx/>
-                <a:latin typeface="Arial" panose="020B0604020202020204" pitchFamily="34" charset="0"/>
-                <a:ea typeface="微软雅黑" panose="020B0503020204020204" pitchFamily="34" charset="-122"/>
-                <a:sym typeface="Arial" panose="020B0604020202020204" pitchFamily="34" charset="0"/>
-              </a:rPr>
-            </a:br>
-            <a:endParaRPr lang="zh-CN" altLang="en-US" sz="2700" dirty="0"/>
-          </a:p>
-        </p:txBody>
-      </p:sp>
-      <p:pic>
-        <p:nvPicPr>
-          <p:cNvPr id="5" name="内容占位符 4"/>
-          <p:cNvPicPr>
-            <a:picLocks noGrp="1" noChangeAspect="1"/>
-          </p:cNvPicPr>
-          <p:nvPr>
-            <p:ph idx="1"/>
-          </p:nvPr>
-        </p:nvPicPr>
-        <p:blipFill>
-          <a:blip r:embed="rId1">
-            <a:extLst>
-              <a:ext uri="{28A0092B-C50C-407E-A947-70E740481C1C}">
-                <a14:useLocalDpi xmlns:a14="http://schemas.microsoft.com/office/drawing/2010/main" val="0"/>
-              </a:ext>
-            </a:extLst>
-          </a:blip>
-          <a:stretch>
-            <a:fillRect/>
-          </a:stretch>
-        </p:blipFill>
-        <p:spPr/>
-      </p:pic>
-      <p:sp>
-        <p:nvSpPr>
-          <p:cNvPr id="3" name="文本框 2"/>
-          <p:cNvSpPr txBox="1"/>
-          <p:nvPr/>
-        </p:nvSpPr>
-        <p:spPr>
-          <a:xfrm>
-            <a:off x="1278890" y="1793875"/>
-            <a:ext cx="8638540" cy="675640"/>
-          </a:xfrm>
-          <a:prstGeom prst="rect">
-            <a:avLst/>
-          </a:prstGeom>
-          <a:noFill/>
-        </p:spPr>
-        <p:txBody>
-          <a:bodyPr wrap="square" rtlCol="0">
-            <a:spAutoFit/>
-          </a:bodyPr>
-          <a:p>
-            <a:pPr indent="0">
-              <a:buFontTx/>
-              <a:buNone/>
-            </a:pPr>
-            <a:endParaRPr lang="en-US" altLang="zh-CN" dirty="0">
-              <a:latin typeface="微软雅黑" panose="020B0503020204020204" pitchFamily="34" charset="-122"/>
-              <a:ea typeface="微软雅黑" panose="020B0503020204020204" pitchFamily="34" charset="-122"/>
-            </a:endParaRPr>
-          </a:p>
-          <a:p>
-            <a:endParaRPr lang="zh-CN" altLang="en-US"/>
-          </a:p>
-        </p:txBody>
-      </p:sp>
-      <p:sp>
-        <p:nvSpPr>
-          <p:cNvPr id="4" name="文本框 3"/>
-          <p:cNvSpPr txBox="1"/>
-          <p:nvPr/>
-        </p:nvSpPr>
-        <p:spPr>
-          <a:xfrm>
-            <a:off x="1631950" y="1665605"/>
-            <a:ext cx="8285480" cy="2138045"/>
-          </a:xfrm>
-          <a:prstGeom prst="rect">
-            <a:avLst/>
-          </a:prstGeom>
-          <a:noFill/>
-        </p:spPr>
-        <p:txBody>
-          <a:bodyPr wrap="square" rtlCol="0">
-            <a:spAutoFit/>
-          </a:bodyPr>
-          <a:p>
-            <a:pPr marL="457200" indent="-457200">
-              <a:buAutoNum type="arabicPeriod"/>
-            </a:pPr>
-            <a:r>
-              <a:rPr lang="en-US" altLang="zh-CN"/>
-              <a:t>if else</a:t>
-            </a:r>
-            <a:endParaRPr lang="zh-CN"/>
-          </a:p>
-          <a:p>
-            <a:pPr marL="457200" indent="-457200" algn="l">
-              <a:buClrTx/>
-              <a:buSzTx/>
-              <a:buFontTx/>
-              <a:buAutoNum type="arabicPeriod"/>
-            </a:pPr>
-            <a:r>
-              <a:rPr lang="en-US" altLang="zh-CN">
-                <a:sym typeface="+mn-ea"/>
-              </a:rPr>
-              <a:t>switch </a:t>
-            </a:r>
-            <a:endParaRPr lang="en-US" altLang="zh-CN">
-              <a:sym typeface="+mn-ea"/>
-            </a:endParaRPr>
-          </a:p>
-          <a:p>
-            <a:pPr marL="457200" indent="-457200">
-              <a:buAutoNum type="arabicPeriod"/>
-            </a:pPr>
-            <a:r>
-              <a:rPr lang="en-US" altLang="zh-CN"/>
-              <a:t>for</a:t>
-            </a:r>
-            <a:r>
-              <a:rPr lang="zh-CN" altLang="en-US"/>
-              <a:t>循环</a:t>
-            </a:r>
-            <a:endParaRPr lang="zh-CN" altLang="en-US"/>
-          </a:p>
-          <a:p>
-            <a:pPr marL="457200" indent="-457200">
-              <a:buAutoNum type="arabicPeriod"/>
-            </a:pPr>
-            <a:r>
-              <a:rPr lang="zh-CN" altLang="en-US"/>
-              <a:t>跳转控制</a:t>
-            </a:r>
-            <a:endParaRPr lang="zh-CN" altLang="en-US"/>
-          </a:p>
-          <a:p>
-            <a:pPr marL="457200" indent="-457200">
-              <a:buAutoNum type="arabicPeriod"/>
-            </a:pPr>
-            <a:r>
-              <a:rPr lang="zh-CN" altLang="en-US"/>
-              <a:t>数组声明、遍历</a:t>
-            </a:r>
-            <a:endParaRPr lang="zh-CN" altLang="en-US"/>
-          </a:p>
-          <a:p>
-            <a:pPr indent="0">
-              <a:buNone/>
-            </a:pPr>
-            <a:endParaRPr lang="zh-CN" altLang="en-US"/>
-          </a:p>
-          <a:p>
-            <a:pPr marL="457200" indent="-457200">
-              <a:buAutoNum type="arabicPeriod"/>
-            </a:pPr>
-            <a:endParaRPr lang="zh-CN" altLang="en-US"/>
-          </a:p>
-        </p:txBody>
-      </p:sp>
     </p:spTree>
   </p:cSld>
   <p:clrMapOvr>

--- a/04/go基础知识.pptx
+++ b/04/go基础知识.pptx
@@ -15,9 +15,11 @@
     <p:sldId id="309" r:id="rId8"/>
     <p:sldId id="320" r:id="rId9"/>
     <p:sldId id="321" r:id="rId10"/>
-    <p:sldId id="299" r:id="rId11"/>
-    <p:sldId id="301" r:id="rId12"/>
-    <p:sldId id="266" r:id="rId13"/>
+    <p:sldId id="325" r:id="rId11"/>
+    <p:sldId id="326" r:id="rId12"/>
+    <p:sldId id="299" r:id="rId13"/>
+    <p:sldId id="301" r:id="rId14"/>
+    <p:sldId id="266" r:id="rId15"/>
   </p:sldIdLst>
   <p:sldSz cx="12192000" cy="6858000"/>
   <p:notesSz cx="6858000" cy="9144000"/>
@@ -122,14 +124,16 @@
         <p14:section name="默认节" id="{6D85C079-5351-D344-AC85-0BE671A74C07}">
           <p14:sldIdLst>
             <p14:sldId id="267"/>
+            <p14:sldId id="279"/>
             <p14:sldId id="289"/>
+            <p14:sldId id="309"/>
+            <p14:sldId id="299"/>
             <p14:sldId id="301"/>
             <p14:sldId id="266"/>
-            <p14:sldId id="279"/>
-            <p14:sldId id="299"/>
-            <p14:sldId id="309"/>
             <p14:sldId id="320"/>
             <p14:sldId id="321"/>
+            <p14:sldId id="325"/>
+            <p14:sldId id="326"/>
           </p14:sldIdLst>
         </p14:section>
         <p14:section name="技术项目" id="{CD5D3B33-B192-7A47-9AA8-B7BE35B63FD9}">
@@ -3518,6 +3522,300 @@
 </p:sld>
 </file>
 
+<file path=ppt/slides/slide10.xml><?xml version="1.0" encoding="utf-8"?>
+<p:sld xmlns:a="http://schemas.openxmlformats.org/drawingml/2006/main" xmlns:r="http://schemas.openxmlformats.org/officeDocument/2006/relationships" xmlns:p="http://schemas.openxmlformats.org/presentationml/2006/main">
+  <p:cSld>
+    <p:spTree>
+      <p:nvGrpSpPr>
+        <p:cNvPr id="1" name=""/>
+        <p:cNvGrpSpPr/>
+        <p:nvPr/>
+      </p:nvGrpSpPr>
+      <p:grpSpPr>
+        <a:xfrm>
+          <a:off x="0" y="0"/>
+          <a:ext cx="0" cy="0"/>
+          <a:chOff x="0" y="0"/>
+          <a:chExt cx="0" cy="0"/>
+        </a:xfrm>
+      </p:grpSpPr>
+      <p:sp>
+        <p:nvSpPr>
+          <p:cNvPr id="2" name="标题 1"/>
+          <p:cNvSpPr>
+            <a:spLocks noGrp="1"/>
+          </p:cNvSpPr>
+          <p:nvPr>
+            <p:ph type="title"/>
+          </p:nvPr>
+        </p:nvSpPr>
+        <p:spPr>
+          <a:xfrm>
+            <a:off x="1772274" y="320634"/>
+            <a:ext cx="5115414" cy="391885"/>
+          </a:xfrm>
+        </p:spPr>
+        <p:txBody>
+          <a:bodyPr>
+            <a:normAutofit fontScale="90000"/>
+          </a:bodyPr>
+          <a:lstStyle/>
+          <a:p>
+            <a:r>
+              <a:rPr lang="zh-CN" altLang="en-US" sz="2700" spc="200">
+                <a:solidFill>
+                  <a:schemeClr val="tx1">
+                    <a:lumMod val="85000"/>
+                    <a:lumOff val="15000"/>
+                  </a:schemeClr>
+                </a:solidFill>
+                <a:uFillTx/>
+                <a:latin typeface="Arial" panose="020B0604020202020204" pitchFamily="34" charset="0"/>
+                <a:sym typeface="Arial" panose="020B0604020202020204" pitchFamily="34" charset="0"/>
+              </a:rPr>
+              <a:t>总结和练习题</a:t>
+            </a:r>
+            <a:br>
+              <a:rPr lang="zh-CN" altLang="en-US" sz="2700" b="1" spc="200">
+                <a:solidFill>
+                  <a:schemeClr val="tx1">
+                    <a:lumMod val="85000"/>
+                    <a:lumOff val="15000"/>
+                  </a:schemeClr>
+                </a:solidFill>
+                <a:uFillTx/>
+                <a:latin typeface="Arial" panose="020B0604020202020204" pitchFamily="34" charset="0"/>
+                <a:ea typeface="微软雅黑" panose="020B0503020204020204" pitchFamily="34" charset="-122"/>
+                <a:sym typeface="Arial" panose="020B0604020202020204" pitchFamily="34" charset="0"/>
+              </a:rPr>
+            </a:br>
+            <a:endParaRPr lang="zh-CN" altLang="en-US" sz="2700" dirty="0"/>
+          </a:p>
+        </p:txBody>
+      </p:sp>
+      <p:pic>
+        <p:nvPicPr>
+          <p:cNvPr id="5" name="内容占位符 4"/>
+          <p:cNvPicPr>
+            <a:picLocks noGrp="1" noChangeAspect="1"/>
+          </p:cNvPicPr>
+          <p:nvPr>
+            <p:ph idx="1"/>
+          </p:nvPr>
+        </p:nvPicPr>
+        <p:blipFill>
+          <a:blip r:embed="rId1">
+            <a:extLst>
+              <a:ext uri="{28A0092B-C50C-407E-A947-70E740481C1C}">
+                <a14:useLocalDpi xmlns:a14="http://schemas.microsoft.com/office/drawing/2010/main" val="0"/>
+              </a:ext>
+            </a:extLst>
+          </a:blip>
+          <a:stretch>
+            <a:fillRect/>
+          </a:stretch>
+        </p:blipFill>
+        <p:spPr/>
+      </p:pic>
+      <p:sp>
+        <p:nvSpPr>
+          <p:cNvPr id="3" name="文本框 2"/>
+          <p:cNvSpPr txBox="1"/>
+          <p:nvPr/>
+        </p:nvSpPr>
+        <p:spPr>
+          <a:xfrm>
+            <a:off x="1278890" y="1793875"/>
+            <a:ext cx="8638540" cy="675640"/>
+          </a:xfrm>
+          <a:prstGeom prst="rect">
+            <a:avLst/>
+          </a:prstGeom>
+          <a:noFill/>
+        </p:spPr>
+        <p:txBody>
+          <a:bodyPr wrap="square" rtlCol="0">
+            <a:spAutoFit/>
+          </a:bodyPr>
+          <a:p>
+            <a:pPr indent="0">
+              <a:buFontTx/>
+              <a:buNone/>
+            </a:pPr>
+            <a:endParaRPr lang="en-US" altLang="zh-CN" dirty="0">
+              <a:latin typeface="微软雅黑" panose="020B0503020204020204" pitchFamily="34" charset="-122"/>
+              <a:ea typeface="微软雅黑" panose="020B0503020204020204" pitchFamily="34" charset="-122"/>
+            </a:endParaRPr>
+          </a:p>
+          <a:p>
+            <a:endParaRPr lang="zh-CN" altLang="en-US"/>
+          </a:p>
+        </p:txBody>
+      </p:sp>
+      <p:sp>
+        <p:nvSpPr>
+          <p:cNvPr id="4" name="文本框 3"/>
+          <p:cNvSpPr txBox="1"/>
+          <p:nvPr/>
+        </p:nvSpPr>
+        <p:spPr>
+          <a:xfrm>
+            <a:off x="716280" y="1761490"/>
+            <a:ext cx="10468610" cy="1260475"/>
+          </a:xfrm>
+          <a:prstGeom prst="rect">
+            <a:avLst/>
+          </a:prstGeom>
+          <a:noFill/>
+        </p:spPr>
+        <p:txBody>
+          <a:bodyPr wrap="square" rtlCol="0">
+            <a:spAutoFit/>
+          </a:bodyPr>
+          <a:p>
+            <a:r>
+              <a:rPr lang="zh-CN" altLang="en-US"/>
+              <a:t>练习题</a:t>
+            </a:r>
+            <a:r>
+              <a:rPr lang="en-US" altLang="zh-CN"/>
+              <a:t>1</a:t>
+            </a:r>
+            <a:r>
+              <a:rPr lang="zh-CN" altLang="en-US"/>
+              <a:t>：</a:t>
+            </a:r>
+            <a:endParaRPr lang="zh-CN" altLang="en-US"/>
+          </a:p>
+          <a:p>
+            <a:r>
+              <a:rPr lang="zh-CN"/>
+              <a:t>声明一个数组，里面存储房源价格，元素以此为：{</a:t>
+            </a:r>
+            <a:r>
+              <a:rPr lang="en-US" altLang="zh-CN"/>
+              <a:t>22</a:t>
+            </a:r>
+            <a:r>
+              <a:rPr lang="zh-CN"/>
+              <a:t>1</a:t>
+            </a:r>
+            <a:r>
+              <a:rPr lang="en-US" altLang="zh-CN"/>
+              <a:t>1.00</a:t>
+            </a:r>
+            <a:r>
+              <a:rPr lang="zh-CN"/>
+              <a:t>,</a:t>
+            </a:r>
+            <a:r>
+              <a:rPr lang="en-US" altLang="zh-CN"/>
+              <a:t>3600.00</a:t>
+            </a:r>
+            <a:r>
+              <a:rPr lang="zh-CN"/>
+              <a:t>,</a:t>
+            </a:r>
+            <a:r>
+              <a:rPr lang="en-US" altLang="zh-CN"/>
+              <a:t>2500.31</a:t>
+            </a:r>
+            <a:r>
+              <a:rPr lang="zh-CN"/>
+              <a:t>,</a:t>
+            </a:r>
+            <a:r>
+              <a:rPr lang="en-US" altLang="zh-CN"/>
+              <a:t>2500.00</a:t>
+            </a:r>
+            <a:r>
+              <a:rPr lang="zh-CN"/>
+              <a:t>,</a:t>
+            </a:r>
+            <a:r>
+              <a:rPr lang="en-US" altLang="zh-CN"/>
+              <a:t>3698.00</a:t>
+            </a:r>
+            <a:r>
+              <a:rPr lang="zh-CN"/>
+              <a:t>,</a:t>
+            </a:r>
+            <a:r>
+              <a:rPr lang="en-US" altLang="zh-CN"/>
+              <a:t>3789.00</a:t>
+            </a:r>
+            <a:r>
+              <a:rPr lang="zh-CN"/>
+              <a:t>,</a:t>
+            </a:r>
+            <a:r>
+              <a:rPr lang="en-US" altLang="zh-CN"/>
+              <a:t>7423.00</a:t>
+            </a:r>
+            <a:r>
+              <a:rPr lang="zh-CN"/>
+              <a:t>,</a:t>
+            </a:r>
+            <a:r>
+              <a:rPr lang="en-US" altLang="zh-CN"/>
+              <a:t>1002.00</a:t>
+            </a:r>
+            <a:r>
+              <a:rPr lang="zh-CN"/>
+              <a:t>} 对这个数组进行排序</a:t>
+            </a:r>
+            <a:endParaRPr lang="zh-CN"/>
+          </a:p>
+          <a:p/>
+        </p:txBody>
+      </p:sp>
+    </p:spTree>
+  </p:cSld>
+  <p:clrMapOvr>
+    <a:masterClrMapping/>
+  </p:clrMapOvr>
+  <p:timing>
+    <p:tnLst>
+      <p:par>
+        <p:cTn id="1" dur="indefinite" restart="never" nodeType="tmRoot"/>
+      </p:par>
+    </p:tnLst>
+  </p:timing>
+</p:sld>
+</file>
+
+<file path=ppt/slides/slide11.xml><?xml version="1.0" encoding="utf-8"?>
+<p:sld xmlns:a="http://schemas.openxmlformats.org/drawingml/2006/main" xmlns:r="http://schemas.openxmlformats.org/officeDocument/2006/relationships" xmlns:p="http://schemas.openxmlformats.org/presentationml/2006/main">
+  <p:cSld>
+    <p:spTree>
+      <p:nvGrpSpPr>
+        <p:cNvPr id="1" name=""/>
+        <p:cNvGrpSpPr/>
+        <p:nvPr/>
+      </p:nvGrpSpPr>
+      <p:grpSpPr>
+        <a:xfrm>
+          <a:off x="0" y="0"/>
+          <a:ext cx="0" cy="0"/>
+          <a:chOff x="0" y="0"/>
+          <a:chExt cx="0" cy="0"/>
+        </a:xfrm>
+      </p:grpSpPr>
+    </p:spTree>
+  </p:cSld>
+  <p:clrMapOvr>
+    <a:masterClrMapping/>
+  </p:clrMapOvr>
+  <p:timing>
+    <p:tnLst>
+      <p:par>
+        <p:cTn id="1" dur="indefinite" restart="never" nodeType="tmRoot"/>
+      </p:par>
+    </p:tnLst>
+  </p:timing>
+</p:sld>
+</file>
+
 <file path=ppt/slides/slide2.xml><?xml version="1.0" encoding="utf-8"?>
 <p:sld xmlns:a="http://schemas.openxmlformats.org/drawingml/2006/main" xmlns:r="http://schemas.openxmlformats.org/officeDocument/2006/relationships" xmlns:p="http://schemas.openxmlformats.org/presentationml/2006/main">
   <p:cSld>
@@ -5747,33 +6045,17 @@
           <a:lstStyle/>
           <a:p>
             <a:r>
-              <a:rPr lang="zh-CN" altLang="en-US" sz="2700" spc="200">
-                <a:solidFill>
-                  <a:schemeClr val="tx1">
-                    <a:lumMod val="85000"/>
-                    <a:lumOff val="15000"/>
-                  </a:schemeClr>
-                </a:solidFill>
-                <a:uFillTx/>
-                <a:latin typeface="Arial" panose="020B0604020202020204" pitchFamily="34" charset="0"/>
-                <a:sym typeface="Arial" panose="020B0604020202020204" pitchFamily="34" charset="0"/>
-              </a:rPr>
-              <a:t>总结和练习题</a:t>
-            </a:r>
-            <a:br>
-              <a:rPr lang="zh-CN" altLang="en-US" sz="2700" b="1" spc="200">
-                <a:solidFill>
-                  <a:schemeClr val="tx1">
-                    <a:lumMod val="85000"/>
-                    <a:lumOff val="15000"/>
-                  </a:schemeClr>
-                </a:solidFill>
-                <a:uFillTx/>
-                <a:latin typeface="Arial" panose="020B0604020202020204" pitchFamily="34" charset="0"/>
-                <a:ea typeface="微软雅黑" panose="020B0503020204020204" pitchFamily="34" charset="-122"/>
-                <a:sym typeface="Arial" panose="020B0604020202020204" pitchFamily="34" charset="0"/>
-              </a:rPr>
-            </a:br>
+              <a:rPr lang="zh-CN" altLang="en-US" sz="2700" dirty="0" smtClean="0">
+                <a:sym typeface="+mn-ea"/>
+              </a:rPr>
+              <a:t>方法</a:t>
+            </a:r>
+            <a:r>
+              <a:rPr lang="en-US" altLang="zh-CN" sz="2700" dirty="0" smtClean="0">
+                <a:sym typeface="+mn-ea"/>
+              </a:rPr>
+              <a:t>method</a:t>
+            </a:r>
             <a:endParaRPr lang="zh-CN" altLang="en-US" sz="2700" dirty="0"/>
           </a:p>
         </p:txBody>
@@ -5804,14 +6086,14 @@
       </p:pic>
       <p:sp>
         <p:nvSpPr>
-          <p:cNvPr id="3" name="文本框 2"/>
+          <p:cNvPr id="6" name="TextBox 5"/>
           <p:cNvSpPr txBox="1"/>
           <p:nvPr/>
         </p:nvSpPr>
         <p:spPr>
           <a:xfrm>
-            <a:off x="1278890" y="1793875"/>
-            <a:ext cx="8638540" cy="675640"/>
+            <a:off x="1047750" y="857250"/>
+            <a:ext cx="10097135" cy="3046095"/>
           </a:xfrm>
           <a:prstGeom prst="rect">
             <a:avLst/>
@@ -5822,175 +6104,223 @@
           <a:bodyPr wrap="square" rtlCol="0">
             <a:spAutoFit/>
           </a:bodyPr>
+          <a:lstStyle/>
           <a:p>
             <a:pPr indent="0">
-              <a:buFontTx/>
+              <a:buFont typeface="+mj-lt"/>
               <a:buNone/>
             </a:pPr>
-            <a:endParaRPr lang="en-US" altLang="zh-CN" dirty="0">
+            <a:endParaRPr lang="en-US" altLang="zh-CN" sz="2400" dirty="0">
               <a:latin typeface="微软雅黑" panose="020B0503020204020204" pitchFamily="34" charset="-122"/>
               <a:ea typeface="微软雅黑" panose="020B0503020204020204" pitchFamily="34" charset="-122"/>
             </a:endParaRPr>
           </a:p>
           <a:p>
-            <a:endParaRPr lang="zh-CN" altLang="en-US"/>
-          </a:p>
-        </p:txBody>
-      </p:sp>
-      <p:sp>
-        <p:nvSpPr>
-          <p:cNvPr id="4" name="文本框 3"/>
-          <p:cNvSpPr txBox="1"/>
-          <p:nvPr/>
-        </p:nvSpPr>
-        <p:spPr>
-          <a:xfrm>
-            <a:off x="1631950" y="1665605"/>
-            <a:ext cx="8285480" cy="2722880"/>
-          </a:xfrm>
-          <a:prstGeom prst="rect">
-            <a:avLst/>
-          </a:prstGeom>
-          <a:noFill/>
-        </p:spPr>
-        <p:txBody>
-          <a:bodyPr wrap="square" rtlCol="0">
-            <a:spAutoFit/>
-          </a:bodyPr>
-          <a:p>
-            <a:pPr marL="457200" indent="-457200">
-              <a:buAutoNum type="arabicPeriod"/>
+            <a:pPr marL="342900" indent="-342900">
+              <a:buFontTx/>
+              <a:buChar char="-"/>
             </a:pPr>
             <a:r>
-              <a:rPr lang="en-US" altLang="zh-CN"/>
-              <a:t>map</a:t>
-            </a:r>
-            <a:r>
-              <a:rPr lang="zh-CN" altLang="en-US"/>
-              <a:t>的声明和定义</a:t>
-            </a:r>
-            <a:endParaRPr lang="zh-CN"/>
-          </a:p>
-          <a:p>
-            <a:pPr marL="457200" indent="-457200" algn="l">
-              <a:buClrTx/>
-              <a:buSzTx/>
+              <a:rPr lang="en-US" altLang="zh-CN" sz="2400" dirty="0" smtClean="0">
+                <a:latin typeface="微软雅黑" panose="020B0503020204020204" pitchFamily="34" charset="-122"/>
+                <a:ea typeface="微软雅黑" panose="020B0503020204020204" pitchFamily="34" charset="-122"/>
+                <a:sym typeface="+mn-ea"/>
+              </a:rPr>
+              <a:t>Go </a:t>
+            </a:r>
+            <a:r>
+              <a:rPr lang="zh-CN" altLang="en-US" sz="2400" dirty="0" smtClean="0">
+                <a:latin typeface="微软雅黑" panose="020B0503020204020204" pitchFamily="34" charset="-122"/>
+                <a:ea typeface="微软雅黑" panose="020B0503020204020204" pitchFamily="34" charset="-122"/>
+                <a:sym typeface="+mn-ea"/>
+              </a:rPr>
+              <a:t>中虽没有</a:t>
+            </a:r>
+            <a:r>
+              <a:rPr lang="en-US" altLang="zh-CN" sz="2400" dirty="0" smtClean="0">
+                <a:latin typeface="微软雅黑" panose="020B0503020204020204" pitchFamily="34" charset="-122"/>
+                <a:ea typeface="微软雅黑" panose="020B0503020204020204" pitchFamily="34" charset="-122"/>
+                <a:sym typeface="+mn-ea"/>
+              </a:rPr>
+              <a:t>class</a:t>
+            </a:r>
+            <a:r>
+              <a:rPr lang="zh-CN" altLang="en-US" sz="2400" dirty="0" smtClean="0">
+                <a:latin typeface="微软雅黑" panose="020B0503020204020204" pitchFamily="34" charset="-122"/>
+                <a:ea typeface="微软雅黑" panose="020B0503020204020204" pitchFamily="34" charset="-122"/>
+                <a:sym typeface="+mn-ea"/>
+              </a:rPr>
+              <a:t>，但依旧有</a:t>
+            </a:r>
+            <a:r>
+              <a:rPr lang="en-US" altLang="zh-CN" sz="2400" dirty="0" smtClean="0">
+                <a:latin typeface="微软雅黑" panose="020B0503020204020204" pitchFamily="34" charset="-122"/>
+                <a:ea typeface="微软雅黑" panose="020B0503020204020204" pitchFamily="34" charset="-122"/>
+                <a:sym typeface="+mn-ea"/>
+              </a:rPr>
+              <a:t>method</a:t>
+            </a:r>
+            <a:endParaRPr lang="en-US" altLang="zh-CN" sz="2400" dirty="0" smtClean="0">
+              <a:latin typeface="微软雅黑" panose="020B0503020204020204" pitchFamily="34" charset="-122"/>
+              <a:ea typeface="微软雅黑" panose="020B0503020204020204" pitchFamily="34" charset="-122"/>
+            </a:endParaRPr>
+          </a:p>
+          <a:p>
+            <a:pPr marL="342900" indent="-342900">
               <a:buFontTx/>
-              <a:buAutoNum type="arabicPeriod"/>
+              <a:buChar char="-"/>
             </a:pPr>
             <a:r>
-              <a:rPr lang="en-US" altLang="zh-CN">
+              <a:rPr lang="zh-CN" altLang="en-US" sz="2400" dirty="0" smtClean="0">
+                <a:latin typeface="微软雅黑" panose="020B0503020204020204" pitchFamily="34" charset="-122"/>
+                <a:ea typeface="微软雅黑" panose="020B0503020204020204" pitchFamily="34" charset="-122"/>
                 <a:sym typeface="+mn-ea"/>
               </a:rPr>
-              <a:t>map</a:t>
-            </a:r>
-            <a:r>
-              <a:rPr lang="zh-CN" altLang="en-US">
+              <a:t>通过显示说明</a:t>
+            </a:r>
+            <a:r>
+              <a:rPr lang="en-US" altLang="zh-CN" sz="2400" dirty="0" smtClean="0">
+                <a:latin typeface="微软雅黑" panose="020B0503020204020204" pitchFamily="34" charset="-122"/>
+                <a:ea typeface="微软雅黑" panose="020B0503020204020204" pitchFamily="34" charset="-122"/>
                 <a:sym typeface="+mn-ea"/>
               </a:rPr>
-              <a:t>的判断和操作</a:t>
-            </a:r>
-            <a:endParaRPr lang="zh-CN" altLang="en-US">
+              <a:t>receiver</a:t>
+            </a:r>
+            <a:r>
+              <a:rPr lang="zh-CN" altLang="en-US" sz="2400" dirty="0" smtClean="0">
+                <a:latin typeface="微软雅黑" panose="020B0503020204020204" pitchFamily="34" charset="-122"/>
+                <a:ea typeface="微软雅黑" panose="020B0503020204020204" pitchFamily="34" charset="-122"/>
+                <a:sym typeface="+mn-ea"/>
+              </a:rPr>
+              <a:t>来实现与某个类型的组合</a:t>
+            </a:r>
+            <a:endParaRPr lang="en-US" altLang="zh-CN" sz="2400" dirty="0" smtClean="0">
+              <a:latin typeface="微软雅黑" panose="020B0503020204020204" pitchFamily="34" charset="-122"/>
+              <a:ea typeface="微软雅黑" panose="020B0503020204020204" pitchFamily="34" charset="-122"/>
+            </a:endParaRPr>
+          </a:p>
+          <a:p>
+            <a:pPr marL="342900" indent="-342900">
+              <a:buFontTx/>
+              <a:buChar char="-"/>
+            </a:pPr>
+            <a:r>
+              <a:rPr lang="en-US" altLang="zh-CN" sz="2400" dirty="0" smtClean="0">
+                <a:latin typeface="微软雅黑" panose="020B0503020204020204" pitchFamily="34" charset="-122"/>
+                <a:ea typeface="微软雅黑" panose="020B0503020204020204" pitchFamily="34" charset="-122"/>
+                <a:sym typeface="+mn-ea"/>
+              </a:rPr>
+              <a:t>Receiver </a:t>
+            </a:r>
+            <a:r>
+              <a:rPr lang="zh-CN" altLang="en-US" sz="2400" dirty="0">
+                <a:latin typeface="微软雅黑" panose="020B0503020204020204" pitchFamily="34" charset="-122"/>
+                <a:ea typeface="微软雅黑" panose="020B0503020204020204" pitchFamily="34" charset="-122"/>
+                <a:sym typeface="+mn-ea"/>
+              </a:rPr>
+              <a:t>可以是</a:t>
+            </a:r>
+            <a:r>
+              <a:rPr lang="zh-CN" altLang="en-US" sz="2400" dirty="0" smtClean="0">
+                <a:latin typeface="微软雅黑" panose="020B0503020204020204" pitchFamily="34" charset="-122"/>
+                <a:ea typeface="微软雅黑" panose="020B0503020204020204" pitchFamily="34" charset="-122"/>
+                <a:sym typeface="+mn-ea"/>
+              </a:rPr>
+              <a:t>类型的值或者指针</a:t>
+            </a:r>
+            <a:endParaRPr lang="en-US" altLang="zh-CN" sz="2400" dirty="0" smtClean="0">
+              <a:latin typeface="微软雅黑" panose="020B0503020204020204" pitchFamily="34" charset="-122"/>
+              <a:ea typeface="微软雅黑" panose="020B0503020204020204" pitchFamily="34" charset="-122"/>
+            </a:endParaRPr>
+          </a:p>
+          <a:p>
+            <a:pPr marL="342900" indent="-342900">
+              <a:buFontTx/>
+              <a:buChar char="-"/>
+            </a:pPr>
+            <a:r>
+              <a:rPr lang="zh-CN" altLang="en-US" sz="2400" dirty="0" smtClean="0">
+                <a:latin typeface="微软雅黑" panose="020B0503020204020204" pitchFamily="34" charset="-122"/>
+                <a:ea typeface="微软雅黑" panose="020B0503020204020204" pitchFamily="34" charset="-122"/>
+                <a:sym typeface="+mn-ea"/>
+              </a:rPr>
+              <a:t>可以使用值或指针来调用方法，</a:t>
+            </a:r>
+            <a:r>
+              <a:rPr lang="zh-CN" altLang="en-US" sz="2400" dirty="0">
+                <a:latin typeface="微软雅黑" panose="020B0503020204020204" pitchFamily="34" charset="-122"/>
+                <a:ea typeface="微软雅黑" panose="020B0503020204020204" pitchFamily="34" charset="-122"/>
+                <a:sym typeface="+mn-ea"/>
+              </a:rPr>
+              <a:t>编译器</a:t>
+            </a:r>
+            <a:r>
+              <a:rPr lang="zh-CN" altLang="en-US" sz="2400" dirty="0" smtClean="0">
+                <a:latin typeface="微软雅黑" panose="020B0503020204020204" pitchFamily="34" charset="-122"/>
+                <a:ea typeface="微软雅黑" panose="020B0503020204020204" pitchFamily="34" charset="-122"/>
+                <a:sym typeface="+mn-ea"/>
+              </a:rPr>
+              <a:t>会自动完成转换</a:t>
+            </a:r>
+            <a:endParaRPr lang="en-US" altLang="zh-CN" sz="2400" dirty="0" smtClean="0">
+              <a:latin typeface="微软雅黑" panose="020B0503020204020204" pitchFamily="34" charset="-122"/>
+              <a:ea typeface="微软雅黑" panose="020B0503020204020204" pitchFamily="34" charset="-122"/>
+            </a:endParaRPr>
+          </a:p>
+          <a:p>
+            <a:pPr marL="342900" indent="-342900">
+              <a:buFontTx/>
+              <a:buChar char="-"/>
+            </a:pPr>
+            <a:r>
+              <a:rPr lang="zh-CN" altLang="en-US" sz="2400" dirty="0" smtClean="0">
+                <a:latin typeface="微软雅黑" panose="020B0503020204020204" pitchFamily="34" charset="-122"/>
+                <a:ea typeface="微软雅黑" panose="020B0503020204020204" pitchFamily="34" charset="-122"/>
+                <a:sym typeface="+mn-ea"/>
+              </a:rPr>
+              <a:t>如果外部结构和嵌入结构存在同名方法，则优先调用外部结构的方法</a:t>
+            </a:r>
+            <a:endParaRPr lang="en-US" altLang="zh-CN" sz="2400" dirty="0" smtClean="0">
+              <a:latin typeface="微软雅黑" panose="020B0503020204020204" pitchFamily="34" charset="-122"/>
+              <a:ea typeface="微软雅黑" panose="020B0503020204020204" pitchFamily="34" charset="-122"/>
+            </a:endParaRPr>
+          </a:p>
+          <a:p>
+            <a:pPr marL="342900" indent="-342900">
+              <a:buFontTx/>
+              <a:buChar char="-"/>
+            </a:pPr>
+            <a:r>
+              <a:rPr lang="zh-CN" altLang="en-US" sz="2400" dirty="0" smtClean="0">
+                <a:latin typeface="微软雅黑" panose="020B0503020204020204" pitchFamily="34" charset="-122"/>
+                <a:ea typeface="微软雅黑" panose="020B0503020204020204" pitchFamily="34" charset="-122"/>
+                <a:sym typeface="+mn-ea"/>
+              </a:rPr>
+              <a:t>类型别名不会拥有底层类型所附带的方法</a:t>
+            </a:r>
+            <a:endParaRPr lang="en-US" altLang="zh-CN" sz="2400" dirty="0" smtClean="0">
+              <a:latin typeface="微软雅黑" panose="020B0503020204020204" pitchFamily="34" charset="-122"/>
+              <a:ea typeface="微软雅黑" panose="020B0503020204020204" pitchFamily="34" charset="-122"/>
+            </a:endParaRPr>
+          </a:p>
+          <a:p>
+            <a:pPr marL="342900" indent="-342900">
+              <a:buFontTx/>
+              <a:buChar char="-"/>
+            </a:pPr>
+            <a:r>
+              <a:rPr lang="zh-CN" altLang="en-US" sz="2400" dirty="0" smtClean="0">
+                <a:latin typeface="微软雅黑" panose="020B0503020204020204" pitchFamily="34" charset="-122"/>
+                <a:ea typeface="微软雅黑" panose="020B0503020204020204" pitchFamily="34" charset="-122"/>
+                <a:sym typeface="+mn-ea"/>
+              </a:rPr>
+              <a:t>方法可以调用结构中的非公开字段</a:t>
+            </a:r>
+            <a:endParaRPr lang="zh-CN" sz="1800" dirty="0" smtClean="0">
+              <a:latin typeface="微软雅黑" panose="020B0503020204020204" pitchFamily="34" charset="-122"/>
+              <a:ea typeface="微软雅黑" panose="020B0503020204020204" pitchFamily="34" charset="-122"/>
               <a:sym typeface="+mn-ea"/>
             </a:endParaRPr>
-          </a:p>
-          <a:p>
-            <a:pPr marL="457200" indent="-457200" algn="l">
-              <a:buClrTx/>
-              <a:buSzTx/>
-              <a:buFontTx/>
-              <a:buAutoNum type="arabicPeriod"/>
-            </a:pPr>
-            <a:r>
-              <a:rPr lang="en-US" altLang="zh-CN">
-                <a:sym typeface="+mn-ea"/>
-              </a:rPr>
-              <a:t>map</a:t>
-            </a:r>
-            <a:r>
-              <a:rPr lang="zh-CN" altLang="en-US">
-                <a:sym typeface="+mn-ea"/>
-              </a:rPr>
-              <a:t>遍历</a:t>
-            </a:r>
-            <a:endParaRPr lang="zh-CN" altLang="en-US">
-              <a:sym typeface="+mn-ea"/>
-            </a:endParaRPr>
-          </a:p>
-          <a:p>
-            <a:pPr marL="457200" indent="-457200" algn="l">
-              <a:buClrTx/>
-              <a:buSzTx/>
-              <a:buFontTx/>
-              <a:buAutoNum type="arabicPeriod"/>
-            </a:pPr>
-            <a:r>
-              <a:rPr lang="en-US" altLang="zh-CN">
-                <a:sym typeface="+mn-ea"/>
-              </a:rPr>
-              <a:t>map</a:t>
-            </a:r>
-            <a:r>
-              <a:rPr lang="zh-CN" altLang="en-US">
-                <a:sym typeface="+mn-ea"/>
-              </a:rPr>
-              <a:t>排序</a:t>
-            </a:r>
-            <a:r>
-              <a:rPr lang="en-US" altLang="zh-CN">
-                <a:sym typeface="+mn-ea"/>
-              </a:rPr>
-              <a:t> </a:t>
-            </a:r>
-            <a:endParaRPr lang="en-US" altLang="zh-CN">
-              <a:sym typeface="+mn-ea"/>
-            </a:endParaRPr>
-          </a:p>
-          <a:p>
-            <a:pPr marL="457200" indent="-457200">
-              <a:buAutoNum type="arabicPeriod"/>
-            </a:pPr>
-            <a:r>
-              <a:rPr lang="en-US" altLang="zh-CN"/>
-              <a:t>for</a:t>
-            </a:r>
-            <a:r>
-              <a:rPr lang="zh-CN" altLang="en-US"/>
-              <a:t>循环</a:t>
-            </a:r>
-            <a:endParaRPr lang="zh-CN" altLang="en-US"/>
-          </a:p>
-          <a:p>
-            <a:pPr marL="457200" indent="-457200">
-              <a:buAutoNum type="arabicPeriod"/>
-            </a:pPr>
-            <a:r>
-              <a:rPr lang="zh-CN" altLang="en-US"/>
-              <a:t>跳转控制</a:t>
-            </a:r>
-            <a:endParaRPr lang="zh-CN" altLang="en-US"/>
-          </a:p>
-          <a:p>
-            <a:pPr marL="457200" indent="-457200">
-              <a:buAutoNum type="arabicPeriod"/>
-            </a:pPr>
-            <a:r>
-              <a:rPr lang="zh-CN" altLang="en-US"/>
-              <a:t>数组声明、遍历</a:t>
-            </a:r>
-            <a:endParaRPr lang="zh-CN" altLang="en-US"/>
-          </a:p>
-          <a:p>
-            <a:pPr indent="0">
-              <a:buNone/>
-            </a:pPr>
-            <a:endParaRPr lang="zh-CN" altLang="en-US"/>
-          </a:p>
-          <a:p>
-            <a:pPr marL="457200" indent="-457200">
-              <a:buAutoNum type="arabicPeriod"/>
-            </a:pPr>
-            <a:endParaRPr lang="zh-CN" altLang="en-US"/>
           </a:p>
         </p:txBody>
       </p:sp>
@@ -6049,33 +6379,17 @@
           <a:lstStyle/>
           <a:p>
             <a:r>
-              <a:rPr lang="zh-CN" altLang="en-US" sz="2700" spc="200">
-                <a:solidFill>
-                  <a:schemeClr val="tx1">
-                    <a:lumMod val="85000"/>
-                    <a:lumOff val="15000"/>
-                  </a:schemeClr>
-                </a:solidFill>
-                <a:uFillTx/>
-                <a:latin typeface="Arial" panose="020B0604020202020204" pitchFamily="34" charset="0"/>
-                <a:sym typeface="Arial" panose="020B0604020202020204" pitchFamily="34" charset="0"/>
-              </a:rPr>
-              <a:t>总结和练习题</a:t>
-            </a:r>
-            <a:br>
-              <a:rPr lang="zh-CN" altLang="en-US" sz="2700" b="1" spc="200">
-                <a:solidFill>
-                  <a:schemeClr val="tx1">
-                    <a:lumMod val="85000"/>
-                    <a:lumOff val="15000"/>
-                  </a:schemeClr>
-                </a:solidFill>
-                <a:uFillTx/>
-                <a:latin typeface="Arial" panose="020B0604020202020204" pitchFamily="34" charset="0"/>
-                <a:ea typeface="微软雅黑" panose="020B0503020204020204" pitchFamily="34" charset="-122"/>
-                <a:sym typeface="Arial" panose="020B0604020202020204" pitchFamily="34" charset="0"/>
-              </a:rPr>
-            </a:br>
+              <a:rPr lang="zh-CN" altLang="en-US" sz="2700" dirty="0" smtClean="0">
+                <a:sym typeface="+mn-ea"/>
+              </a:rPr>
+              <a:t>方法</a:t>
+            </a:r>
+            <a:r>
+              <a:rPr lang="en-US" altLang="zh-CN" sz="2700" dirty="0" smtClean="0">
+                <a:sym typeface="+mn-ea"/>
+              </a:rPr>
+              <a:t>method</a:t>
+            </a:r>
             <a:endParaRPr lang="zh-CN" altLang="en-US" sz="2700" dirty="0"/>
           </a:p>
         </p:txBody>
@@ -6106,14 +6420,14 @@
       </p:pic>
       <p:sp>
         <p:nvSpPr>
-          <p:cNvPr id="3" name="文本框 2"/>
+          <p:cNvPr id="6" name="TextBox 5"/>
           <p:cNvSpPr txBox="1"/>
           <p:nvPr/>
         </p:nvSpPr>
         <p:spPr>
           <a:xfrm>
-            <a:off x="1278890" y="1793875"/>
-            <a:ext cx="8638540" cy="675640"/>
+            <a:off x="1047750" y="857250"/>
+            <a:ext cx="10097135" cy="737235"/>
           </a:xfrm>
           <a:prstGeom prst="rect">
             <a:avLst/>
@@ -6124,138 +6438,54 @@
           <a:bodyPr wrap="square" rtlCol="0">
             <a:spAutoFit/>
           </a:bodyPr>
+          <a:lstStyle/>
           <a:p>
             <a:pPr indent="0">
-              <a:buFontTx/>
+              <a:buFont typeface="+mj-lt"/>
               <a:buNone/>
             </a:pPr>
-            <a:endParaRPr lang="en-US" altLang="zh-CN" dirty="0">
+            <a:endParaRPr lang="en-US" altLang="zh-CN" sz="2400" dirty="0">
               <a:latin typeface="微软雅黑" panose="020B0503020204020204" pitchFamily="34" charset="-122"/>
               <a:ea typeface="微软雅黑" panose="020B0503020204020204" pitchFamily="34" charset="-122"/>
             </a:endParaRPr>
           </a:p>
           <a:p>
-            <a:endParaRPr lang="zh-CN" altLang="en-US"/>
-          </a:p>
-        </p:txBody>
-      </p:sp>
-      <p:sp>
-        <p:nvSpPr>
-          <p:cNvPr id="4" name="文本框 3"/>
-          <p:cNvSpPr txBox="1"/>
+            <a:pPr marL="342900" indent="-342900">
+              <a:buFontTx/>
+              <a:buChar char="-"/>
+            </a:pPr>
+            <a:endParaRPr lang="zh-CN" sz="1800" dirty="0" smtClean="0">
+              <a:latin typeface="微软雅黑" panose="020B0503020204020204" pitchFamily="34" charset="-122"/>
+              <a:ea typeface="微软雅黑" panose="020B0503020204020204" pitchFamily="34" charset="-122"/>
+              <a:sym typeface="+mn-ea"/>
+            </a:endParaRPr>
+          </a:p>
+        </p:txBody>
+      </p:sp>
+      <p:pic>
+        <p:nvPicPr>
+          <p:cNvPr id="3" name="图片 2"/>
+          <p:cNvPicPr>
+            <a:picLocks noChangeAspect="1"/>
+          </p:cNvPicPr>
           <p:nvPr/>
-        </p:nvSpPr>
+        </p:nvPicPr>
+        <p:blipFill>
+          <a:blip r:embed="rId2"/>
+          <a:stretch>
+            <a:fillRect/>
+          </a:stretch>
+        </p:blipFill>
         <p:spPr>
           <a:xfrm>
-            <a:off x="716280" y="1761490"/>
-            <a:ext cx="10468610" cy="1260475"/>
+            <a:off x="1715135" y="1594485"/>
+            <a:ext cx="8004810" cy="2765425"/>
           </a:xfrm>
           <a:prstGeom prst="rect">
             <a:avLst/>
           </a:prstGeom>
-          <a:noFill/>
         </p:spPr>
-        <p:txBody>
-          <a:bodyPr wrap="square" rtlCol="0">
-            <a:spAutoFit/>
-          </a:bodyPr>
-          <a:p>
-            <a:r>
-              <a:rPr lang="zh-CN" altLang="en-US"/>
-              <a:t>练习题</a:t>
-            </a:r>
-            <a:r>
-              <a:rPr lang="en-US" altLang="zh-CN"/>
-              <a:t>1</a:t>
-            </a:r>
-            <a:r>
-              <a:rPr lang="zh-CN" altLang="en-US"/>
-              <a:t>：</a:t>
-            </a:r>
-            <a:endParaRPr lang="zh-CN" altLang="en-US"/>
-          </a:p>
-          <a:p>
-            <a:r>
-              <a:rPr lang="zh-CN"/>
-              <a:t>声明一个数组，里面存储房源价格，元素以此为：{</a:t>
-            </a:r>
-            <a:r>
-              <a:rPr lang="en-US" altLang="zh-CN"/>
-              <a:t>22</a:t>
-            </a:r>
-            <a:r>
-              <a:rPr lang="zh-CN"/>
-              <a:t>1</a:t>
-            </a:r>
-            <a:r>
-              <a:rPr lang="en-US" altLang="zh-CN"/>
-              <a:t>1.00</a:t>
-            </a:r>
-            <a:r>
-              <a:rPr lang="zh-CN"/>
-              <a:t>,</a:t>
-            </a:r>
-            <a:r>
-              <a:rPr lang="en-US" altLang="zh-CN"/>
-              <a:t>3600.00</a:t>
-            </a:r>
-            <a:r>
-              <a:rPr lang="zh-CN"/>
-              <a:t>,</a:t>
-            </a:r>
-            <a:r>
-              <a:rPr lang="en-US" altLang="zh-CN"/>
-              <a:t>2500.31</a:t>
-            </a:r>
-            <a:r>
-              <a:rPr lang="zh-CN"/>
-              <a:t>,</a:t>
-            </a:r>
-            <a:r>
-              <a:rPr lang="en-US" altLang="zh-CN"/>
-              <a:t>2500.00</a:t>
-            </a:r>
-            <a:r>
-              <a:rPr lang="zh-CN"/>
-              <a:t>,</a:t>
-            </a:r>
-            <a:r>
-              <a:rPr lang="en-US" altLang="zh-CN"/>
-              <a:t>3698.00</a:t>
-            </a:r>
-            <a:r>
-              <a:rPr lang="zh-CN"/>
-              <a:t>,</a:t>
-            </a:r>
-            <a:r>
-              <a:rPr lang="en-US" altLang="zh-CN"/>
-              <a:t>3789.00</a:t>
-            </a:r>
-            <a:r>
-              <a:rPr lang="zh-CN"/>
-              <a:t>,</a:t>
-            </a:r>
-            <a:r>
-              <a:rPr lang="en-US" altLang="zh-CN"/>
-              <a:t>7423.00</a:t>
-            </a:r>
-            <a:r>
-              <a:rPr lang="zh-CN"/>
-              <a:t>,</a:t>
-            </a:r>
-            <a:r>
-              <a:rPr lang="en-US" altLang="zh-CN"/>
-              <a:t>1002.00</a:t>
-            </a:r>
-            <a:r>
-              <a:rPr lang="zh-CN"/>
-              <a:t>} 对这个数组进行排序</a:t>
-            </a:r>
-            <a:endParaRPr lang="zh-CN"/>
-          </a:p>
-          <a:p/>
-        </p:txBody>
-      </p:sp>
+      </p:pic>
     </p:spTree>
   </p:cSld>
   <p:clrMapOvr>
@@ -6288,6 +6518,276 @@
           <a:chExt cx="0" cy="0"/>
         </a:xfrm>
       </p:grpSpPr>
+      <p:sp>
+        <p:nvSpPr>
+          <p:cNvPr id="2" name="标题 1"/>
+          <p:cNvSpPr>
+            <a:spLocks noGrp="1"/>
+          </p:cNvSpPr>
+          <p:nvPr>
+            <p:ph type="title"/>
+          </p:nvPr>
+        </p:nvSpPr>
+        <p:spPr>
+          <a:xfrm>
+            <a:off x="1772274" y="320634"/>
+            <a:ext cx="5115414" cy="391885"/>
+          </a:xfrm>
+        </p:spPr>
+        <p:txBody>
+          <a:bodyPr>
+            <a:normAutofit fontScale="90000"/>
+          </a:bodyPr>
+          <a:lstStyle/>
+          <a:p>
+            <a:r>
+              <a:rPr lang="zh-CN" altLang="en-US" sz="2700" spc="200">
+                <a:solidFill>
+                  <a:schemeClr val="tx1">
+                    <a:lumMod val="85000"/>
+                    <a:lumOff val="15000"/>
+                  </a:schemeClr>
+                </a:solidFill>
+                <a:uFillTx/>
+                <a:latin typeface="Arial" panose="020B0604020202020204" pitchFamily="34" charset="0"/>
+                <a:sym typeface="Arial" panose="020B0604020202020204" pitchFamily="34" charset="0"/>
+              </a:rPr>
+              <a:t>总结和练习题</a:t>
+            </a:r>
+            <a:br>
+              <a:rPr lang="zh-CN" altLang="en-US" sz="2700" b="1" spc="200">
+                <a:solidFill>
+                  <a:schemeClr val="tx1">
+                    <a:lumMod val="85000"/>
+                    <a:lumOff val="15000"/>
+                  </a:schemeClr>
+                </a:solidFill>
+                <a:uFillTx/>
+                <a:latin typeface="Arial" panose="020B0604020202020204" pitchFamily="34" charset="0"/>
+                <a:ea typeface="微软雅黑" panose="020B0503020204020204" pitchFamily="34" charset="-122"/>
+                <a:sym typeface="Arial" panose="020B0604020202020204" pitchFamily="34" charset="0"/>
+              </a:rPr>
+            </a:br>
+            <a:endParaRPr lang="zh-CN" altLang="en-US" sz="2700" dirty="0"/>
+          </a:p>
+        </p:txBody>
+      </p:sp>
+      <p:pic>
+        <p:nvPicPr>
+          <p:cNvPr id="5" name="内容占位符 4"/>
+          <p:cNvPicPr>
+            <a:picLocks noGrp="1" noChangeAspect="1"/>
+          </p:cNvPicPr>
+          <p:nvPr>
+            <p:ph idx="1"/>
+          </p:nvPr>
+        </p:nvPicPr>
+        <p:blipFill>
+          <a:blip r:embed="rId1">
+            <a:extLst>
+              <a:ext uri="{28A0092B-C50C-407E-A947-70E740481C1C}">
+                <a14:useLocalDpi xmlns:a14="http://schemas.microsoft.com/office/drawing/2010/main" val="0"/>
+              </a:ext>
+            </a:extLst>
+          </a:blip>
+          <a:stretch>
+            <a:fillRect/>
+          </a:stretch>
+        </p:blipFill>
+        <p:spPr/>
+      </p:pic>
+      <p:sp>
+        <p:nvSpPr>
+          <p:cNvPr id="3" name="文本框 2"/>
+          <p:cNvSpPr txBox="1"/>
+          <p:nvPr/>
+        </p:nvSpPr>
+        <p:spPr>
+          <a:xfrm>
+            <a:off x="1278890" y="1793875"/>
+            <a:ext cx="8638540" cy="675640"/>
+          </a:xfrm>
+          <a:prstGeom prst="rect">
+            <a:avLst/>
+          </a:prstGeom>
+          <a:noFill/>
+        </p:spPr>
+        <p:txBody>
+          <a:bodyPr wrap="square" rtlCol="0">
+            <a:spAutoFit/>
+          </a:bodyPr>
+          <a:p>
+            <a:pPr indent="0">
+              <a:buFontTx/>
+              <a:buNone/>
+            </a:pPr>
+            <a:endParaRPr lang="en-US" altLang="zh-CN" dirty="0">
+              <a:latin typeface="微软雅黑" panose="020B0503020204020204" pitchFamily="34" charset="-122"/>
+              <a:ea typeface="微软雅黑" panose="020B0503020204020204" pitchFamily="34" charset="-122"/>
+            </a:endParaRPr>
+          </a:p>
+          <a:p>
+            <a:endParaRPr lang="zh-CN" altLang="en-US"/>
+          </a:p>
+        </p:txBody>
+      </p:sp>
+      <p:sp>
+        <p:nvSpPr>
+          <p:cNvPr id="4" name="文本框 3"/>
+          <p:cNvSpPr txBox="1"/>
+          <p:nvPr/>
+        </p:nvSpPr>
+        <p:spPr>
+          <a:xfrm>
+            <a:off x="1631950" y="1665605"/>
+            <a:ext cx="8285480" cy="2722880"/>
+          </a:xfrm>
+          <a:prstGeom prst="rect">
+            <a:avLst/>
+          </a:prstGeom>
+          <a:noFill/>
+        </p:spPr>
+        <p:txBody>
+          <a:bodyPr wrap="square" rtlCol="0">
+            <a:spAutoFit/>
+          </a:bodyPr>
+          <a:p>
+            <a:pPr marL="457200" indent="-457200">
+              <a:buAutoNum type="arabicPeriod"/>
+            </a:pPr>
+            <a:r>
+              <a:rPr lang="en-US" altLang="zh-CN"/>
+              <a:t>map</a:t>
+            </a:r>
+            <a:r>
+              <a:rPr lang="zh-CN" altLang="en-US"/>
+              <a:t>的声明和定义</a:t>
+            </a:r>
+            <a:endParaRPr lang="zh-CN"/>
+          </a:p>
+          <a:p>
+            <a:pPr marL="457200" indent="-457200" algn="l">
+              <a:buClrTx/>
+              <a:buSzTx/>
+              <a:buFontTx/>
+              <a:buAutoNum type="arabicPeriod"/>
+            </a:pPr>
+            <a:r>
+              <a:rPr lang="en-US" altLang="zh-CN">
+                <a:sym typeface="+mn-ea"/>
+              </a:rPr>
+              <a:t>map</a:t>
+            </a:r>
+            <a:r>
+              <a:rPr lang="zh-CN" altLang="en-US">
+                <a:sym typeface="+mn-ea"/>
+              </a:rPr>
+              <a:t>的判断和操作</a:t>
+            </a:r>
+            <a:endParaRPr lang="zh-CN" altLang="en-US">
+              <a:sym typeface="+mn-ea"/>
+            </a:endParaRPr>
+          </a:p>
+          <a:p>
+            <a:pPr marL="457200" indent="-457200" algn="l">
+              <a:buClrTx/>
+              <a:buSzTx/>
+              <a:buFontTx/>
+              <a:buAutoNum type="arabicPeriod"/>
+            </a:pPr>
+            <a:r>
+              <a:rPr lang="en-US" altLang="zh-CN">
+                <a:sym typeface="+mn-ea"/>
+              </a:rPr>
+              <a:t>map</a:t>
+            </a:r>
+            <a:r>
+              <a:rPr lang="zh-CN" altLang="en-US">
+                <a:sym typeface="+mn-ea"/>
+              </a:rPr>
+              <a:t>遍历</a:t>
+            </a:r>
+            <a:endParaRPr lang="zh-CN" altLang="en-US">
+              <a:sym typeface="+mn-ea"/>
+            </a:endParaRPr>
+          </a:p>
+          <a:p>
+            <a:pPr marL="457200" indent="-457200" algn="l">
+              <a:buClrTx/>
+              <a:buSzTx/>
+              <a:buFontTx/>
+              <a:buAutoNum type="arabicPeriod"/>
+            </a:pPr>
+            <a:r>
+              <a:rPr lang="en-US" altLang="zh-CN">
+                <a:sym typeface="+mn-ea"/>
+              </a:rPr>
+              <a:t>map</a:t>
+            </a:r>
+            <a:r>
+              <a:rPr lang="zh-CN" altLang="en-US">
+                <a:sym typeface="+mn-ea"/>
+              </a:rPr>
+              <a:t>排序</a:t>
+            </a:r>
+            <a:r>
+              <a:rPr lang="en-US" altLang="zh-CN">
+                <a:sym typeface="+mn-ea"/>
+              </a:rPr>
+              <a:t> </a:t>
+            </a:r>
+            <a:endParaRPr lang="en-US" altLang="zh-CN">
+              <a:sym typeface="+mn-ea"/>
+            </a:endParaRPr>
+          </a:p>
+          <a:p>
+            <a:pPr marL="457200" indent="-457200">
+              <a:buAutoNum type="arabicPeriod"/>
+            </a:pPr>
+            <a:r>
+              <a:rPr lang="en-US" altLang="zh-CN"/>
+              <a:t>for</a:t>
+            </a:r>
+            <a:r>
+              <a:rPr lang="zh-CN" altLang="en-US"/>
+              <a:t>循环</a:t>
+            </a:r>
+            <a:endParaRPr lang="zh-CN" altLang="en-US"/>
+          </a:p>
+          <a:p>
+            <a:pPr marL="457200" indent="-457200">
+              <a:buAutoNum type="arabicPeriod"/>
+            </a:pPr>
+            <a:r>
+              <a:rPr lang="zh-CN" altLang="en-US"/>
+              <a:t>跳转控制</a:t>
+            </a:r>
+            <a:endParaRPr lang="zh-CN" altLang="en-US"/>
+          </a:p>
+          <a:p>
+            <a:pPr marL="457200" indent="-457200">
+              <a:buAutoNum type="arabicPeriod"/>
+            </a:pPr>
+            <a:r>
+              <a:rPr lang="zh-CN" altLang="en-US"/>
+              <a:t>数组声明、遍历</a:t>
+            </a:r>
+            <a:endParaRPr lang="zh-CN" altLang="en-US"/>
+          </a:p>
+          <a:p>
+            <a:pPr indent="0">
+              <a:buNone/>
+            </a:pPr>
+            <a:endParaRPr lang="zh-CN" altLang="en-US"/>
+          </a:p>
+          <a:p>
+            <a:pPr marL="457200" indent="-457200">
+              <a:buAutoNum type="arabicPeriod"/>
+            </a:pPr>
+            <a:endParaRPr lang="zh-CN" altLang="en-US"/>
+          </a:p>
+        </p:txBody>
+      </p:sp>
     </p:spTree>
   </p:cSld>
   <p:clrMapOvr>

--- a/04/go基础知识.pptx
+++ b/04/go基础知识.pptx
@@ -12,15 +12,18 @@
     <p:sldId id="267" r:id="rId4"/>
     <p:sldId id="279" r:id="rId6"/>
     <p:sldId id="330" r:id="rId7"/>
-    <p:sldId id="289" r:id="rId8"/>
-    <p:sldId id="309" r:id="rId9"/>
-    <p:sldId id="320" r:id="rId10"/>
-    <p:sldId id="321" r:id="rId11"/>
-    <p:sldId id="325" r:id="rId12"/>
-    <p:sldId id="326" r:id="rId13"/>
-    <p:sldId id="299" r:id="rId14"/>
-    <p:sldId id="301" r:id="rId15"/>
-    <p:sldId id="266" r:id="rId16"/>
+    <p:sldId id="340" r:id="rId8"/>
+    <p:sldId id="341" r:id="rId9"/>
+    <p:sldId id="342" r:id="rId10"/>
+    <p:sldId id="289" r:id="rId11"/>
+    <p:sldId id="309" r:id="rId12"/>
+    <p:sldId id="320" r:id="rId13"/>
+    <p:sldId id="321" r:id="rId14"/>
+    <p:sldId id="325" r:id="rId15"/>
+    <p:sldId id="326" r:id="rId16"/>
+    <p:sldId id="299" r:id="rId17"/>
+    <p:sldId id="301" r:id="rId18"/>
+    <p:sldId id="266" r:id="rId19"/>
   </p:sldIdLst>
   <p:sldSz cx="12192000" cy="6858000"/>
   <p:notesSz cx="6858000" cy="9144000"/>
@@ -126,16 +129,19 @@
           <p14:sldIdLst>
             <p14:sldId id="267"/>
             <p14:sldId id="279"/>
-            <p14:sldId id="330"/>
-            <p14:sldId id="289"/>
             <p14:sldId id="309"/>
             <p14:sldId id="320"/>
             <p14:sldId id="321"/>
             <p14:sldId id="325"/>
-            <p14:sldId id="326"/>
             <p14:sldId id="299"/>
             <p14:sldId id="301"/>
             <p14:sldId id="266"/>
+            <p14:sldId id="330"/>
+            <p14:sldId id="326"/>
+            <p14:sldId id="289"/>
+            <p14:sldId id="340"/>
+            <p14:sldId id="342"/>
+            <p14:sldId id="341"/>
           </p14:sldIdLst>
         </p14:section>
         <p14:section name="技术项目" id="{CD5D3B33-B192-7A47-9AA8-B7BE35B63FD9}">
@@ -3575,10 +3581,10 @@
                 <a:latin typeface="Arial" panose="020B0604020202020204" pitchFamily="34" charset="0"/>
                 <a:sym typeface="Arial" panose="020B0604020202020204" pitchFamily="34" charset="0"/>
               </a:rPr>
-              <a:t>总结和练习题</a:t>
-            </a:r>
-            <a:br>
-              <a:rPr lang="zh-CN" altLang="en-US" sz="2700" b="1" spc="200">
+              <a:t>复合数据类型</a:t>
+            </a:r>
+            <a:r>
+              <a:rPr lang="en-US" altLang="zh-CN" sz="2700" spc="200">
                 <a:solidFill>
                   <a:schemeClr val="tx1">
                     <a:lumMod val="85000"/>
@@ -3587,7 +3593,34 @@
                 </a:solidFill>
                 <a:uFillTx/>
                 <a:latin typeface="Arial" panose="020B0604020202020204" pitchFamily="34" charset="0"/>
-                <a:ea typeface="微软雅黑" panose="020B0503020204020204" pitchFamily="34" charset="-122"/>
+                <a:sym typeface="Arial" panose="020B0604020202020204" pitchFamily="34" charset="0"/>
+              </a:rPr>
+              <a:t>-</a:t>
+            </a:r>
+            <a:r>
+              <a:rPr lang="zh-CN" altLang="en-US" sz="2700" spc="200">
+                <a:solidFill>
+                  <a:schemeClr val="tx1">
+                    <a:lumMod val="85000"/>
+                    <a:lumOff val="15000"/>
+                  </a:schemeClr>
+                </a:solidFill>
+                <a:uFillTx/>
+                <a:latin typeface="Arial" panose="020B0604020202020204" pitchFamily="34" charset="0"/>
+                <a:sym typeface="Arial" panose="020B0604020202020204" pitchFamily="34" charset="0"/>
+              </a:rPr>
+              <a:t>结构体</a:t>
+            </a:r>
+            <a:br>
+              <a:rPr lang="zh-CN" sz="2700" spc="200">
+                <a:solidFill>
+                  <a:schemeClr val="tx1">
+                    <a:lumMod val="85000"/>
+                    <a:lumOff val="15000"/>
+                  </a:schemeClr>
+                </a:solidFill>
+                <a:uFillTx/>
+                <a:latin typeface="Arial" panose="020B0604020202020204" pitchFamily="34" charset="0"/>
                 <a:sym typeface="Arial" panose="020B0604020202020204" pitchFamily="34" charset="0"/>
               </a:rPr>
             </a:br>
@@ -3621,14 +3654,14 @@
       </p:pic>
       <p:sp>
         <p:nvSpPr>
-          <p:cNvPr id="3" name="文本框 2"/>
+          <p:cNvPr id="6" name="TextBox 5"/>
           <p:cNvSpPr txBox="1"/>
           <p:nvPr/>
         </p:nvSpPr>
         <p:spPr>
           <a:xfrm>
-            <a:off x="1278890" y="1793875"/>
-            <a:ext cx="8638540" cy="675640"/>
+            <a:off x="1047750" y="857250"/>
+            <a:ext cx="10097135" cy="1845310"/>
           </a:xfrm>
           <a:prstGeom prst="rect">
             <a:avLst/>
@@ -3639,175 +3672,93 @@
           <a:bodyPr wrap="square" rtlCol="0">
             <a:spAutoFit/>
           </a:bodyPr>
+          <a:lstStyle/>
           <a:p>
             <a:pPr indent="0">
-              <a:buFontTx/>
+              <a:buFont typeface="+mj-lt"/>
               <a:buNone/>
             </a:pPr>
-            <a:endParaRPr lang="en-US" altLang="zh-CN" dirty="0">
+            <a:r>
+              <a:rPr sz="2400" dirty="0" smtClean="0">
+                <a:latin typeface="微软雅黑" panose="020B0503020204020204" pitchFamily="34" charset="-122"/>
+                <a:ea typeface="微软雅黑" panose="020B0503020204020204" pitchFamily="34" charset="-122"/>
+                <a:sym typeface="+mn-ea"/>
+              </a:rPr>
+              <a:t>结构体变量的成员可以通过点操作符访问</a:t>
+            </a:r>
+            <a:endParaRPr sz="2400" dirty="0" smtClean="0">
               <a:latin typeface="微软雅黑" panose="020B0503020204020204" pitchFamily="34" charset="-122"/>
               <a:ea typeface="微软雅黑" panose="020B0503020204020204" pitchFamily="34" charset="-122"/>
+              <a:sym typeface="+mn-ea"/>
             </a:endParaRPr>
           </a:p>
           <a:p>
-            <a:endParaRPr lang="zh-CN" altLang="en-US"/>
-          </a:p>
-        </p:txBody>
-      </p:sp>
-      <p:sp>
-        <p:nvSpPr>
-          <p:cNvPr id="4" name="文本框 3"/>
-          <p:cNvSpPr txBox="1"/>
-          <p:nvPr/>
-        </p:nvSpPr>
-        <p:spPr>
-          <a:xfrm>
-            <a:off x="1631950" y="1665605"/>
-            <a:ext cx="8285480" cy="2722880"/>
-          </a:xfrm>
-          <a:prstGeom prst="rect">
-            <a:avLst/>
-          </a:prstGeom>
-          <a:noFill/>
-        </p:spPr>
-        <p:txBody>
-          <a:bodyPr wrap="square" rtlCol="0">
-            <a:spAutoFit/>
-          </a:bodyPr>
+            <a:pPr indent="0">
+              <a:buFont typeface="+mj-lt"/>
+              <a:buNone/>
+            </a:pPr>
+            <a:r>
+              <a:rPr sz="2400" dirty="0" smtClean="0">
+                <a:latin typeface="微软雅黑" panose="020B0503020204020204" pitchFamily="34" charset="-122"/>
+                <a:ea typeface="微软雅黑" panose="020B0503020204020204" pitchFamily="34" charset="-122"/>
+                <a:sym typeface="+mn-ea"/>
+              </a:rPr>
+              <a:t>结构体成员名字是以大写字母开头的，那么该成员就是导出的</a:t>
+            </a:r>
+            <a:endParaRPr sz="2400" dirty="0" smtClean="0">
+              <a:latin typeface="微软雅黑" panose="020B0503020204020204" pitchFamily="34" charset="-122"/>
+              <a:ea typeface="微软雅黑" panose="020B0503020204020204" pitchFamily="34" charset="-122"/>
+              <a:sym typeface="+mn-ea"/>
+            </a:endParaRPr>
+          </a:p>
+          <a:p>
+            <a:pPr indent="0">
+              <a:buFont typeface="+mj-lt"/>
+              <a:buNone/>
+            </a:pPr>
+            <a:r>
+              <a:rPr sz="2400" dirty="0" smtClean="0">
+                <a:latin typeface="微软雅黑" panose="020B0503020204020204" pitchFamily="34" charset="-122"/>
+                <a:ea typeface="微软雅黑" panose="020B0503020204020204" pitchFamily="34" charset="-122"/>
+                <a:sym typeface="+mn-ea"/>
+              </a:rPr>
+              <a:t>可以用字面量语法初始化一个结构体</a:t>
+            </a:r>
+            <a:endParaRPr sz="2400" dirty="0" smtClean="0">
+              <a:latin typeface="微软雅黑" panose="020B0503020204020204" pitchFamily="34" charset="-122"/>
+              <a:ea typeface="微软雅黑" panose="020B0503020204020204" pitchFamily="34" charset="-122"/>
+              <a:sym typeface="+mn-ea"/>
+            </a:endParaRPr>
+          </a:p>
+          <a:p>
+            <a:pPr indent="0">
+              <a:buFont typeface="+mj-lt"/>
+              <a:buNone/>
+            </a:pPr>
+            <a:r>
+              <a:rPr sz="2400" dirty="0" smtClean="0">
+                <a:latin typeface="微软雅黑" panose="020B0503020204020204" pitchFamily="34" charset="-122"/>
+                <a:ea typeface="微软雅黑" panose="020B0503020204020204" pitchFamily="34" charset="-122"/>
+                <a:sym typeface="+mn-ea"/>
+              </a:rPr>
+              <a:t>结构体也是可以比较的</a:t>
+            </a:r>
+            <a:endParaRPr sz="2400" dirty="0" smtClean="0">
+              <a:latin typeface="微软雅黑" panose="020B0503020204020204" pitchFamily="34" charset="-122"/>
+              <a:ea typeface="微软雅黑" panose="020B0503020204020204" pitchFamily="34" charset="-122"/>
+              <a:sym typeface="+mn-ea"/>
+            </a:endParaRPr>
+          </a:p>
           <a:p>
             <a:pPr marL="457200" indent="-457200">
+              <a:buFont typeface="+mj-lt"/>
               <a:buAutoNum type="arabicPeriod"/>
             </a:pPr>
-            <a:r>
-              <a:rPr lang="en-US" altLang="zh-CN"/>
-              <a:t>map</a:t>
-            </a:r>
-            <a:r>
-              <a:rPr lang="zh-CN" altLang="en-US"/>
-              <a:t>的声明和定义</a:t>
-            </a:r>
-            <a:endParaRPr lang="zh-CN"/>
-          </a:p>
-          <a:p>
-            <a:pPr marL="457200" indent="-457200" algn="l">
-              <a:buClrTx/>
-              <a:buSzTx/>
-              <a:buFontTx/>
-              <a:buAutoNum type="arabicPeriod"/>
-            </a:pPr>
-            <a:r>
-              <a:rPr lang="en-US" altLang="zh-CN">
-                <a:sym typeface="+mn-ea"/>
-              </a:rPr>
-              <a:t>map</a:t>
-            </a:r>
-            <a:r>
-              <a:rPr lang="zh-CN" altLang="en-US">
-                <a:sym typeface="+mn-ea"/>
-              </a:rPr>
-              <a:t>的判断和操作</a:t>
-            </a:r>
-            <a:endParaRPr lang="zh-CN" altLang="en-US">
+            <a:endParaRPr lang="zh-CN" sz="1800" dirty="0" smtClean="0">
+              <a:latin typeface="微软雅黑" panose="020B0503020204020204" pitchFamily="34" charset="-122"/>
+              <a:ea typeface="微软雅黑" panose="020B0503020204020204" pitchFamily="34" charset="-122"/>
               <a:sym typeface="+mn-ea"/>
             </a:endParaRPr>
-          </a:p>
-          <a:p>
-            <a:pPr marL="457200" indent="-457200" algn="l">
-              <a:buClrTx/>
-              <a:buSzTx/>
-              <a:buFontTx/>
-              <a:buAutoNum type="arabicPeriod"/>
-            </a:pPr>
-            <a:r>
-              <a:rPr lang="en-US" altLang="zh-CN">
-                <a:sym typeface="+mn-ea"/>
-              </a:rPr>
-              <a:t>map</a:t>
-            </a:r>
-            <a:r>
-              <a:rPr lang="zh-CN" altLang="en-US">
-                <a:sym typeface="+mn-ea"/>
-              </a:rPr>
-              <a:t>遍历</a:t>
-            </a:r>
-            <a:endParaRPr lang="zh-CN" altLang="en-US">
-              <a:sym typeface="+mn-ea"/>
-            </a:endParaRPr>
-          </a:p>
-          <a:p>
-            <a:pPr marL="457200" indent="-457200" algn="l">
-              <a:buClrTx/>
-              <a:buSzTx/>
-              <a:buFontTx/>
-              <a:buAutoNum type="arabicPeriod"/>
-            </a:pPr>
-            <a:r>
-              <a:rPr lang="en-US" altLang="zh-CN">
-                <a:sym typeface="+mn-ea"/>
-              </a:rPr>
-              <a:t>map</a:t>
-            </a:r>
-            <a:r>
-              <a:rPr lang="zh-CN" altLang="en-US">
-                <a:sym typeface="+mn-ea"/>
-              </a:rPr>
-              <a:t>排序</a:t>
-            </a:r>
-            <a:r>
-              <a:rPr lang="en-US" altLang="zh-CN">
-                <a:sym typeface="+mn-ea"/>
-              </a:rPr>
-              <a:t> </a:t>
-            </a:r>
-            <a:endParaRPr lang="en-US" altLang="zh-CN">
-              <a:sym typeface="+mn-ea"/>
-            </a:endParaRPr>
-          </a:p>
-          <a:p>
-            <a:pPr marL="457200" indent="-457200">
-              <a:buAutoNum type="arabicPeriod"/>
-            </a:pPr>
-            <a:r>
-              <a:rPr lang="en-US" altLang="zh-CN"/>
-              <a:t>for</a:t>
-            </a:r>
-            <a:r>
-              <a:rPr lang="zh-CN" altLang="en-US"/>
-              <a:t>循环</a:t>
-            </a:r>
-            <a:endParaRPr lang="zh-CN" altLang="en-US"/>
-          </a:p>
-          <a:p>
-            <a:pPr marL="457200" indent="-457200">
-              <a:buAutoNum type="arabicPeriod"/>
-            </a:pPr>
-            <a:r>
-              <a:rPr lang="zh-CN" altLang="en-US"/>
-              <a:t>跳转控制</a:t>
-            </a:r>
-            <a:endParaRPr lang="zh-CN" altLang="en-US"/>
-          </a:p>
-          <a:p>
-            <a:pPr marL="457200" indent="-457200">
-              <a:buAutoNum type="arabicPeriod"/>
-            </a:pPr>
-            <a:r>
-              <a:rPr lang="zh-CN" altLang="en-US"/>
-              <a:t>数组声明、遍历</a:t>
-            </a:r>
-            <a:endParaRPr lang="zh-CN" altLang="en-US"/>
-          </a:p>
-          <a:p>
-            <a:pPr indent="0">
-              <a:buNone/>
-            </a:pPr>
-            <a:endParaRPr lang="zh-CN" altLang="en-US"/>
-          </a:p>
-          <a:p>
-            <a:pPr marL="457200" indent="-457200">
-              <a:buAutoNum type="arabicPeriod"/>
-            </a:pPr>
-            <a:endParaRPr lang="zh-CN" altLang="en-US"/>
           </a:p>
         </p:txBody>
       </p:sp>
@@ -3866,6 +3817,502 @@
           <a:lstStyle/>
           <a:p>
             <a:r>
+              <a:rPr lang="zh-CN" altLang="en-US" sz="2700" dirty="0" smtClean="0">
+                <a:sym typeface="+mn-ea"/>
+              </a:rPr>
+              <a:t>方法</a:t>
+            </a:r>
+            <a:r>
+              <a:rPr lang="en-US" altLang="zh-CN" sz="2700" dirty="0" smtClean="0">
+                <a:sym typeface="+mn-ea"/>
+              </a:rPr>
+              <a:t>method</a:t>
+            </a:r>
+            <a:endParaRPr lang="zh-CN" altLang="en-US" sz="2700" dirty="0"/>
+          </a:p>
+        </p:txBody>
+      </p:sp>
+      <p:pic>
+        <p:nvPicPr>
+          <p:cNvPr id="5" name="内容占位符 4"/>
+          <p:cNvPicPr>
+            <a:picLocks noGrp="1" noChangeAspect="1"/>
+          </p:cNvPicPr>
+          <p:nvPr>
+            <p:ph idx="1"/>
+          </p:nvPr>
+        </p:nvPicPr>
+        <p:blipFill>
+          <a:blip r:embed="rId1">
+            <a:extLst>
+              <a:ext uri="{28A0092B-C50C-407E-A947-70E740481C1C}">
+                <a14:useLocalDpi xmlns:a14="http://schemas.microsoft.com/office/drawing/2010/main" val="0"/>
+              </a:ext>
+            </a:extLst>
+          </a:blip>
+          <a:stretch>
+            <a:fillRect/>
+          </a:stretch>
+        </p:blipFill>
+        <p:spPr/>
+      </p:pic>
+      <p:sp>
+        <p:nvSpPr>
+          <p:cNvPr id="6" name="TextBox 5"/>
+          <p:cNvSpPr txBox="1"/>
+          <p:nvPr/>
+        </p:nvSpPr>
+        <p:spPr>
+          <a:xfrm>
+            <a:off x="1047750" y="857250"/>
+            <a:ext cx="10097135" cy="3046095"/>
+          </a:xfrm>
+          <a:prstGeom prst="rect">
+            <a:avLst/>
+          </a:prstGeom>
+          <a:noFill/>
+        </p:spPr>
+        <p:txBody>
+          <a:bodyPr wrap="square" rtlCol="0">
+            <a:spAutoFit/>
+          </a:bodyPr>
+          <a:lstStyle/>
+          <a:p>
+            <a:pPr indent="0">
+              <a:buFont typeface="+mj-lt"/>
+              <a:buNone/>
+            </a:pPr>
+            <a:endParaRPr lang="en-US" altLang="zh-CN" sz="2400" dirty="0">
+              <a:latin typeface="微软雅黑" panose="020B0503020204020204" pitchFamily="34" charset="-122"/>
+              <a:ea typeface="微软雅黑" panose="020B0503020204020204" pitchFamily="34" charset="-122"/>
+            </a:endParaRPr>
+          </a:p>
+          <a:p>
+            <a:pPr marL="342900" indent="-342900">
+              <a:buFontTx/>
+              <a:buChar char="-"/>
+            </a:pPr>
+            <a:r>
+              <a:rPr lang="en-US" altLang="zh-CN" sz="2400" dirty="0" smtClean="0">
+                <a:latin typeface="微软雅黑" panose="020B0503020204020204" pitchFamily="34" charset="-122"/>
+                <a:ea typeface="微软雅黑" panose="020B0503020204020204" pitchFamily="34" charset="-122"/>
+                <a:sym typeface="+mn-ea"/>
+              </a:rPr>
+              <a:t>Go </a:t>
+            </a:r>
+            <a:r>
+              <a:rPr lang="zh-CN" altLang="en-US" sz="2400" dirty="0" smtClean="0">
+                <a:latin typeface="微软雅黑" panose="020B0503020204020204" pitchFamily="34" charset="-122"/>
+                <a:ea typeface="微软雅黑" panose="020B0503020204020204" pitchFamily="34" charset="-122"/>
+                <a:sym typeface="+mn-ea"/>
+              </a:rPr>
+              <a:t>中虽没有</a:t>
+            </a:r>
+            <a:r>
+              <a:rPr lang="en-US" altLang="zh-CN" sz="2400" dirty="0" smtClean="0">
+                <a:latin typeface="微软雅黑" panose="020B0503020204020204" pitchFamily="34" charset="-122"/>
+                <a:ea typeface="微软雅黑" panose="020B0503020204020204" pitchFamily="34" charset="-122"/>
+                <a:sym typeface="+mn-ea"/>
+              </a:rPr>
+              <a:t>class</a:t>
+            </a:r>
+            <a:r>
+              <a:rPr lang="zh-CN" altLang="en-US" sz="2400" dirty="0" smtClean="0">
+                <a:latin typeface="微软雅黑" panose="020B0503020204020204" pitchFamily="34" charset="-122"/>
+                <a:ea typeface="微软雅黑" panose="020B0503020204020204" pitchFamily="34" charset="-122"/>
+                <a:sym typeface="+mn-ea"/>
+              </a:rPr>
+              <a:t>，但依旧有</a:t>
+            </a:r>
+            <a:r>
+              <a:rPr lang="en-US" altLang="zh-CN" sz="2400" dirty="0" smtClean="0">
+                <a:latin typeface="微软雅黑" panose="020B0503020204020204" pitchFamily="34" charset="-122"/>
+                <a:ea typeface="微软雅黑" panose="020B0503020204020204" pitchFamily="34" charset="-122"/>
+                <a:sym typeface="+mn-ea"/>
+              </a:rPr>
+              <a:t>method</a:t>
+            </a:r>
+            <a:endParaRPr lang="en-US" altLang="zh-CN" sz="2400" dirty="0" smtClean="0">
+              <a:latin typeface="微软雅黑" panose="020B0503020204020204" pitchFamily="34" charset="-122"/>
+              <a:ea typeface="微软雅黑" panose="020B0503020204020204" pitchFamily="34" charset="-122"/>
+            </a:endParaRPr>
+          </a:p>
+          <a:p>
+            <a:pPr marL="342900" indent="-342900">
+              <a:buFontTx/>
+              <a:buChar char="-"/>
+            </a:pPr>
+            <a:r>
+              <a:rPr lang="zh-CN" altLang="en-US" sz="2400" dirty="0" smtClean="0">
+                <a:latin typeface="微软雅黑" panose="020B0503020204020204" pitchFamily="34" charset="-122"/>
+                <a:ea typeface="微软雅黑" panose="020B0503020204020204" pitchFamily="34" charset="-122"/>
+                <a:sym typeface="+mn-ea"/>
+              </a:rPr>
+              <a:t>通过显示说明</a:t>
+            </a:r>
+            <a:r>
+              <a:rPr lang="en-US" altLang="zh-CN" sz="2400" dirty="0" smtClean="0">
+                <a:latin typeface="微软雅黑" panose="020B0503020204020204" pitchFamily="34" charset="-122"/>
+                <a:ea typeface="微软雅黑" panose="020B0503020204020204" pitchFamily="34" charset="-122"/>
+                <a:sym typeface="+mn-ea"/>
+              </a:rPr>
+              <a:t>receiver</a:t>
+            </a:r>
+            <a:r>
+              <a:rPr lang="zh-CN" altLang="en-US" sz="2400" dirty="0" smtClean="0">
+                <a:latin typeface="微软雅黑" panose="020B0503020204020204" pitchFamily="34" charset="-122"/>
+                <a:ea typeface="微软雅黑" panose="020B0503020204020204" pitchFamily="34" charset="-122"/>
+                <a:sym typeface="+mn-ea"/>
+              </a:rPr>
+              <a:t>来实现与某个类型的组合</a:t>
+            </a:r>
+            <a:endParaRPr lang="en-US" altLang="zh-CN" sz="2400" dirty="0" smtClean="0">
+              <a:latin typeface="微软雅黑" panose="020B0503020204020204" pitchFamily="34" charset="-122"/>
+              <a:ea typeface="微软雅黑" panose="020B0503020204020204" pitchFamily="34" charset="-122"/>
+            </a:endParaRPr>
+          </a:p>
+          <a:p>
+            <a:pPr marL="342900" indent="-342900">
+              <a:buFontTx/>
+              <a:buChar char="-"/>
+            </a:pPr>
+            <a:r>
+              <a:rPr lang="en-US" altLang="zh-CN" sz="2400" dirty="0" smtClean="0">
+                <a:latin typeface="微软雅黑" panose="020B0503020204020204" pitchFamily="34" charset="-122"/>
+                <a:ea typeface="微软雅黑" panose="020B0503020204020204" pitchFamily="34" charset="-122"/>
+                <a:sym typeface="+mn-ea"/>
+              </a:rPr>
+              <a:t>Receiver </a:t>
+            </a:r>
+            <a:r>
+              <a:rPr lang="zh-CN" altLang="en-US" sz="2400" dirty="0">
+                <a:latin typeface="微软雅黑" panose="020B0503020204020204" pitchFamily="34" charset="-122"/>
+                <a:ea typeface="微软雅黑" panose="020B0503020204020204" pitchFamily="34" charset="-122"/>
+                <a:sym typeface="+mn-ea"/>
+              </a:rPr>
+              <a:t>可以是</a:t>
+            </a:r>
+            <a:r>
+              <a:rPr lang="zh-CN" altLang="en-US" sz="2400" dirty="0" smtClean="0">
+                <a:latin typeface="微软雅黑" panose="020B0503020204020204" pitchFamily="34" charset="-122"/>
+                <a:ea typeface="微软雅黑" panose="020B0503020204020204" pitchFamily="34" charset="-122"/>
+                <a:sym typeface="+mn-ea"/>
+              </a:rPr>
+              <a:t>类型的值或者指针</a:t>
+            </a:r>
+            <a:endParaRPr lang="en-US" altLang="zh-CN" sz="2400" dirty="0" smtClean="0">
+              <a:latin typeface="微软雅黑" panose="020B0503020204020204" pitchFamily="34" charset="-122"/>
+              <a:ea typeface="微软雅黑" panose="020B0503020204020204" pitchFamily="34" charset="-122"/>
+            </a:endParaRPr>
+          </a:p>
+          <a:p>
+            <a:pPr marL="342900" indent="-342900">
+              <a:buFontTx/>
+              <a:buChar char="-"/>
+            </a:pPr>
+            <a:r>
+              <a:rPr lang="zh-CN" altLang="en-US" sz="2400" dirty="0" smtClean="0">
+                <a:latin typeface="微软雅黑" panose="020B0503020204020204" pitchFamily="34" charset="-122"/>
+                <a:ea typeface="微软雅黑" panose="020B0503020204020204" pitchFamily="34" charset="-122"/>
+                <a:sym typeface="+mn-ea"/>
+              </a:rPr>
+              <a:t>可以使用值或指针来调用方法，</a:t>
+            </a:r>
+            <a:r>
+              <a:rPr lang="zh-CN" altLang="en-US" sz="2400" dirty="0">
+                <a:latin typeface="微软雅黑" panose="020B0503020204020204" pitchFamily="34" charset="-122"/>
+                <a:ea typeface="微软雅黑" panose="020B0503020204020204" pitchFamily="34" charset="-122"/>
+                <a:sym typeface="+mn-ea"/>
+              </a:rPr>
+              <a:t>编译器</a:t>
+            </a:r>
+            <a:r>
+              <a:rPr lang="zh-CN" altLang="en-US" sz="2400" dirty="0" smtClean="0">
+                <a:latin typeface="微软雅黑" panose="020B0503020204020204" pitchFamily="34" charset="-122"/>
+                <a:ea typeface="微软雅黑" panose="020B0503020204020204" pitchFamily="34" charset="-122"/>
+                <a:sym typeface="+mn-ea"/>
+              </a:rPr>
+              <a:t>会自动完成转换</a:t>
+            </a:r>
+            <a:endParaRPr lang="en-US" altLang="zh-CN" sz="2400" dirty="0" smtClean="0">
+              <a:latin typeface="微软雅黑" panose="020B0503020204020204" pitchFamily="34" charset="-122"/>
+              <a:ea typeface="微软雅黑" panose="020B0503020204020204" pitchFamily="34" charset="-122"/>
+            </a:endParaRPr>
+          </a:p>
+          <a:p>
+            <a:pPr marL="342900" indent="-342900">
+              <a:buFontTx/>
+              <a:buChar char="-"/>
+            </a:pPr>
+            <a:r>
+              <a:rPr lang="zh-CN" altLang="en-US" sz="2400" dirty="0" smtClean="0">
+                <a:latin typeface="微软雅黑" panose="020B0503020204020204" pitchFamily="34" charset="-122"/>
+                <a:ea typeface="微软雅黑" panose="020B0503020204020204" pitchFamily="34" charset="-122"/>
+                <a:sym typeface="+mn-ea"/>
+              </a:rPr>
+              <a:t>如果外部结构和嵌入结构存在同名方法，则优先调用外部结构的方法</a:t>
+            </a:r>
+            <a:endParaRPr lang="en-US" altLang="zh-CN" sz="2400" dirty="0" smtClean="0">
+              <a:latin typeface="微软雅黑" panose="020B0503020204020204" pitchFamily="34" charset="-122"/>
+              <a:ea typeface="微软雅黑" panose="020B0503020204020204" pitchFamily="34" charset="-122"/>
+            </a:endParaRPr>
+          </a:p>
+          <a:p>
+            <a:pPr marL="342900" indent="-342900">
+              <a:buFontTx/>
+              <a:buChar char="-"/>
+            </a:pPr>
+            <a:r>
+              <a:rPr lang="zh-CN" altLang="en-US" sz="2400" dirty="0" smtClean="0">
+                <a:latin typeface="微软雅黑" panose="020B0503020204020204" pitchFamily="34" charset="-122"/>
+                <a:ea typeface="微软雅黑" panose="020B0503020204020204" pitchFamily="34" charset="-122"/>
+                <a:sym typeface="+mn-ea"/>
+              </a:rPr>
+              <a:t>类型别名不会拥有底层类型所附带的方法</a:t>
+            </a:r>
+            <a:endParaRPr lang="en-US" altLang="zh-CN" sz="2400" dirty="0" smtClean="0">
+              <a:latin typeface="微软雅黑" panose="020B0503020204020204" pitchFamily="34" charset="-122"/>
+              <a:ea typeface="微软雅黑" panose="020B0503020204020204" pitchFamily="34" charset="-122"/>
+            </a:endParaRPr>
+          </a:p>
+          <a:p>
+            <a:pPr marL="342900" indent="-342900">
+              <a:buFontTx/>
+              <a:buChar char="-"/>
+            </a:pPr>
+            <a:r>
+              <a:rPr lang="zh-CN" altLang="en-US" sz="2400" dirty="0" smtClean="0">
+                <a:latin typeface="微软雅黑" panose="020B0503020204020204" pitchFamily="34" charset="-122"/>
+                <a:ea typeface="微软雅黑" panose="020B0503020204020204" pitchFamily="34" charset="-122"/>
+                <a:sym typeface="+mn-ea"/>
+              </a:rPr>
+              <a:t>方法可以调用结构中的非公开字段</a:t>
+            </a:r>
+            <a:endParaRPr lang="zh-CN" sz="1800" dirty="0" smtClean="0">
+              <a:latin typeface="微软雅黑" panose="020B0503020204020204" pitchFamily="34" charset="-122"/>
+              <a:ea typeface="微软雅黑" panose="020B0503020204020204" pitchFamily="34" charset="-122"/>
+              <a:sym typeface="+mn-ea"/>
+            </a:endParaRPr>
+          </a:p>
+        </p:txBody>
+      </p:sp>
+    </p:spTree>
+  </p:cSld>
+  <p:clrMapOvr>
+    <a:masterClrMapping/>
+  </p:clrMapOvr>
+  <p:timing>
+    <p:tnLst>
+      <p:par>
+        <p:cTn id="1" dur="indefinite" restart="never" nodeType="tmRoot"/>
+      </p:par>
+    </p:tnLst>
+  </p:timing>
+</p:sld>
+</file>
+
+<file path=ppt/slides/slide12.xml><?xml version="1.0" encoding="utf-8"?>
+<p:sld xmlns:a="http://schemas.openxmlformats.org/drawingml/2006/main" xmlns:r="http://schemas.openxmlformats.org/officeDocument/2006/relationships" xmlns:p="http://schemas.openxmlformats.org/presentationml/2006/main">
+  <p:cSld>
+    <p:spTree>
+      <p:nvGrpSpPr>
+        <p:cNvPr id="1" name=""/>
+        <p:cNvGrpSpPr/>
+        <p:nvPr/>
+      </p:nvGrpSpPr>
+      <p:grpSpPr>
+        <a:xfrm>
+          <a:off x="0" y="0"/>
+          <a:ext cx="0" cy="0"/>
+          <a:chOff x="0" y="0"/>
+          <a:chExt cx="0" cy="0"/>
+        </a:xfrm>
+      </p:grpSpPr>
+      <p:sp>
+        <p:nvSpPr>
+          <p:cNvPr id="2" name="标题 1"/>
+          <p:cNvSpPr>
+            <a:spLocks noGrp="1"/>
+          </p:cNvSpPr>
+          <p:nvPr>
+            <p:ph type="title"/>
+          </p:nvPr>
+        </p:nvSpPr>
+        <p:spPr>
+          <a:xfrm>
+            <a:off x="1772274" y="320634"/>
+            <a:ext cx="5115414" cy="391885"/>
+          </a:xfrm>
+        </p:spPr>
+        <p:txBody>
+          <a:bodyPr>
+            <a:normAutofit fontScale="90000"/>
+          </a:bodyPr>
+          <a:lstStyle/>
+          <a:p>
+            <a:r>
+              <a:rPr lang="zh-CN" altLang="en-US" sz="2700" dirty="0" smtClean="0">
+                <a:sym typeface="+mn-ea"/>
+              </a:rPr>
+              <a:t>方法</a:t>
+            </a:r>
+            <a:r>
+              <a:rPr lang="en-US" altLang="zh-CN" sz="2700" dirty="0" smtClean="0">
+                <a:sym typeface="+mn-ea"/>
+              </a:rPr>
+              <a:t>method</a:t>
+            </a:r>
+            <a:endParaRPr lang="zh-CN" altLang="en-US" sz="2700" dirty="0"/>
+          </a:p>
+        </p:txBody>
+      </p:sp>
+      <p:pic>
+        <p:nvPicPr>
+          <p:cNvPr id="5" name="内容占位符 4"/>
+          <p:cNvPicPr>
+            <a:picLocks noGrp="1" noChangeAspect="1"/>
+          </p:cNvPicPr>
+          <p:nvPr>
+            <p:ph idx="1"/>
+          </p:nvPr>
+        </p:nvPicPr>
+        <p:blipFill>
+          <a:blip r:embed="rId1">
+            <a:extLst>
+              <a:ext uri="{28A0092B-C50C-407E-A947-70E740481C1C}">
+                <a14:useLocalDpi xmlns:a14="http://schemas.microsoft.com/office/drawing/2010/main" val="0"/>
+              </a:ext>
+            </a:extLst>
+          </a:blip>
+          <a:stretch>
+            <a:fillRect/>
+          </a:stretch>
+        </p:blipFill>
+        <p:spPr/>
+      </p:pic>
+      <p:sp>
+        <p:nvSpPr>
+          <p:cNvPr id="6" name="TextBox 5"/>
+          <p:cNvSpPr txBox="1"/>
+          <p:nvPr/>
+        </p:nvSpPr>
+        <p:spPr>
+          <a:xfrm>
+            <a:off x="1047750" y="857250"/>
+            <a:ext cx="10097135" cy="737235"/>
+          </a:xfrm>
+          <a:prstGeom prst="rect">
+            <a:avLst/>
+          </a:prstGeom>
+          <a:noFill/>
+        </p:spPr>
+        <p:txBody>
+          <a:bodyPr wrap="square" rtlCol="0">
+            <a:spAutoFit/>
+          </a:bodyPr>
+          <a:lstStyle/>
+          <a:p>
+            <a:pPr indent="0">
+              <a:buFont typeface="+mj-lt"/>
+              <a:buNone/>
+            </a:pPr>
+            <a:endParaRPr lang="en-US" altLang="zh-CN" sz="2400" dirty="0">
+              <a:latin typeface="微软雅黑" panose="020B0503020204020204" pitchFamily="34" charset="-122"/>
+              <a:ea typeface="微软雅黑" panose="020B0503020204020204" pitchFamily="34" charset="-122"/>
+            </a:endParaRPr>
+          </a:p>
+          <a:p>
+            <a:pPr marL="342900" indent="-342900">
+              <a:buFontTx/>
+              <a:buChar char="-"/>
+            </a:pPr>
+            <a:endParaRPr lang="zh-CN" sz="1800" dirty="0" smtClean="0">
+              <a:latin typeface="微软雅黑" panose="020B0503020204020204" pitchFamily="34" charset="-122"/>
+              <a:ea typeface="微软雅黑" panose="020B0503020204020204" pitchFamily="34" charset="-122"/>
+              <a:sym typeface="+mn-ea"/>
+            </a:endParaRPr>
+          </a:p>
+        </p:txBody>
+      </p:sp>
+      <p:pic>
+        <p:nvPicPr>
+          <p:cNvPr id="3" name="图片 2"/>
+          <p:cNvPicPr>
+            <a:picLocks noChangeAspect="1"/>
+          </p:cNvPicPr>
+          <p:nvPr/>
+        </p:nvPicPr>
+        <p:blipFill>
+          <a:blip r:embed="rId2"/>
+          <a:stretch>
+            <a:fillRect/>
+          </a:stretch>
+        </p:blipFill>
+        <p:spPr>
+          <a:xfrm>
+            <a:off x="1715135" y="1594485"/>
+            <a:ext cx="8004810" cy="2765425"/>
+          </a:xfrm>
+          <a:prstGeom prst="rect">
+            <a:avLst/>
+          </a:prstGeom>
+        </p:spPr>
+      </p:pic>
+    </p:spTree>
+  </p:cSld>
+  <p:clrMapOvr>
+    <a:masterClrMapping/>
+  </p:clrMapOvr>
+  <p:timing>
+    <p:tnLst>
+      <p:par>
+        <p:cTn id="1" dur="indefinite" restart="never" nodeType="tmRoot"/>
+      </p:par>
+    </p:tnLst>
+  </p:timing>
+</p:sld>
+</file>
+
+<file path=ppt/slides/slide13.xml><?xml version="1.0" encoding="utf-8"?>
+<p:sld xmlns:a="http://schemas.openxmlformats.org/drawingml/2006/main" xmlns:r="http://schemas.openxmlformats.org/officeDocument/2006/relationships" xmlns:p="http://schemas.openxmlformats.org/presentationml/2006/main">
+  <p:cSld>
+    <p:spTree>
+      <p:nvGrpSpPr>
+        <p:cNvPr id="1" name=""/>
+        <p:cNvGrpSpPr/>
+        <p:nvPr/>
+      </p:nvGrpSpPr>
+      <p:grpSpPr>
+        <a:xfrm>
+          <a:off x="0" y="0"/>
+          <a:ext cx="0" cy="0"/>
+          <a:chOff x="0" y="0"/>
+          <a:chExt cx="0" cy="0"/>
+        </a:xfrm>
+      </p:grpSpPr>
+      <p:sp>
+        <p:nvSpPr>
+          <p:cNvPr id="2" name="标题 1"/>
+          <p:cNvSpPr>
+            <a:spLocks noGrp="1"/>
+          </p:cNvSpPr>
+          <p:nvPr>
+            <p:ph type="title"/>
+          </p:nvPr>
+        </p:nvSpPr>
+        <p:spPr>
+          <a:xfrm>
+            <a:off x="1772274" y="320634"/>
+            <a:ext cx="5115414" cy="391885"/>
+          </a:xfrm>
+        </p:spPr>
+        <p:txBody>
+          <a:bodyPr>
+            <a:normAutofit fontScale="90000"/>
+          </a:bodyPr>
+          <a:lstStyle/>
+          <a:p>
+            <a:r>
               <a:rPr lang="zh-CN" altLang="en-US" sz="2700" spc="200">
                 <a:solidFill>
                   <a:schemeClr val="tx1">
@@ -3964,6 +4411,308 @@
         </p:nvSpPr>
         <p:spPr>
           <a:xfrm>
+            <a:off x="1631950" y="1665605"/>
+            <a:ext cx="8285480" cy="2722880"/>
+          </a:xfrm>
+          <a:prstGeom prst="rect">
+            <a:avLst/>
+          </a:prstGeom>
+          <a:noFill/>
+        </p:spPr>
+        <p:txBody>
+          <a:bodyPr wrap="square" rtlCol="0">
+            <a:spAutoFit/>
+          </a:bodyPr>
+          <a:p>
+            <a:pPr marL="457200" indent="-457200">
+              <a:buAutoNum type="arabicPeriod"/>
+            </a:pPr>
+            <a:r>
+              <a:rPr lang="en-US" altLang="zh-CN"/>
+              <a:t>map</a:t>
+            </a:r>
+            <a:r>
+              <a:rPr lang="zh-CN" altLang="en-US"/>
+              <a:t>的声明和定义</a:t>
+            </a:r>
+            <a:endParaRPr lang="zh-CN"/>
+          </a:p>
+          <a:p>
+            <a:pPr marL="457200" indent="-457200" algn="l">
+              <a:buClrTx/>
+              <a:buSzTx/>
+              <a:buFontTx/>
+              <a:buAutoNum type="arabicPeriod"/>
+            </a:pPr>
+            <a:r>
+              <a:rPr lang="en-US" altLang="zh-CN">
+                <a:sym typeface="+mn-ea"/>
+              </a:rPr>
+              <a:t>map</a:t>
+            </a:r>
+            <a:r>
+              <a:rPr lang="zh-CN" altLang="en-US">
+                <a:sym typeface="+mn-ea"/>
+              </a:rPr>
+              <a:t>的判断和操作</a:t>
+            </a:r>
+            <a:endParaRPr lang="zh-CN" altLang="en-US">
+              <a:sym typeface="+mn-ea"/>
+            </a:endParaRPr>
+          </a:p>
+          <a:p>
+            <a:pPr marL="457200" indent="-457200" algn="l">
+              <a:buClrTx/>
+              <a:buSzTx/>
+              <a:buFontTx/>
+              <a:buAutoNum type="arabicPeriod"/>
+            </a:pPr>
+            <a:r>
+              <a:rPr lang="en-US" altLang="zh-CN">
+                <a:sym typeface="+mn-ea"/>
+              </a:rPr>
+              <a:t>map</a:t>
+            </a:r>
+            <a:r>
+              <a:rPr lang="zh-CN" altLang="en-US">
+                <a:sym typeface="+mn-ea"/>
+              </a:rPr>
+              <a:t>遍历</a:t>
+            </a:r>
+            <a:endParaRPr lang="zh-CN" altLang="en-US">
+              <a:sym typeface="+mn-ea"/>
+            </a:endParaRPr>
+          </a:p>
+          <a:p>
+            <a:pPr marL="457200" indent="-457200" algn="l">
+              <a:buClrTx/>
+              <a:buSzTx/>
+              <a:buFontTx/>
+              <a:buAutoNum type="arabicPeriod"/>
+            </a:pPr>
+            <a:r>
+              <a:rPr lang="en-US" altLang="zh-CN">
+                <a:sym typeface="+mn-ea"/>
+              </a:rPr>
+              <a:t>map</a:t>
+            </a:r>
+            <a:r>
+              <a:rPr lang="zh-CN" altLang="en-US">
+                <a:sym typeface="+mn-ea"/>
+              </a:rPr>
+              <a:t>排序</a:t>
+            </a:r>
+            <a:r>
+              <a:rPr lang="en-US" altLang="zh-CN">
+                <a:sym typeface="+mn-ea"/>
+              </a:rPr>
+              <a:t> </a:t>
+            </a:r>
+            <a:endParaRPr lang="en-US" altLang="zh-CN">
+              <a:sym typeface="+mn-ea"/>
+            </a:endParaRPr>
+          </a:p>
+          <a:p>
+            <a:pPr marL="457200" indent="-457200">
+              <a:buAutoNum type="arabicPeriod"/>
+            </a:pPr>
+            <a:r>
+              <a:rPr lang="en-US" altLang="zh-CN"/>
+              <a:t>for</a:t>
+            </a:r>
+            <a:r>
+              <a:rPr lang="zh-CN" altLang="en-US"/>
+              <a:t>循环</a:t>
+            </a:r>
+            <a:endParaRPr lang="zh-CN" altLang="en-US"/>
+          </a:p>
+          <a:p>
+            <a:pPr marL="457200" indent="-457200">
+              <a:buAutoNum type="arabicPeriod"/>
+            </a:pPr>
+            <a:r>
+              <a:rPr lang="zh-CN" altLang="en-US"/>
+              <a:t>跳转控制</a:t>
+            </a:r>
+            <a:endParaRPr lang="zh-CN" altLang="en-US"/>
+          </a:p>
+          <a:p>
+            <a:pPr marL="457200" indent="-457200">
+              <a:buAutoNum type="arabicPeriod"/>
+            </a:pPr>
+            <a:r>
+              <a:rPr lang="zh-CN" altLang="en-US"/>
+              <a:t>数组声明、遍历</a:t>
+            </a:r>
+            <a:endParaRPr lang="zh-CN" altLang="en-US"/>
+          </a:p>
+          <a:p>
+            <a:pPr indent="0">
+              <a:buNone/>
+            </a:pPr>
+            <a:endParaRPr lang="zh-CN" altLang="en-US"/>
+          </a:p>
+          <a:p>
+            <a:pPr marL="457200" indent="-457200">
+              <a:buAutoNum type="arabicPeriod"/>
+            </a:pPr>
+            <a:endParaRPr lang="zh-CN" altLang="en-US"/>
+          </a:p>
+        </p:txBody>
+      </p:sp>
+    </p:spTree>
+  </p:cSld>
+  <p:clrMapOvr>
+    <a:masterClrMapping/>
+  </p:clrMapOvr>
+  <p:timing>
+    <p:tnLst>
+      <p:par>
+        <p:cTn id="1" dur="indefinite" restart="never" nodeType="tmRoot"/>
+      </p:par>
+    </p:tnLst>
+  </p:timing>
+</p:sld>
+</file>
+
+<file path=ppt/slides/slide14.xml><?xml version="1.0" encoding="utf-8"?>
+<p:sld xmlns:a="http://schemas.openxmlformats.org/drawingml/2006/main" xmlns:r="http://schemas.openxmlformats.org/officeDocument/2006/relationships" xmlns:p="http://schemas.openxmlformats.org/presentationml/2006/main">
+  <p:cSld>
+    <p:spTree>
+      <p:nvGrpSpPr>
+        <p:cNvPr id="1" name=""/>
+        <p:cNvGrpSpPr/>
+        <p:nvPr/>
+      </p:nvGrpSpPr>
+      <p:grpSpPr>
+        <a:xfrm>
+          <a:off x="0" y="0"/>
+          <a:ext cx="0" cy="0"/>
+          <a:chOff x="0" y="0"/>
+          <a:chExt cx="0" cy="0"/>
+        </a:xfrm>
+      </p:grpSpPr>
+      <p:sp>
+        <p:nvSpPr>
+          <p:cNvPr id="2" name="标题 1"/>
+          <p:cNvSpPr>
+            <a:spLocks noGrp="1"/>
+          </p:cNvSpPr>
+          <p:nvPr>
+            <p:ph type="title"/>
+          </p:nvPr>
+        </p:nvSpPr>
+        <p:spPr>
+          <a:xfrm>
+            <a:off x="1772274" y="320634"/>
+            <a:ext cx="5115414" cy="391885"/>
+          </a:xfrm>
+        </p:spPr>
+        <p:txBody>
+          <a:bodyPr>
+            <a:normAutofit fontScale="90000"/>
+          </a:bodyPr>
+          <a:lstStyle/>
+          <a:p>
+            <a:r>
+              <a:rPr lang="zh-CN" altLang="en-US" sz="2700" spc="200">
+                <a:solidFill>
+                  <a:schemeClr val="tx1">
+                    <a:lumMod val="85000"/>
+                    <a:lumOff val="15000"/>
+                  </a:schemeClr>
+                </a:solidFill>
+                <a:uFillTx/>
+                <a:latin typeface="Arial" panose="020B0604020202020204" pitchFamily="34" charset="0"/>
+                <a:sym typeface="Arial" panose="020B0604020202020204" pitchFamily="34" charset="0"/>
+              </a:rPr>
+              <a:t>总结和练习题</a:t>
+            </a:r>
+            <a:br>
+              <a:rPr lang="zh-CN" altLang="en-US" sz="2700" b="1" spc="200">
+                <a:solidFill>
+                  <a:schemeClr val="tx1">
+                    <a:lumMod val="85000"/>
+                    <a:lumOff val="15000"/>
+                  </a:schemeClr>
+                </a:solidFill>
+                <a:uFillTx/>
+                <a:latin typeface="Arial" panose="020B0604020202020204" pitchFamily="34" charset="0"/>
+                <a:ea typeface="微软雅黑" panose="020B0503020204020204" pitchFamily="34" charset="-122"/>
+                <a:sym typeface="Arial" panose="020B0604020202020204" pitchFamily="34" charset="0"/>
+              </a:rPr>
+            </a:br>
+            <a:endParaRPr lang="zh-CN" altLang="en-US" sz="2700" dirty="0"/>
+          </a:p>
+        </p:txBody>
+      </p:sp>
+      <p:pic>
+        <p:nvPicPr>
+          <p:cNvPr id="5" name="内容占位符 4"/>
+          <p:cNvPicPr>
+            <a:picLocks noGrp="1" noChangeAspect="1"/>
+          </p:cNvPicPr>
+          <p:nvPr>
+            <p:ph idx="1"/>
+          </p:nvPr>
+        </p:nvPicPr>
+        <p:blipFill>
+          <a:blip r:embed="rId1">
+            <a:extLst>
+              <a:ext uri="{28A0092B-C50C-407E-A947-70E740481C1C}">
+                <a14:useLocalDpi xmlns:a14="http://schemas.microsoft.com/office/drawing/2010/main" val="0"/>
+              </a:ext>
+            </a:extLst>
+          </a:blip>
+          <a:stretch>
+            <a:fillRect/>
+          </a:stretch>
+        </p:blipFill>
+        <p:spPr/>
+      </p:pic>
+      <p:sp>
+        <p:nvSpPr>
+          <p:cNvPr id="3" name="文本框 2"/>
+          <p:cNvSpPr txBox="1"/>
+          <p:nvPr/>
+        </p:nvSpPr>
+        <p:spPr>
+          <a:xfrm>
+            <a:off x="1278890" y="1793875"/>
+            <a:ext cx="8638540" cy="675640"/>
+          </a:xfrm>
+          <a:prstGeom prst="rect">
+            <a:avLst/>
+          </a:prstGeom>
+          <a:noFill/>
+        </p:spPr>
+        <p:txBody>
+          <a:bodyPr wrap="square" rtlCol="0">
+            <a:spAutoFit/>
+          </a:bodyPr>
+          <a:p>
+            <a:pPr indent="0">
+              <a:buFontTx/>
+              <a:buNone/>
+            </a:pPr>
+            <a:endParaRPr lang="en-US" altLang="zh-CN" dirty="0">
+              <a:latin typeface="微软雅黑" panose="020B0503020204020204" pitchFamily="34" charset="-122"/>
+              <a:ea typeface="微软雅黑" panose="020B0503020204020204" pitchFamily="34" charset="-122"/>
+            </a:endParaRPr>
+          </a:p>
+          <a:p>
+            <a:endParaRPr lang="zh-CN" altLang="en-US"/>
+          </a:p>
+        </p:txBody>
+      </p:sp>
+      <p:sp>
+        <p:nvSpPr>
+          <p:cNvPr id="4" name="文本框 3"/>
+          <p:cNvSpPr txBox="1"/>
+          <p:nvPr/>
+        </p:nvSpPr>
+        <p:spPr>
+          <a:xfrm>
             <a:off x="716280" y="1761490"/>
             <a:ext cx="10468610" cy="1260475"/>
           </a:xfrm>
@@ -4088,7 +4837,7 @@
 </p:sld>
 </file>
 
-<file path=ppt/slides/slide12.xml><?xml version="1.0" encoding="utf-8"?>
+<file path=ppt/slides/slide15.xml><?xml version="1.0" encoding="utf-8"?>
 <p:sld xmlns:a="http://schemas.openxmlformats.org/drawingml/2006/main" xmlns:r="http://schemas.openxmlformats.org/officeDocument/2006/relationships" xmlns:p="http://schemas.openxmlformats.org/presentationml/2006/main">
   <p:cSld>
     <p:spTree>
@@ -5235,7 +5984,7 @@
         <p:spPr>
           <a:xfrm>
             <a:off x="1047750" y="857250"/>
-            <a:ext cx="10097135" cy="5139055"/>
+            <a:ext cx="10097135" cy="5507990"/>
           </a:xfrm>
           <a:prstGeom prst="rect">
             <a:avLst/>
@@ -5294,7 +6043,15 @@
                 <a:ea typeface="微软雅黑" panose="020B0503020204020204" pitchFamily="34" charset="-122"/>
                 <a:sym typeface="+mn-ea"/>
               </a:rPr>
-              <a:t>其本身并不是数组，它指向底层的数组</a:t>
+              <a:t>其本身并不是数组，它</a:t>
+            </a:r>
+            <a:r>
+              <a:rPr lang="zh-CN" altLang="en-US" sz="2400" b="1" dirty="0" smtClean="0">
+                <a:latin typeface="微软雅黑" panose="020B0503020204020204" pitchFamily="34" charset="-122"/>
+                <a:ea typeface="微软雅黑" panose="020B0503020204020204" pitchFamily="34" charset="-122"/>
+                <a:sym typeface="+mn-ea"/>
+              </a:rPr>
+              <a:t>指向底层的数组</a:t>
             </a:r>
             <a:endParaRPr lang="en-US" altLang="zh-CN" sz="2400" dirty="0">
               <a:latin typeface="微软雅黑" panose="020B0503020204020204" pitchFamily="34" charset="-122"/>
@@ -5312,11 +6069,28 @@
                 <a:ea typeface="微软雅黑" panose="020B0503020204020204" pitchFamily="34" charset="-122"/>
                 <a:sym typeface="+mn-ea"/>
               </a:rPr>
-              <a:t>作为变长数组的替代方案，可以关联底层数组的局部或全部</a:t>
-            </a:r>
-            <a:endParaRPr lang="en-US" altLang="zh-CN" sz="2400" dirty="0" smtClean="0">
+              <a:t>切片（slice）是对数组一个</a:t>
+            </a:r>
+            <a:r>
+              <a:rPr lang="zh-CN" altLang="en-US" sz="2400" b="1" dirty="0" smtClean="0">
+                <a:latin typeface="微软雅黑" panose="020B0503020204020204" pitchFamily="34" charset="-122"/>
+                <a:ea typeface="微软雅黑" panose="020B0503020204020204" pitchFamily="34" charset="-122"/>
+                <a:sym typeface="+mn-ea"/>
+              </a:rPr>
+              <a:t>连续片段的引用</a:t>
+            </a:r>
+            <a:r>
+              <a:rPr lang="zh-CN" altLang="en-US" sz="2400" dirty="0" smtClean="0">
+                <a:latin typeface="微软雅黑" panose="020B0503020204020204" pitchFamily="34" charset="-122"/>
+                <a:ea typeface="微软雅黑" panose="020B0503020204020204" pitchFamily="34" charset="-122"/>
+                <a:sym typeface="+mn-ea"/>
+              </a:rPr>
+              <a:t>（该数组我们称之为相关数组，通常是匿名的）</a:t>
+            </a:r>
+            <a:endParaRPr lang="zh-CN" altLang="en-US" sz="2400" dirty="0" smtClean="0">
               <a:latin typeface="微软雅黑" panose="020B0503020204020204" pitchFamily="34" charset="-122"/>
               <a:ea typeface="微软雅黑" panose="020B0503020204020204" pitchFamily="34" charset="-122"/>
+              <a:sym typeface="+mn-ea"/>
             </a:endParaRPr>
           </a:p>
           <a:p>
@@ -5330,11 +6104,28 @@
                 <a:ea typeface="微软雅黑" panose="020B0503020204020204" pitchFamily="34" charset="-122"/>
                 <a:sym typeface="+mn-ea"/>
               </a:rPr>
-              <a:t>为引用类型</a:t>
-            </a:r>
-            <a:endParaRPr lang="en-US" altLang="zh-CN" sz="2400" dirty="0">
+              <a:t>切片是一个</a:t>
+            </a:r>
+            <a:r>
+              <a:rPr lang="zh-CN" altLang="en-US" sz="2400" b="1" dirty="0" smtClean="0">
+                <a:latin typeface="微软雅黑" panose="020B0503020204020204" pitchFamily="34" charset="-122"/>
+                <a:ea typeface="微软雅黑" panose="020B0503020204020204" pitchFamily="34" charset="-122"/>
+                <a:sym typeface="+mn-ea"/>
+              </a:rPr>
+              <a:t>引用类型</a:t>
+            </a:r>
+            <a:r>
+              <a:rPr lang="zh-CN" altLang="en-US" sz="2400" dirty="0" smtClean="0">
+                <a:latin typeface="微软雅黑" panose="020B0503020204020204" pitchFamily="34" charset="-122"/>
+                <a:ea typeface="微软雅黑" panose="020B0503020204020204" pitchFamily="34" charset="-122"/>
+                <a:sym typeface="+mn-ea"/>
+              </a:rPr>
+              <a:t>，所以它们不需要使用额外的内存并且比使用数组更有效率</a:t>
+            </a:r>
+            <a:endParaRPr lang="zh-CN" altLang="en-US" sz="2400" dirty="0" smtClean="0">
               <a:latin typeface="微软雅黑" panose="020B0503020204020204" pitchFamily="34" charset="-122"/>
               <a:ea typeface="微软雅黑" panose="020B0503020204020204" pitchFamily="34" charset="-122"/>
+              <a:sym typeface="+mn-ea"/>
             </a:endParaRPr>
           </a:p>
           <a:p>
@@ -5348,77 +6139,12 @@
                 <a:ea typeface="微软雅黑" panose="020B0503020204020204" pitchFamily="34" charset="-122"/>
                 <a:sym typeface="+mn-ea"/>
               </a:rPr>
-              <a:t>可以直接创建或从底层数组获取</a:t>
-            </a:r>
-            <a:r>
-              <a:rPr lang="zh-CN" altLang="en-US" sz="2400" dirty="0" smtClean="0">
-                <a:latin typeface="微软雅黑" panose="020B0503020204020204" pitchFamily="34" charset="-122"/>
-                <a:ea typeface="微软雅黑" panose="020B0503020204020204" pitchFamily="34" charset="-122"/>
-                <a:sym typeface="+mn-ea"/>
-              </a:rPr>
-              <a:t>生成</a:t>
-            </a:r>
-            <a:endParaRPr lang="en-US" altLang="zh-CN" sz="2400" dirty="0" smtClean="0">
+              <a:t>一个slice由三个部分构成：指针、长度（len）和容量（cap）</a:t>
+            </a:r>
+            <a:endParaRPr lang="zh-CN" altLang="en-US" sz="2400" dirty="0">
               <a:latin typeface="微软雅黑" panose="020B0503020204020204" pitchFamily="34" charset="-122"/>
               <a:ea typeface="微软雅黑" panose="020B0503020204020204" pitchFamily="34" charset="-122"/>
-            </a:endParaRPr>
-          </a:p>
-          <a:p>
-            <a:pPr marL="342900" indent="-342900">
-              <a:buFontTx/>
-              <a:buChar char="-"/>
-            </a:pPr>
-            <a:r>
-              <a:rPr lang="zh-CN" altLang="en-US" sz="2400" dirty="0" smtClean="0">
-                <a:latin typeface="微软雅黑" panose="020B0503020204020204" pitchFamily="34" charset="-122"/>
-                <a:ea typeface="微软雅黑" panose="020B0503020204020204" pitchFamily="34" charset="-122"/>
-                <a:sym typeface="+mn-ea"/>
-              </a:rPr>
-              <a:t>使用</a:t>
-            </a:r>
-            <a:r>
-              <a:rPr lang="en-US" altLang="zh-CN" sz="2400" dirty="0" err="1" smtClean="0">
-                <a:latin typeface="微软雅黑" panose="020B0503020204020204" pitchFamily="34" charset="-122"/>
-                <a:ea typeface="微软雅黑" panose="020B0503020204020204" pitchFamily="34" charset="-122"/>
-                <a:sym typeface="+mn-ea"/>
-              </a:rPr>
-              <a:t>len</a:t>
-            </a:r>
-            <a:r>
-              <a:rPr lang="en-US" altLang="zh-CN" sz="2400" dirty="0" smtClean="0">
-                <a:latin typeface="微软雅黑" panose="020B0503020204020204" pitchFamily="34" charset="-122"/>
-                <a:ea typeface="微软雅黑" panose="020B0503020204020204" pitchFamily="34" charset="-122"/>
-                <a:sym typeface="+mn-ea"/>
-              </a:rPr>
-              <a:t>()</a:t>
-            </a:r>
-            <a:r>
-              <a:rPr lang="zh-CN" altLang="en-US" sz="2400" dirty="0" smtClean="0">
-                <a:latin typeface="微软雅黑" panose="020B0503020204020204" pitchFamily="34" charset="-122"/>
-                <a:ea typeface="微软雅黑" panose="020B0503020204020204" pitchFamily="34" charset="-122"/>
-                <a:sym typeface="+mn-ea"/>
-              </a:rPr>
-              <a:t>获取元素个数，</a:t>
-            </a:r>
-            <a:r>
-              <a:rPr lang="en-US" altLang="zh-CN" sz="2400" dirty="0" smtClean="0">
-                <a:latin typeface="微软雅黑" panose="020B0503020204020204" pitchFamily="34" charset="-122"/>
-                <a:ea typeface="微软雅黑" panose="020B0503020204020204" pitchFamily="34" charset="-122"/>
-                <a:sym typeface="+mn-ea"/>
-              </a:rPr>
-              <a:t>cap()</a:t>
-            </a:r>
-            <a:r>
-              <a:rPr lang="zh-CN" altLang="en-US" sz="2400" dirty="0" smtClean="0">
-                <a:latin typeface="微软雅黑" panose="020B0503020204020204" pitchFamily="34" charset="-122"/>
-                <a:ea typeface="微软雅黑" panose="020B0503020204020204" pitchFamily="34" charset="-122"/>
-                <a:sym typeface="+mn-ea"/>
-              </a:rPr>
-              <a:t>获取容量</a:t>
-            </a:r>
-            <a:endParaRPr lang="en-US" altLang="zh-CN" sz="2400" dirty="0" smtClean="0">
-              <a:latin typeface="微软雅黑" panose="020B0503020204020204" pitchFamily="34" charset="-122"/>
-              <a:ea typeface="微软雅黑" panose="020B0503020204020204" pitchFamily="34" charset="-122"/>
+              <a:sym typeface="+mn-ea"/>
             </a:endParaRPr>
           </a:p>
           <a:p>
@@ -5734,7 +6460,7 @@
                 <a:latin typeface="Arial" panose="020B0604020202020204" pitchFamily="34" charset="0"/>
                 <a:sym typeface="Arial" panose="020B0604020202020204" pitchFamily="34" charset="0"/>
               </a:rPr>
-              <a:t>-map</a:t>
+              <a:t>-slice</a:t>
             </a:r>
             <a:br>
               <a:rPr lang="zh-CN" sz="2700" b="1" spc="200">
@@ -5786,8 +6512,8 @@
         </p:nvSpPr>
         <p:spPr>
           <a:xfrm>
-            <a:off x="1098550" y="857250"/>
-            <a:ext cx="10097135" cy="3538220"/>
+            <a:off x="1047750" y="857250"/>
+            <a:ext cx="10097135" cy="3415030"/>
           </a:xfrm>
           <a:prstGeom prst="rect">
             <a:avLst/>
@@ -5810,7 +6536,7 @@
                 <a:ea typeface="微软雅黑" panose="020B0503020204020204" pitchFamily="34" charset="-122"/>
                 <a:sym typeface="+mn-ea"/>
               </a:rPr>
-              <a:t>map概念</a:t>
+              <a:t>切片的创建和声明</a:t>
             </a:r>
             <a:endParaRPr sz="2400" dirty="0" smtClean="0">
               <a:latin typeface="微软雅黑" panose="020B0503020204020204" pitchFamily="34" charset="-122"/>
@@ -5823,188 +6549,122 @@
               <a:buFont typeface="+mj-lt"/>
               <a:buNone/>
             </a:pPr>
-            <a:endParaRPr sz="2400" dirty="0" smtClean="0">
+            <a:endParaRPr lang="en-US" altLang="zh-CN" sz="2400" dirty="0">
+              <a:latin typeface="微软雅黑" panose="020B0503020204020204" pitchFamily="34" charset="-122"/>
+              <a:ea typeface="微软雅黑" panose="020B0503020204020204" pitchFamily="34" charset="-122"/>
+            </a:endParaRPr>
+          </a:p>
+          <a:p>
+            <a:pPr marL="342900" indent="-342900">
+              <a:buFontTx/>
+              <a:buChar char="-"/>
+            </a:pPr>
+            <a:r>
+              <a:rPr lang="zh-CN" altLang="en-US" sz="2400" dirty="0" smtClean="0">
+                <a:latin typeface="微软雅黑" panose="020B0503020204020204" pitchFamily="34" charset="-122"/>
+                <a:ea typeface="微软雅黑" panose="020B0503020204020204" pitchFamily="34" charset="-122"/>
+                <a:sym typeface="+mn-ea"/>
+              </a:rPr>
+              <a:t>切片的一般声明：var identifier []type //（不需要说明长度）。</a:t>
+            </a:r>
+            <a:endParaRPr lang="zh-CN" altLang="en-US" sz="2400" dirty="0" smtClean="0">
               <a:latin typeface="微软雅黑" panose="020B0503020204020204" pitchFamily="34" charset="-122"/>
               <a:ea typeface="微软雅黑" panose="020B0503020204020204" pitchFamily="34" charset="-122"/>
               <a:sym typeface="+mn-ea"/>
             </a:endParaRPr>
           </a:p>
           <a:p>
-            <a:pPr indent="0">
-              <a:buFont typeface="+mj-lt"/>
-              <a:buNone/>
+            <a:pPr marL="342900" indent="-342900">
+              <a:buFontTx/>
+              <a:buChar char="-"/>
             </a:pPr>
-            <a:r>
-              <a:rPr sz="2400" dirty="0" smtClean="0">
-                <a:latin typeface="微软雅黑" panose="020B0503020204020204" pitchFamily="34" charset="-122"/>
-                <a:ea typeface="微软雅黑" panose="020B0503020204020204" pitchFamily="34" charset="-122"/>
-                <a:sym typeface="+mn-ea"/>
-              </a:rPr>
-              <a:t>map 是一种特殊的数据结构：一个</a:t>
-            </a:r>
-            <a:r>
-              <a:rPr sz="2400" dirty="0" smtClean="0">
-                <a:solidFill>
-                  <a:srgbClr val="FF0000"/>
-                </a:solidFill>
-                <a:latin typeface="微软雅黑" panose="020B0503020204020204" pitchFamily="34" charset="-122"/>
-                <a:ea typeface="微软雅黑" panose="020B0503020204020204" pitchFamily="34" charset="-122"/>
-                <a:sym typeface="+mn-ea"/>
-              </a:rPr>
-              <a:t>无序</a:t>
-            </a:r>
-            <a:r>
-              <a:rPr sz="2400" dirty="0" smtClean="0">
-                <a:latin typeface="微软雅黑" panose="020B0503020204020204" pitchFamily="34" charset="-122"/>
-                <a:ea typeface="微软雅黑" panose="020B0503020204020204" pitchFamily="34" charset="-122"/>
-                <a:sym typeface="+mn-ea"/>
-              </a:rPr>
-              <a:t>的</a:t>
-            </a:r>
-            <a:r>
-              <a:rPr sz="2400" dirty="0" smtClean="0">
-                <a:solidFill>
-                  <a:srgbClr val="FF0000"/>
-                </a:solidFill>
-                <a:latin typeface="微软雅黑" panose="020B0503020204020204" pitchFamily="34" charset="-122"/>
-                <a:ea typeface="微软雅黑" panose="020B0503020204020204" pitchFamily="34" charset="-122"/>
-                <a:sym typeface="+mn-ea"/>
-              </a:rPr>
-              <a:t>key/value对</a:t>
-            </a:r>
-            <a:r>
-              <a:rPr sz="2400" dirty="0" smtClean="0">
-                <a:latin typeface="微软雅黑" panose="020B0503020204020204" pitchFamily="34" charset="-122"/>
-                <a:ea typeface="微软雅黑" panose="020B0503020204020204" pitchFamily="34" charset="-122"/>
-                <a:sym typeface="+mn-ea"/>
-              </a:rPr>
-              <a:t>【元素对（pair）】的集合，pair 的一个元素是 key，对应的另一个元素是 value，所以这个结构也称为</a:t>
-            </a:r>
-            <a:r>
-              <a:rPr sz="2400" dirty="0" smtClean="0">
-                <a:solidFill>
-                  <a:srgbClr val="FF0000"/>
-                </a:solidFill>
-                <a:latin typeface="微软雅黑" panose="020B0503020204020204" pitchFamily="34" charset="-122"/>
-                <a:ea typeface="微软雅黑" panose="020B0503020204020204" pitchFamily="34" charset="-122"/>
-                <a:sym typeface="+mn-ea"/>
-              </a:rPr>
-              <a:t>关联数组或字典</a:t>
-            </a:r>
-            <a:endParaRPr sz="2400" dirty="0" smtClean="0">
+            <a:endParaRPr lang="zh-CN" altLang="en-US" sz="2400" dirty="0" smtClean="0">
               <a:latin typeface="微软雅黑" panose="020B0503020204020204" pitchFamily="34" charset="-122"/>
               <a:ea typeface="微软雅黑" panose="020B0503020204020204" pitchFamily="34" charset="-122"/>
               <a:sym typeface="+mn-ea"/>
             </a:endParaRPr>
           </a:p>
           <a:p>
-            <a:pPr indent="0">
-              <a:buFont typeface="+mj-lt"/>
-              <a:buNone/>
+            <a:pPr marL="342900" indent="-342900">
+              <a:buFontTx/>
+              <a:buChar char="-"/>
             </a:pPr>
-            <a:endParaRPr lang="zh-CN" sz="1600" dirty="0" smtClean="0">
+            <a:r>
+              <a:rPr lang="zh-CN" altLang="en-US" sz="2400" dirty="0" smtClean="0">
+                <a:latin typeface="微软雅黑" panose="020B0503020204020204" pitchFamily="34" charset="-122"/>
+                <a:ea typeface="微软雅黑" panose="020B0503020204020204" pitchFamily="34" charset="-122"/>
+                <a:sym typeface="+mn-ea"/>
+              </a:rPr>
+              <a:t>根据底层数组或者切片：var slice1 []type = arr1[start:end]</a:t>
+            </a:r>
+            <a:endParaRPr lang="zh-CN" altLang="en-US" sz="2400" dirty="0" smtClean="0">
               <a:latin typeface="微软雅黑" panose="020B0503020204020204" pitchFamily="34" charset="-122"/>
               <a:ea typeface="微软雅黑" panose="020B0503020204020204" pitchFamily="34" charset="-122"/>
               <a:sym typeface="+mn-ea"/>
             </a:endParaRPr>
           </a:p>
           <a:p>
-            <a:pPr indent="0">
-              <a:buFont typeface="+mj-lt"/>
-              <a:buNone/>
+            <a:pPr marL="342900" indent="-342900">
+              <a:buFontTx/>
+              <a:buChar char="-"/>
             </a:pPr>
-            <a:endParaRPr lang="zh-CN" sz="1600" dirty="0" smtClean="0">
+            <a:endParaRPr lang="zh-CN" altLang="en-US" sz="2400" dirty="0" smtClean="0">
               <a:latin typeface="微软雅黑" panose="020B0503020204020204" pitchFamily="34" charset="-122"/>
               <a:ea typeface="微软雅黑" panose="020B0503020204020204" pitchFamily="34" charset="-122"/>
               <a:sym typeface="+mn-ea"/>
             </a:endParaRPr>
           </a:p>
           <a:p>
-            <a:pPr indent="0">
-              <a:buFont typeface="+mj-lt"/>
-              <a:buNone/>
+            <a:pPr marL="342900" indent="-342900">
+              <a:buFontTx/>
+              <a:buChar char="-"/>
             </a:pPr>
             <a:r>
-              <a:rPr lang="zh-CN" sz="2400" dirty="0" smtClean="0">
-                <a:latin typeface="微软雅黑" panose="020B0503020204020204" pitchFamily="34" charset="-122"/>
-                <a:ea typeface="微软雅黑" panose="020B0503020204020204" pitchFamily="34" charset="-122"/>
-                <a:sym typeface="+mn-ea"/>
-              </a:rPr>
-              <a:t>map声明和初始化</a:t>
-            </a:r>
-            <a:endParaRPr lang="zh-CN" sz="2400" dirty="0" smtClean="0">
+              <a:rPr lang="zh-CN" altLang="en-US" sz="2400" dirty="0" smtClean="0">
+                <a:latin typeface="微软雅黑" panose="020B0503020204020204" pitchFamily="34" charset="-122"/>
+                <a:ea typeface="微软雅黑" panose="020B0503020204020204" pitchFamily="34" charset="-122"/>
+                <a:sym typeface="+mn-ea"/>
+              </a:rPr>
+              <a:t>var x = []int{2, 3, 5, 7, 11} </a:t>
+            </a:r>
+            <a:endParaRPr lang="zh-CN" altLang="en-US" sz="2400" dirty="0" smtClean="0">
               <a:latin typeface="微软雅黑" panose="020B0503020204020204" pitchFamily="34" charset="-122"/>
               <a:ea typeface="微软雅黑" panose="020B0503020204020204" pitchFamily="34" charset="-122"/>
               <a:sym typeface="+mn-ea"/>
             </a:endParaRPr>
           </a:p>
           <a:p>
-            <a:pPr indent="0">
-              <a:buFont typeface="+mj-lt"/>
-              <a:buNone/>
+            <a:pPr marL="342900" indent="-342900">
+              <a:buFontTx/>
+              <a:buChar char="-"/>
             </a:pPr>
-            <a:r>
-              <a:rPr lang="zh-CN" sz="1600" dirty="0" smtClean="0">
-                <a:latin typeface="微软雅黑" panose="020B0503020204020204" pitchFamily="34" charset="-122"/>
-                <a:ea typeface="微软雅黑" panose="020B0503020204020204" pitchFamily="34" charset="-122"/>
-                <a:sym typeface="+mn-ea"/>
-              </a:rPr>
-              <a:t>map 是引用类型，可以使用如下声明：</a:t>
-            </a:r>
-            <a:endParaRPr lang="zh-CN" sz="1600" dirty="0" smtClean="0">
+            <a:endParaRPr lang="zh-CN" altLang="en-US" sz="2400" dirty="0" smtClean="0">
               <a:latin typeface="微软雅黑" panose="020B0503020204020204" pitchFamily="34" charset="-122"/>
               <a:ea typeface="微软雅黑" panose="020B0503020204020204" pitchFamily="34" charset="-122"/>
               <a:sym typeface="+mn-ea"/>
             </a:endParaRPr>
           </a:p>
           <a:p>
-            <a:pPr indent="0">
-              <a:buFont typeface="+mj-lt"/>
-              <a:buNone/>
+            <a:pPr marL="342900" indent="-342900">
+              <a:buFontTx/>
+              <a:buChar char="-"/>
             </a:pPr>
-            <a:endParaRPr lang="zh-CN" sz="1600" dirty="0" smtClean="0">
+            <a:r>
+              <a:rPr lang="zh-CN" altLang="en-US" sz="2400" dirty="0" smtClean="0">
+                <a:latin typeface="微软雅黑" panose="020B0503020204020204" pitchFamily="34" charset="-122"/>
+                <a:ea typeface="微软雅黑" panose="020B0503020204020204" pitchFamily="34" charset="-122"/>
+                <a:sym typeface="+mn-ea"/>
+              </a:rPr>
+              <a:t>var slice1 []type = make([]type, len,[cap])。</a:t>
+            </a:r>
+            <a:endParaRPr lang="zh-CN" altLang="en-US" sz="2400" dirty="0" smtClean="0">
               <a:latin typeface="微软雅黑" panose="020B0503020204020204" pitchFamily="34" charset="-122"/>
               <a:ea typeface="微软雅黑" panose="020B0503020204020204" pitchFamily="34" charset="-122"/>
               <a:sym typeface="+mn-ea"/>
             </a:endParaRPr>
           </a:p>
-          <a:p>
-            <a:pPr indent="0">
-              <a:buFont typeface="+mj-lt"/>
-              <a:buNone/>
-            </a:pPr>
-            <a:endParaRPr lang="zh-CN" sz="1600" dirty="0" smtClean="0">
-              <a:latin typeface="微软雅黑" panose="020B0503020204020204" pitchFamily="34" charset="-122"/>
-              <a:ea typeface="微软雅黑" panose="020B0503020204020204" pitchFamily="34" charset="-122"/>
-              <a:sym typeface="+mn-ea"/>
-            </a:endParaRPr>
-          </a:p>
         </p:txBody>
       </p:sp>
-      <p:pic>
-        <p:nvPicPr>
-          <p:cNvPr id="3" name="图片 2"/>
-          <p:cNvPicPr>
-            <a:picLocks noChangeAspect="1"/>
-          </p:cNvPicPr>
-          <p:nvPr/>
-        </p:nvPicPr>
-        <p:blipFill>
-          <a:blip r:embed="rId2"/>
-          <a:stretch>
-            <a:fillRect/>
-          </a:stretch>
-        </p:blipFill>
-        <p:spPr>
-          <a:xfrm>
-            <a:off x="4962525" y="3094355"/>
-            <a:ext cx="6852285" cy="3598545"/>
-          </a:xfrm>
-          <a:prstGeom prst="rect">
-            <a:avLst/>
-          </a:prstGeom>
-        </p:spPr>
-      </p:pic>
     </p:spTree>
   </p:cSld>
   <p:clrMapOvr>
@@ -6085,10 +6745,10 @@
                 <a:latin typeface="Arial" panose="020B0604020202020204" pitchFamily="34" charset="0"/>
                 <a:sym typeface="Arial" panose="020B0604020202020204" pitchFamily="34" charset="0"/>
               </a:rPr>
-              <a:t>-</a:t>
-            </a:r>
-            <a:r>
-              <a:rPr lang="zh-CN" altLang="en-US" sz="2700" spc="200">
+              <a:t>-slice</a:t>
+            </a:r>
+            <a:br>
+              <a:rPr lang="zh-CN" sz="2700" b="1" spc="200">
                 <a:solidFill>
                   <a:schemeClr val="tx1">
                     <a:lumMod val="85000"/>
@@ -6097,20 +6757,7 @@
                 </a:solidFill>
                 <a:uFillTx/>
                 <a:latin typeface="Arial" panose="020B0604020202020204" pitchFamily="34" charset="0"/>
-                <a:sym typeface="Arial" panose="020B0604020202020204" pitchFamily="34" charset="0"/>
-              </a:rPr>
-              <a:t>结构体</a:t>
-            </a:r>
-            <a:br>
-              <a:rPr lang="zh-CN" sz="2700" spc="200">
-                <a:solidFill>
-                  <a:schemeClr val="tx1">
-                    <a:lumMod val="85000"/>
-                    <a:lumOff val="15000"/>
-                  </a:schemeClr>
-                </a:solidFill>
-                <a:uFillTx/>
-                <a:latin typeface="Arial" panose="020B0604020202020204" pitchFamily="34" charset="0"/>
+                <a:ea typeface="微软雅黑" panose="020B0503020204020204" pitchFamily="34" charset="-122"/>
                 <a:sym typeface="Arial" panose="020B0604020202020204" pitchFamily="34" charset="0"/>
               </a:rPr>
             </a:br>
@@ -6142,241 +6789,30 @@
         </p:blipFill>
         <p:spPr/>
       </p:pic>
-      <p:sp>
-        <p:nvSpPr>
-          <p:cNvPr id="6" name="TextBox 5"/>
-          <p:cNvSpPr txBox="1"/>
+      <p:pic>
+        <p:nvPicPr>
+          <p:cNvPr id="7" name="图片 6"/>
+          <p:cNvPicPr>
+            <a:picLocks noChangeAspect="1"/>
+          </p:cNvPicPr>
           <p:nvPr/>
-        </p:nvSpPr>
+        </p:nvPicPr>
+        <p:blipFill>
+          <a:blip r:embed="rId2"/>
+          <a:stretch>
+            <a:fillRect/>
+          </a:stretch>
+        </p:blipFill>
         <p:spPr>
           <a:xfrm>
-            <a:off x="1047750" y="857250"/>
-            <a:ext cx="10097135" cy="3569335"/>
+            <a:off x="3122295" y="1007110"/>
+            <a:ext cx="5937885" cy="5593080"/>
           </a:xfrm>
           <a:prstGeom prst="rect">
             <a:avLst/>
           </a:prstGeom>
-          <a:noFill/>
         </p:spPr>
-        <p:txBody>
-          <a:bodyPr wrap="square" rtlCol="0">
-            <a:spAutoFit/>
-          </a:bodyPr>
-          <a:lstStyle/>
-          <a:p>
-            <a:pPr indent="0">
-              <a:buFont typeface="+mj-lt"/>
-              <a:buNone/>
-            </a:pPr>
-            <a:r>
-              <a:rPr sz="2400" dirty="0" smtClean="0">
-                <a:latin typeface="微软雅黑" panose="020B0503020204020204" pitchFamily="34" charset="-122"/>
-                <a:ea typeface="微软雅黑" panose="020B0503020204020204" pitchFamily="34" charset="-122"/>
-                <a:sym typeface="+mn-ea"/>
-              </a:rPr>
-              <a:t>struct概念</a:t>
-            </a:r>
-            <a:endParaRPr sz="2400" dirty="0" smtClean="0">
-              <a:latin typeface="微软雅黑" panose="020B0503020204020204" pitchFamily="34" charset="-122"/>
-              <a:ea typeface="微软雅黑" panose="020B0503020204020204" pitchFamily="34" charset="-122"/>
-              <a:sym typeface="+mn-ea"/>
-            </a:endParaRPr>
-          </a:p>
-          <a:p>
-            <a:pPr indent="0">
-              <a:buFont typeface="+mj-lt"/>
-              <a:buNone/>
-            </a:pPr>
-            <a:endParaRPr sz="2400" dirty="0" smtClean="0">
-              <a:latin typeface="微软雅黑" panose="020B0503020204020204" pitchFamily="34" charset="-122"/>
-              <a:ea typeface="微软雅黑" panose="020B0503020204020204" pitchFamily="34" charset="-122"/>
-              <a:sym typeface="+mn-ea"/>
-            </a:endParaRPr>
-          </a:p>
-          <a:p>
-            <a:pPr marL="457200" indent="-457200">
-              <a:buFont typeface="+mj-lt"/>
-              <a:buAutoNum type="arabicPeriod"/>
-            </a:pPr>
-            <a:r>
-              <a:rPr sz="2000" dirty="0" smtClean="0">
-                <a:latin typeface="微软雅黑" panose="020B0503020204020204" pitchFamily="34" charset="-122"/>
-                <a:ea typeface="微软雅黑" panose="020B0503020204020204" pitchFamily="34" charset="-122"/>
-                <a:sym typeface="+mn-ea"/>
-              </a:rPr>
-              <a:t>结构体是一种</a:t>
-            </a:r>
-            <a:r>
-              <a:rPr sz="2000" dirty="0" smtClean="0">
-                <a:solidFill>
-                  <a:srgbClr val="FF0000"/>
-                </a:solidFill>
-                <a:latin typeface="微软雅黑" panose="020B0503020204020204" pitchFamily="34" charset="-122"/>
-                <a:ea typeface="微软雅黑" panose="020B0503020204020204" pitchFamily="34" charset="-122"/>
-                <a:sym typeface="+mn-ea"/>
-              </a:rPr>
-              <a:t>聚合的数据类型</a:t>
-            </a:r>
-            <a:r>
-              <a:rPr sz="2000" dirty="0" smtClean="0">
-                <a:latin typeface="微软雅黑" panose="020B0503020204020204" pitchFamily="34" charset="-122"/>
-                <a:ea typeface="微软雅黑" panose="020B0503020204020204" pitchFamily="34" charset="-122"/>
-                <a:sym typeface="+mn-ea"/>
-              </a:rPr>
-              <a:t>，是由零个或多个任意类型的值聚合成的实体。</a:t>
-            </a:r>
-            <a:endParaRPr sz="2000" dirty="0" smtClean="0">
-              <a:latin typeface="微软雅黑" panose="020B0503020204020204" pitchFamily="34" charset="-122"/>
-              <a:ea typeface="微软雅黑" panose="020B0503020204020204" pitchFamily="34" charset="-122"/>
-              <a:sym typeface="+mn-ea"/>
-            </a:endParaRPr>
-          </a:p>
-          <a:p>
-            <a:pPr marL="457200" indent="-457200">
-              <a:buFont typeface="+mj-lt"/>
-              <a:buAutoNum type="arabicPeriod"/>
-            </a:pPr>
-            <a:r>
-              <a:rPr sz="2000" dirty="0" smtClean="0">
-                <a:latin typeface="微软雅黑" panose="020B0503020204020204" pitchFamily="34" charset="-122"/>
-                <a:ea typeface="微软雅黑" panose="020B0503020204020204" pitchFamily="34" charset="-122"/>
-                <a:sym typeface="+mn-ea"/>
-              </a:rPr>
-              <a:t>Go语言的结构体（struct）和其他语言的类（class）有同等的地位</a:t>
-            </a:r>
-            <a:endParaRPr sz="2000" dirty="0" smtClean="0">
-              <a:latin typeface="微软雅黑" panose="020B0503020204020204" pitchFamily="34" charset="-122"/>
-              <a:ea typeface="微软雅黑" panose="020B0503020204020204" pitchFamily="34" charset="-122"/>
-              <a:sym typeface="+mn-ea"/>
-            </a:endParaRPr>
-          </a:p>
-          <a:p>
-            <a:pPr marL="457200" indent="-457200">
-              <a:buFont typeface="+mj-lt"/>
-              <a:buAutoNum type="arabicPeriod"/>
-            </a:pPr>
-            <a:r>
-              <a:rPr sz="2000" dirty="0" smtClean="0">
-                <a:latin typeface="微软雅黑" panose="020B0503020204020204" pitchFamily="34" charset="-122"/>
-                <a:ea typeface="微软雅黑" panose="020B0503020204020204" pitchFamily="34" charset="-122"/>
-                <a:sym typeface="+mn-ea"/>
-              </a:rPr>
-              <a:t>结构体也是</a:t>
-            </a:r>
-            <a:r>
-              <a:rPr sz="2000" dirty="0" smtClean="0">
-                <a:solidFill>
-                  <a:srgbClr val="FF0000"/>
-                </a:solidFill>
-                <a:latin typeface="微软雅黑" panose="020B0503020204020204" pitchFamily="34" charset="-122"/>
-                <a:ea typeface="微软雅黑" panose="020B0503020204020204" pitchFamily="34" charset="-122"/>
-                <a:sym typeface="+mn-ea"/>
-              </a:rPr>
-              <a:t>值类型</a:t>
-            </a:r>
-            <a:r>
-              <a:rPr sz="2000" dirty="0" smtClean="0">
-                <a:latin typeface="微软雅黑" panose="020B0503020204020204" pitchFamily="34" charset="-122"/>
-                <a:ea typeface="微软雅黑" panose="020B0503020204020204" pitchFamily="34" charset="-122"/>
-                <a:sym typeface="+mn-ea"/>
-              </a:rPr>
-              <a:t>，因此可以通过 new 函数来创建。</a:t>
-            </a:r>
-            <a:endParaRPr sz="2000" dirty="0" smtClean="0">
-              <a:latin typeface="微软雅黑" panose="020B0503020204020204" pitchFamily="34" charset="-122"/>
-              <a:ea typeface="微软雅黑" panose="020B0503020204020204" pitchFamily="34" charset="-122"/>
-              <a:sym typeface="+mn-ea"/>
-            </a:endParaRPr>
-          </a:p>
-          <a:p>
-            <a:pPr marL="457200" indent="-457200">
-              <a:buFont typeface="+mj-lt"/>
-              <a:buAutoNum type="arabicPeriod"/>
-            </a:pPr>
-            <a:r>
-              <a:rPr sz="2000" dirty="0" smtClean="0">
-                <a:latin typeface="微软雅黑" panose="020B0503020204020204" pitchFamily="34" charset="-122"/>
-                <a:ea typeface="微软雅黑" panose="020B0503020204020204" pitchFamily="34" charset="-122"/>
-                <a:sym typeface="+mn-ea"/>
-              </a:rPr>
-              <a:t>组成结构体类型的那些数据称为 </a:t>
-            </a:r>
-            <a:r>
-              <a:rPr sz="2000" dirty="0" smtClean="0">
-                <a:solidFill>
-                  <a:srgbClr val="FF0000"/>
-                </a:solidFill>
-                <a:latin typeface="微软雅黑" panose="020B0503020204020204" pitchFamily="34" charset="-122"/>
-                <a:ea typeface="微软雅黑" panose="020B0503020204020204" pitchFamily="34" charset="-122"/>
-                <a:sym typeface="+mn-ea"/>
-              </a:rPr>
-              <a:t>字段</a:t>
-            </a:r>
-            <a:r>
-              <a:rPr sz="2000" dirty="0" smtClean="0">
-                <a:latin typeface="微软雅黑" panose="020B0503020204020204" pitchFamily="34" charset="-122"/>
-                <a:ea typeface="微软雅黑" panose="020B0503020204020204" pitchFamily="34" charset="-122"/>
-                <a:sym typeface="+mn-ea"/>
-              </a:rPr>
-              <a:t>（fields）。每个字段都有一个类型和一个名字；</a:t>
-            </a:r>
-            <a:r>
-              <a:rPr sz="2000" dirty="0" smtClean="0">
-                <a:solidFill>
-                  <a:srgbClr val="FF0000"/>
-                </a:solidFill>
-                <a:latin typeface="微软雅黑" panose="020B0503020204020204" pitchFamily="34" charset="-122"/>
-                <a:ea typeface="微软雅黑" panose="020B0503020204020204" pitchFamily="34" charset="-122"/>
-                <a:sym typeface="+mn-ea"/>
-              </a:rPr>
-              <a:t>在一个结构体中，字段名字必须是唯一的</a:t>
-            </a:r>
-            <a:r>
-              <a:rPr sz="2000" dirty="0" smtClean="0">
-                <a:latin typeface="微软雅黑" panose="020B0503020204020204" pitchFamily="34" charset="-122"/>
-                <a:ea typeface="微软雅黑" panose="020B0503020204020204" pitchFamily="34" charset="-122"/>
-                <a:sym typeface="+mn-ea"/>
-              </a:rPr>
-              <a:t>。</a:t>
-            </a:r>
-            <a:endParaRPr sz="2000" dirty="0" smtClean="0">
-              <a:latin typeface="微软雅黑" panose="020B0503020204020204" pitchFamily="34" charset="-122"/>
-              <a:ea typeface="微软雅黑" panose="020B0503020204020204" pitchFamily="34" charset="-122"/>
-              <a:sym typeface="+mn-ea"/>
-            </a:endParaRPr>
-          </a:p>
-          <a:p>
-            <a:pPr marL="457200" indent="-457200">
-              <a:buFont typeface="+mj-lt"/>
-              <a:buNone/>
-            </a:pPr>
-            <a:endParaRPr sz="2400" dirty="0" smtClean="0">
-              <a:latin typeface="微软雅黑" panose="020B0503020204020204" pitchFamily="34" charset="-122"/>
-              <a:ea typeface="微软雅黑" panose="020B0503020204020204" pitchFamily="34" charset="-122"/>
-              <a:sym typeface="+mn-ea"/>
-            </a:endParaRPr>
-          </a:p>
-          <a:p>
-            <a:pPr indent="0">
-              <a:buFont typeface="+mj-lt"/>
-              <a:buNone/>
-            </a:pPr>
-            <a:r>
-              <a:rPr lang="zh-CN" sz="1800" dirty="0" smtClean="0">
-                <a:latin typeface="微软雅黑" panose="020B0503020204020204" pitchFamily="34" charset="-122"/>
-                <a:ea typeface="微软雅黑" panose="020B0503020204020204" pitchFamily="34" charset="-122"/>
-                <a:sym typeface="+mn-ea"/>
-              </a:rPr>
-              <a:t>如处理公司的员工信息，每个员工信息包含一个唯一的员工编号、员工的名字、家庭住址、出生日期、工作岗位、薪资、上级领导等等。所有的这些信息都需要绑定到一个实体中就可以使用结构体的概念</a:t>
-            </a:r>
-            <a:endParaRPr lang="zh-CN" sz="1800" dirty="0" smtClean="0">
-              <a:latin typeface="微软雅黑" panose="020B0503020204020204" pitchFamily="34" charset="-122"/>
-              <a:ea typeface="微软雅黑" panose="020B0503020204020204" pitchFamily="34" charset="-122"/>
-              <a:sym typeface="+mn-ea"/>
-            </a:endParaRPr>
-          </a:p>
-        </p:txBody>
-      </p:sp>
+      </p:pic>
     </p:spTree>
   </p:cSld>
   <p:clrMapOvr>
@@ -6457,10 +6893,10 @@
                 <a:latin typeface="Arial" panose="020B0604020202020204" pitchFamily="34" charset="0"/>
                 <a:sym typeface="Arial" panose="020B0604020202020204" pitchFamily="34" charset="0"/>
               </a:rPr>
-              <a:t>-</a:t>
-            </a:r>
-            <a:r>
-              <a:rPr lang="zh-CN" altLang="en-US" sz="2700" spc="200">
+              <a:t>-slice</a:t>
+            </a:r>
+            <a:br>
+              <a:rPr lang="zh-CN" sz="2700" b="1" spc="200">
                 <a:solidFill>
                   <a:schemeClr val="tx1">
                     <a:lumMod val="85000"/>
@@ -6469,20 +6905,7 @@
                 </a:solidFill>
                 <a:uFillTx/>
                 <a:latin typeface="Arial" panose="020B0604020202020204" pitchFamily="34" charset="0"/>
-                <a:sym typeface="Arial" panose="020B0604020202020204" pitchFamily="34" charset="0"/>
-              </a:rPr>
-              <a:t>结构体</a:t>
-            </a:r>
-            <a:br>
-              <a:rPr lang="zh-CN" sz="2700" spc="200">
-                <a:solidFill>
-                  <a:schemeClr val="tx1">
-                    <a:lumMod val="85000"/>
-                    <a:lumOff val="15000"/>
-                  </a:schemeClr>
-                </a:solidFill>
-                <a:uFillTx/>
-                <a:latin typeface="Arial" panose="020B0604020202020204" pitchFamily="34" charset="0"/>
+                <a:ea typeface="微软雅黑" panose="020B0503020204020204" pitchFamily="34" charset="-122"/>
                 <a:sym typeface="Arial" panose="020B0604020202020204" pitchFamily="34" charset="0"/>
               </a:rPr>
             </a:br>
@@ -6516,14 +6939,14 @@
       </p:pic>
       <p:sp>
         <p:nvSpPr>
-          <p:cNvPr id="6" name="TextBox 5"/>
+          <p:cNvPr id="3" name="文本框 2"/>
           <p:cNvSpPr txBox="1"/>
           <p:nvPr/>
         </p:nvSpPr>
         <p:spPr>
           <a:xfrm>
-            <a:off x="1047750" y="857250"/>
-            <a:ext cx="10097135" cy="737235"/>
+            <a:off x="1840865" y="1364615"/>
+            <a:ext cx="6266180" cy="968375"/>
           </a:xfrm>
           <a:prstGeom prst="rect">
             <a:avLst/>
@@ -6534,71 +6957,45 @@
           <a:bodyPr wrap="square" rtlCol="0">
             <a:spAutoFit/>
           </a:bodyPr>
-          <a:lstStyle/>
-          <a:p>
-            <a:pPr indent="0">
-              <a:buFont typeface="+mj-lt"/>
-              <a:buNone/>
+          <a:p>
+            <a:pPr marL="342900" indent="-342900">
+              <a:buFont typeface="Arial" panose="020B0604020202020204" pitchFamily="34" charset="0"/>
+              <a:buChar char="•"/>
             </a:pPr>
             <a:r>
-              <a:rPr sz="2400" dirty="0" smtClean="0">
-                <a:latin typeface="微软雅黑" panose="020B0503020204020204" pitchFamily="34" charset="-122"/>
-                <a:ea typeface="微软雅黑" panose="020B0503020204020204" pitchFamily="34" charset="-122"/>
-                <a:sym typeface="+mn-ea"/>
-              </a:rPr>
-              <a:t>struct</a:t>
-            </a:r>
-            <a:r>
-              <a:rPr lang="zh-CN" sz="2400" dirty="0" smtClean="0">
-                <a:latin typeface="微软雅黑" panose="020B0503020204020204" pitchFamily="34" charset="-122"/>
-                <a:ea typeface="微软雅黑" panose="020B0503020204020204" pitchFamily="34" charset="-122"/>
-                <a:sym typeface="+mn-ea"/>
-              </a:rPr>
-              <a:t>定义</a:t>
-            </a:r>
-            <a:endParaRPr sz="2400" dirty="0" smtClean="0">
-              <a:latin typeface="微软雅黑" panose="020B0503020204020204" pitchFamily="34" charset="-122"/>
-              <a:ea typeface="微软雅黑" panose="020B0503020204020204" pitchFamily="34" charset="-122"/>
-              <a:sym typeface="+mn-ea"/>
-            </a:endParaRPr>
-          </a:p>
-          <a:p>
-            <a:pPr marL="457200" indent="-457200">
-              <a:buFont typeface="+mj-lt"/>
-              <a:buAutoNum type="arabicPeriod"/>
+              <a:rPr lang="zh-CN" altLang="en-US"/>
+              <a:t>切片的复制 </a:t>
+            </a:r>
+            <a:r>
+              <a:rPr lang="en-US" altLang="zh-CN"/>
+              <a:t>copy()</a:t>
+            </a:r>
+            <a:endParaRPr lang="en-US" altLang="zh-CN"/>
+          </a:p>
+          <a:p>
+            <a:pPr marL="342900" indent="-342900">
+              <a:buFont typeface="Arial" panose="020B0604020202020204" pitchFamily="34" charset="0"/>
+              <a:buChar char="•"/>
             </a:pPr>
-            <a:endParaRPr lang="zh-CN" sz="1800" dirty="0" smtClean="0">
-              <a:latin typeface="微软雅黑" panose="020B0503020204020204" pitchFamily="34" charset="-122"/>
-              <a:ea typeface="微软雅黑" panose="020B0503020204020204" pitchFamily="34" charset="-122"/>
-              <a:sym typeface="+mn-ea"/>
-            </a:endParaRPr>
+            <a:r>
+              <a:rPr lang="en-US" altLang="zh-CN"/>
+              <a:t>切片的追加append()</a:t>
+            </a:r>
+            <a:endParaRPr lang="en-US" altLang="zh-CN"/>
+          </a:p>
+          <a:p>
+            <a:pPr marL="342900" indent="-342900">
+              <a:buFont typeface="Arial" panose="020B0604020202020204" pitchFamily="34" charset="0"/>
+              <a:buChar char="•"/>
+            </a:pPr>
+            <a:r>
+              <a:rPr lang="en-US" altLang="zh-CN"/>
+              <a:t>切片中删除元素</a:t>
+            </a:r>
+            <a:endParaRPr lang="en-US" altLang="zh-CN"/>
           </a:p>
         </p:txBody>
       </p:sp>
-      <p:pic>
-        <p:nvPicPr>
-          <p:cNvPr id="3" name="图片 2"/>
-          <p:cNvPicPr>
-            <a:picLocks noChangeAspect="1"/>
-          </p:cNvPicPr>
-          <p:nvPr/>
-        </p:nvPicPr>
-        <p:blipFill>
-          <a:blip r:embed="rId2"/>
-          <a:stretch>
-            <a:fillRect/>
-          </a:stretch>
-        </p:blipFill>
-        <p:spPr>
-          <a:xfrm>
-            <a:off x="2437765" y="1265555"/>
-            <a:ext cx="7374255" cy="5494020"/>
-          </a:xfrm>
-          <a:prstGeom prst="rect">
-            <a:avLst/>
-          </a:prstGeom>
-        </p:spPr>
-      </p:pic>
     </p:spTree>
   </p:cSld>
   <p:clrMapOvr>
@@ -6679,10 +7076,10 @@
                 <a:latin typeface="Arial" panose="020B0604020202020204" pitchFamily="34" charset="0"/>
                 <a:sym typeface="Arial" panose="020B0604020202020204" pitchFamily="34" charset="0"/>
               </a:rPr>
-              <a:t>-</a:t>
-            </a:r>
-            <a:r>
-              <a:rPr lang="zh-CN" altLang="en-US" sz="2700" spc="200">
+              <a:t>-map</a:t>
+            </a:r>
+            <a:br>
+              <a:rPr lang="zh-CN" sz="2700" b="1" spc="200">
                 <a:solidFill>
                   <a:schemeClr val="tx1">
                     <a:lumMod val="85000"/>
@@ -6691,20 +7088,7 @@
                 </a:solidFill>
                 <a:uFillTx/>
                 <a:latin typeface="Arial" panose="020B0604020202020204" pitchFamily="34" charset="0"/>
-                <a:sym typeface="Arial" panose="020B0604020202020204" pitchFamily="34" charset="0"/>
-              </a:rPr>
-              <a:t>结构体</a:t>
-            </a:r>
-            <a:br>
-              <a:rPr lang="zh-CN" sz="2700" spc="200">
-                <a:solidFill>
-                  <a:schemeClr val="tx1">
-                    <a:lumMod val="85000"/>
-                    <a:lumOff val="15000"/>
-                  </a:schemeClr>
-                </a:solidFill>
-                <a:uFillTx/>
-                <a:latin typeface="Arial" panose="020B0604020202020204" pitchFamily="34" charset="0"/>
+                <a:ea typeface="微软雅黑" panose="020B0503020204020204" pitchFamily="34" charset="-122"/>
                 <a:sym typeface="Arial" panose="020B0604020202020204" pitchFamily="34" charset="0"/>
               </a:rPr>
             </a:br>
@@ -6744,8 +7128,8 @@
         </p:nvSpPr>
         <p:spPr>
           <a:xfrm>
-            <a:off x="1047750" y="857250"/>
-            <a:ext cx="10097135" cy="1845310"/>
+            <a:off x="1098550" y="857250"/>
+            <a:ext cx="10097135" cy="3538220"/>
           </a:xfrm>
           <a:prstGeom prst="rect">
             <a:avLst/>
@@ -6768,7 +7152,7 @@
                 <a:ea typeface="微软雅黑" panose="020B0503020204020204" pitchFamily="34" charset="-122"/>
                 <a:sym typeface="+mn-ea"/>
               </a:rPr>
-              <a:t>结构体变量的成员可以通过点操作符访问</a:t>
+              <a:t>map概念</a:t>
             </a:r>
             <a:endParaRPr sz="2400" dirty="0" smtClean="0">
               <a:latin typeface="微软雅黑" panose="020B0503020204020204" pitchFamily="34" charset="-122"/>
@@ -6781,14 +7165,6 @@
               <a:buFont typeface="+mj-lt"/>
               <a:buNone/>
             </a:pPr>
-            <a:r>
-              <a:rPr sz="2400" dirty="0" smtClean="0">
-                <a:latin typeface="微软雅黑" panose="020B0503020204020204" pitchFamily="34" charset="-122"/>
-                <a:ea typeface="微软雅黑" panose="020B0503020204020204" pitchFamily="34" charset="-122"/>
-                <a:sym typeface="+mn-ea"/>
-              </a:rPr>
-              <a:t>结构体成员名字是以大写字母开头的，那么该成员就是导出的</a:t>
-            </a:r>
             <a:endParaRPr sz="2400" dirty="0" smtClean="0">
               <a:latin typeface="微软雅黑" panose="020B0503020204020204" pitchFamily="34" charset="-122"/>
               <a:ea typeface="微软雅黑" panose="020B0503020204020204" pitchFamily="34" charset="-122"/>
@@ -6806,7 +7182,56 @@
                 <a:ea typeface="微软雅黑" panose="020B0503020204020204" pitchFamily="34" charset="-122"/>
                 <a:sym typeface="+mn-ea"/>
               </a:rPr>
-              <a:t>可以用字面量语法初始化一个结构体</a:t>
+              <a:t>map 是一种特殊的数据结构：一个</a:t>
+            </a:r>
+            <a:r>
+              <a:rPr sz="2400" dirty="0" smtClean="0">
+                <a:solidFill>
+                  <a:srgbClr val="FF0000"/>
+                </a:solidFill>
+                <a:latin typeface="微软雅黑" panose="020B0503020204020204" pitchFamily="34" charset="-122"/>
+                <a:ea typeface="微软雅黑" panose="020B0503020204020204" pitchFamily="34" charset="-122"/>
+                <a:sym typeface="+mn-ea"/>
+              </a:rPr>
+              <a:t>无序</a:t>
+            </a:r>
+            <a:r>
+              <a:rPr sz="2400" dirty="0" smtClean="0">
+                <a:latin typeface="微软雅黑" panose="020B0503020204020204" pitchFamily="34" charset="-122"/>
+                <a:ea typeface="微软雅黑" panose="020B0503020204020204" pitchFamily="34" charset="-122"/>
+                <a:sym typeface="+mn-ea"/>
+              </a:rPr>
+              <a:t>的</a:t>
+            </a:r>
+            <a:r>
+              <a:rPr sz="2400" dirty="0" smtClean="0">
+                <a:solidFill>
+                  <a:srgbClr val="FF0000"/>
+                </a:solidFill>
+                <a:latin typeface="微软雅黑" panose="020B0503020204020204" pitchFamily="34" charset="-122"/>
+                <a:ea typeface="微软雅黑" panose="020B0503020204020204" pitchFamily="34" charset="-122"/>
+                <a:sym typeface="+mn-ea"/>
+              </a:rPr>
+              <a:t>key/value对</a:t>
+            </a:r>
+            <a:r>
+              <a:rPr sz="2400" dirty="0" smtClean="0">
+                <a:latin typeface="微软雅黑" panose="020B0503020204020204" pitchFamily="34" charset="-122"/>
+                <a:ea typeface="微软雅黑" panose="020B0503020204020204" pitchFamily="34" charset="-122"/>
+                <a:sym typeface="+mn-ea"/>
+              </a:rPr>
+              <a:t>【元素对（pair）】的集合，pair 的一个元素是 key，对应的另一个元素是 value，所以这个结构也称为</a:t>
+            </a:r>
+            <a:r>
+              <a:rPr sz="2400" dirty="0" smtClean="0">
+                <a:solidFill>
+                  <a:srgbClr val="FF0000"/>
+                </a:solidFill>
+                <a:latin typeface="微软雅黑" panose="020B0503020204020204" pitchFamily="34" charset="-122"/>
+                <a:ea typeface="微软雅黑" panose="020B0503020204020204" pitchFamily="34" charset="-122"/>
+                <a:sym typeface="+mn-ea"/>
+              </a:rPr>
+              <a:t>关联数组或字典</a:t>
             </a:r>
             <a:endParaRPr sz="2400" dirty="0" smtClean="0">
               <a:latin typeface="微软雅黑" panose="020B0503020204020204" pitchFamily="34" charset="-122"/>
@@ -6819,33 +7244,109 @@
               <a:buFont typeface="+mj-lt"/>
               <a:buNone/>
             </a:pPr>
-            <a:r>
-              <a:rPr sz="2400" dirty="0" smtClean="0">
-                <a:latin typeface="微软雅黑" panose="020B0503020204020204" pitchFamily="34" charset="-122"/>
-                <a:ea typeface="微软雅黑" panose="020B0503020204020204" pitchFamily="34" charset="-122"/>
-                <a:sym typeface="+mn-ea"/>
-              </a:rPr>
-              <a:t>结构体也是可以比较的</a:t>
-            </a:r>
-            <a:endParaRPr sz="2400" dirty="0" smtClean="0">
+            <a:endParaRPr lang="zh-CN" sz="1600" dirty="0" smtClean="0">
               <a:latin typeface="微软雅黑" panose="020B0503020204020204" pitchFamily="34" charset="-122"/>
               <a:ea typeface="微软雅黑" panose="020B0503020204020204" pitchFamily="34" charset="-122"/>
               <a:sym typeface="+mn-ea"/>
             </a:endParaRPr>
           </a:p>
           <a:p>
-            <a:pPr marL="457200" indent="-457200">
+            <a:pPr indent="0">
               <a:buFont typeface="+mj-lt"/>
-              <a:buAutoNum type="arabicPeriod"/>
+              <a:buNone/>
             </a:pPr>
-            <a:endParaRPr lang="zh-CN" sz="1800" dirty="0" smtClean="0">
+            <a:endParaRPr lang="zh-CN" sz="1600" dirty="0" smtClean="0">
               <a:latin typeface="微软雅黑" panose="020B0503020204020204" pitchFamily="34" charset="-122"/>
               <a:ea typeface="微软雅黑" panose="020B0503020204020204" pitchFamily="34" charset="-122"/>
               <a:sym typeface="+mn-ea"/>
             </a:endParaRPr>
           </a:p>
+          <a:p>
+            <a:pPr indent="0">
+              <a:buFont typeface="+mj-lt"/>
+              <a:buNone/>
+            </a:pPr>
+            <a:r>
+              <a:rPr lang="zh-CN" sz="2400" dirty="0" smtClean="0">
+                <a:latin typeface="微软雅黑" panose="020B0503020204020204" pitchFamily="34" charset="-122"/>
+                <a:ea typeface="微软雅黑" panose="020B0503020204020204" pitchFamily="34" charset="-122"/>
+                <a:sym typeface="+mn-ea"/>
+              </a:rPr>
+              <a:t>map声明和初始化</a:t>
+            </a:r>
+            <a:endParaRPr lang="zh-CN" sz="2400" dirty="0" smtClean="0">
+              <a:latin typeface="微软雅黑" panose="020B0503020204020204" pitchFamily="34" charset="-122"/>
+              <a:ea typeface="微软雅黑" panose="020B0503020204020204" pitchFamily="34" charset="-122"/>
+              <a:sym typeface="+mn-ea"/>
+            </a:endParaRPr>
+          </a:p>
+          <a:p>
+            <a:pPr indent="0">
+              <a:buFont typeface="+mj-lt"/>
+              <a:buNone/>
+            </a:pPr>
+            <a:r>
+              <a:rPr lang="zh-CN" sz="1600" dirty="0" smtClean="0">
+                <a:latin typeface="微软雅黑" panose="020B0503020204020204" pitchFamily="34" charset="-122"/>
+                <a:ea typeface="微软雅黑" panose="020B0503020204020204" pitchFamily="34" charset="-122"/>
+                <a:sym typeface="+mn-ea"/>
+              </a:rPr>
+              <a:t>map 是引用类型，可以使用如下声明：</a:t>
+            </a:r>
+            <a:endParaRPr lang="zh-CN" sz="1600" dirty="0" smtClean="0">
+              <a:latin typeface="微软雅黑" panose="020B0503020204020204" pitchFamily="34" charset="-122"/>
+              <a:ea typeface="微软雅黑" panose="020B0503020204020204" pitchFamily="34" charset="-122"/>
+              <a:sym typeface="+mn-ea"/>
+            </a:endParaRPr>
+          </a:p>
+          <a:p>
+            <a:pPr indent="0">
+              <a:buFont typeface="+mj-lt"/>
+              <a:buNone/>
+            </a:pPr>
+            <a:endParaRPr lang="zh-CN" sz="1600" dirty="0" smtClean="0">
+              <a:latin typeface="微软雅黑" panose="020B0503020204020204" pitchFamily="34" charset="-122"/>
+              <a:ea typeface="微软雅黑" panose="020B0503020204020204" pitchFamily="34" charset="-122"/>
+              <a:sym typeface="+mn-ea"/>
+            </a:endParaRPr>
+          </a:p>
+          <a:p>
+            <a:pPr indent="0">
+              <a:buFont typeface="+mj-lt"/>
+              <a:buNone/>
+            </a:pPr>
+            <a:endParaRPr lang="zh-CN" sz="1600" dirty="0" smtClean="0">
+              <a:latin typeface="微软雅黑" panose="020B0503020204020204" pitchFamily="34" charset="-122"/>
+              <a:ea typeface="微软雅黑" panose="020B0503020204020204" pitchFamily="34" charset="-122"/>
+              <a:sym typeface="+mn-ea"/>
+            </a:endParaRPr>
+          </a:p>
         </p:txBody>
       </p:sp>
+      <p:pic>
+        <p:nvPicPr>
+          <p:cNvPr id="3" name="图片 2"/>
+          <p:cNvPicPr>
+            <a:picLocks noChangeAspect="1"/>
+          </p:cNvPicPr>
+          <p:nvPr/>
+        </p:nvPicPr>
+        <p:blipFill>
+          <a:blip r:embed="rId2"/>
+          <a:stretch>
+            <a:fillRect/>
+          </a:stretch>
+        </p:blipFill>
+        <p:spPr>
+          <a:xfrm>
+            <a:off x="4962525" y="3094355"/>
+            <a:ext cx="6852285" cy="3598545"/>
+          </a:xfrm>
+          <a:prstGeom prst="rect">
+            <a:avLst/>
+          </a:prstGeom>
+        </p:spPr>
+      </p:pic>
     </p:spTree>
   </p:cSld>
   <p:clrMapOvr>
@@ -6901,17 +7402,60 @@
           <a:lstStyle/>
           <a:p>
             <a:r>
-              <a:rPr lang="zh-CN" altLang="en-US" sz="2700" dirty="0" smtClean="0">
-                <a:sym typeface="+mn-ea"/>
-              </a:rPr>
-              <a:t>方法</a:t>
-            </a:r>
-            <a:r>
-              <a:rPr lang="en-US" altLang="zh-CN" sz="2700" dirty="0" smtClean="0">
-                <a:sym typeface="+mn-ea"/>
-              </a:rPr>
-              <a:t>method</a:t>
-            </a:r>
+              <a:rPr lang="zh-CN" altLang="en-US" sz="2700" spc="200">
+                <a:solidFill>
+                  <a:schemeClr val="tx1">
+                    <a:lumMod val="85000"/>
+                    <a:lumOff val="15000"/>
+                  </a:schemeClr>
+                </a:solidFill>
+                <a:uFillTx/>
+                <a:latin typeface="Arial" panose="020B0604020202020204" pitchFamily="34" charset="0"/>
+                <a:sym typeface="Arial" panose="020B0604020202020204" pitchFamily="34" charset="0"/>
+              </a:rPr>
+              <a:t>复合数据类型</a:t>
+            </a:r>
+            <a:r>
+              <a:rPr lang="en-US" altLang="zh-CN" sz="2700" spc="200">
+                <a:solidFill>
+                  <a:schemeClr val="tx1">
+                    <a:lumMod val="85000"/>
+                    <a:lumOff val="15000"/>
+                  </a:schemeClr>
+                </a:solidFill>
+                <a:uFillTx/>
+                <a:latin typeface="Arial" panose="020B0604020202020204" pitchFamily="34" charset="0"/>
+                <a:sym typeface="Arial" panose="020B0604020202020204" pitchFamily="34" charset="0"/>
+              </a:rPr>
+              <a:t>-</a:t>
+            </a:r>
+            <a:r>
+              <a:rPr lang="zh-CN" altLang="en-US" sz="2700" spc="200">
+                <a:solidFill>
+                  <a:schemeClr val="tx1">
+                    <a:lumMod val="85000"/>
+                    <a:lumOff val="15000"/>
+                  </a:schemeClr>
+                </a:solidFill>
+                <a:uFillTx/>
+                <a:latin typeface="Arial" panose="020B0604020202020204" pitchFamily="34" charset="0"/>
+                <a:sym typeface="Arial" panose="020B0604020202020204" pitchFamily="34" charset="0"/>
+              </a:rPr>
+              <a:t>结构体</a:t>
+            </a:r>
+            <a:br>
+              <a:rPr lang="zh-CN" sz="2700" spc="200">
+                <a:solidFill>
+                  <a:schemeClr val="tx1">
+                    <a:lumMod val="85000"/>
+                    <a:lumOff val="15000"/>
+                  </a:schemeClr>
+                </a:solidFill>
+                <a:uFillTx/>
+                <a:latin typeface="Arial" panose="020B0604020202020204" pitchFamily="34" charset="0"/>
+                <a:sym typeface="Arial" panose="020B0604020202020204" pitchFamily="34" charset="0"/>
+              </a:rPr>
+            </a:br>
             <a:endParaRPr lang="zh-CN" altLang="en-US" sz="2700" dirty="0"/>
           </a:p>
         </p:txBody>
@@ -6949,7 +7493,7 @@
         <p:spPr>
           <a:xfrm>
             <a:off x="1047750" y="857250"/>
-            <a:ext cx="10097135" cy="3046095"/>
+            <a:ext cx="10097135" cy="3569335"/>
           </a:xfrm>
           <a:prstGeom prst="rect">
             <a:avLst/>
@@ -6966,211 +7510,206 @@
               <a:buFont typeface="+mj-lt"/>
               <a:buNone/>
             </a:pPr>
-            <a:endParaRPr lang="en-US" altLang="zh-CN" sz="2400" dirty="0">
+            <a:r>
+              <a:rPr sz="2400" dirty="0" smtClean="0">
+                <a:latin typeface="微软雅黑" panose="020B0503020204020204" pitchFamily="34" charset="-122"/>
+                <a:ea typeface="微软雅黑" panose="020B0503020204020204" pitchFamily="34" charset="-122"/>
+                <a:sym typeface="+mn-ea"/>
+              </a:rPr>
+              <a:t>struct概念</a:t>
+            </a:r>
+            <a:endParaRPr sz="2400" dirty="0" smtClean="0">
               <a:latin typeface="微软雅黑" panose="020B0503020204020204" pitchFamily="34" charset="-122"/>
               <a:ea typeface="微软雅黑" panose="020B0503020204020204" pitchFamily="34" charset="-122"/>
+              <a:sym typeface="+mn-ea"/>
             </a:endParaRPr>
           </a:p>
           <a:p>
-            <a:pPr marL="342900" indent="-342900">
-              <a:buFontTx/>
-              <a:buChar char="-"/>
+            <a:pPr indent="0">
+              <a:buFont typeface="+mj-lt"/>
+              <a:buNone/>
             </a:pPr>
-            <a:r>
-              <a:rPr lang="en-US" altLang="zh-CN" sz="2400" dirty="0" smtClean="0">
-                <a:latin typeface="微软雅黑" panose="020B0503020204020204" pitchFamily="34" charset="-122"/>
-                <a:ea typeface="微软雅黑" panose="020B0503020204020204" pitchFamily="34" charset="-122"/>
-                <a:sym typeface="+mn-ea"/>
-              </a:rPr>
-              <a:t>Go </a:t>
-            </a:r>
-            <a:r>
-              <a:rPr lang="zh-CN" altLang="en-US" sz="2400" dirty="0" smtClean="0">
-                <a:latin typeface="微软雅黑" panose="020B0503020204020204" pitchFamily="34" charset="-122"/>
-                <a:ea typeface="微软雅黑" panose="020B0503020204020204" pitchFamily="34" charset="-122"/>
-                <a:sym typeface="+mn-ea"/>
-              </a:rPr>
-              <a:t>中虽没有</a:t>
-            </a:r>
-            <a:r>
-              <a:rPr lang="en-US" altLang="zh-CN" sz="2400" dirty="0" smtClean="0">
-                <a:latin typeface="微软雅黑" panose="020B0503020204020204" pitchFamily="34" charset="-122"/>
-                <a:ea typeface="微软雅黑" panose="020B0503020204020204" pitchFamily="34" charset="-122"/>
-                <a:sym typeface="+mn-ea"/>
-              </a:rPr>
-              <a:t>class</a:t>
-            </a:r>
-            <a:r>
-              <a:rPr lang="zh-CN" altLang="en-US" sz="2400" dirty="0" smtClean="0">
-                <a:latin typeface="微软雅黑" panose="020B0503020204020204" pitchFamily="34" charset="-122"/>
-                <a:ea typeface="微软雅黑" panose="020B0503020204020204" pitchFamily="34" charset="-122"/>
-                <a:sym typeface="+mn-ea"/>
-              </a:rPr>
-              <a:t>，但依旧有</a:t>
-            </a:r>
-            <a:r>
-              <a:rPr lang="en-US" altLang="zh-CN" sz="2400" dirty="0" smtClean="0">
-                <a:latin typeface="微软雅黑" panose="020B0503020204020204" pitchFamily="34" charset="-122"/>
-                <a:ea typeface="微软雅黑" panose="020B0503020204020204" pitchFamily="34" charset="-122"/>
-                <a:sym typeface="+mn-ea"/>
-              </a:rPr>
-              <a:t>method</a:t>
-            </a:r>
-            <a:endParaRPr lang="en-US" altLang="zh-CN" sz="2400" dirty="0" smtClean="0">
+            <a:endParaRPr sz="2400" dirty="0" smtClean="0">
               <a:latin typeface="微软雅黑" panose="020B0503020204020204" pitchFamily="34" charset="-122"/>
               <a:ea typeface="微软雅黑" panose="020B0503020204020204" pitchFamily="34" charset="-122"/>
+              <a:sym typeface="+mn-ea"/>
             </a:endParaRPr>
           </a:p>
           <a:p>
-            <a:pPr marL="342900" indent="-342900">
-              <a:buFontTx/>
-              <a:buChar char="-"/>
+            <a:pPr marL="457200" indent="-457200">
+              <a:buFont typeface="+mj-lt"/>
+              <a:buAutoNum type="arabicPeriod"/>
             </a:pPr>
             <a:r>
-              <a:rPr lang="zh-CN" altLang="en-US" sz="2400" dirty="0" smtClean="0">
-                <a:latin typeface="微软雅黑" panose="020B0503020204020204" pitchFamily="34" charset="-122"/>
-                <a:ea typeface="微软雅黑" panose="020B0503020204020204" pitchFamily="34" charset="-122"/>
-                <a:sym typeface="+mn-ea"/>
-              </a:rPr>
-              <a:t>通过显示说明</a:t>
-            </a:r>
-            <a:r>
-              <a:rPr lang="en-US" altLang="zh-CN" sz="2400" dirty="0" smtClean="0">
-                <a:latin typeface="微软雅黑" panose="020B0503020204020204" pitchFamily="34" charset="-122"/>
-                <a:ea typeface="微软雅黑" panose="020B0503020204020204" pitchFamily="34" charset="-122"/>
-                <a:sym typeface="+mn-ea"/>
-              </a:rPr>
-              <a:t>receiver</a:t>
-            </a:r>
-            <a:r>
-              <a:rPr lang="zh-CN" altLang="en-US" sz="2400" dirty="0" smtClean="0">
-                <a:latin typeface="微软雅黑" panose="020B0503020204020204" pitchFamily="34" charset="-122"/>
-                <a:ea typeface="微软雅黑" panose="020B0503020204020204" pitchFamily="34" charset="-122"/>
-                <a:sym typeface="+mn-ea"/>
-              </a:rPr>
-              <a:t>来实现与某个类型的组合</a:t>
-            </a:r>
-            <a:endParaRPr lang="en-US" altLang="zh-CN" sz="2400" dirty="0" smtClean="0">
+              <a:rPr sz="2000" dirty="0" smtClean="0">
+                <a:latin typeface="微软雅黑" panose="020B0503020204020204" pitchFamily="34" charset="-122"/>
+                <a:ea typeface="微软雅黑" panose="020B0503020204020204" pitchFamily="34" charset="-122"/>
+                <a:sym typeface="+mn-ea"/>
+              </a:rPr>
+              <a:t>结构体是一种</a:t>
+            </a:r>
+            <a:r>
+              <a:rPr sz="2000" dirty="0" smtClean="0">
+                <a:solidFill>
+                  <a:srgbClr val="FF0000"/>
+                </a:solidFill>
+                <a:latin typeface="微软雅黑" panose="020B0503020204020204" pitchFamily="34" charset="-122"/>
+                <a:ea typeface="微软雅黑" panose="020B0503020204020204" pitchFamily="34" charset="-122"/>
+                <a:sym typeface="+mn-ea"/>
+              </a:rPr>
+              <a:t>聚合的数据类型</a:t>
+            </a:r>
+            <a:r>
+              <a:rPr sz="2000" dirty="0" smtClean="0">
+                <a:latin typeface="微软雅黑" panose="020B0503020204020204" pitchFamily="34" charset="-122"/>
+                <a:ea typeface="微软雅黑" panose="020B0503020204020204" pitchFamily="34" charset="-122"/>
+                <a:sym typeface="+mn-ea"/>
+              </a:rPr>
+              <a:t>，是由零个或多个任意类型的值聚合成的实体。</a:t>
+            </a:r>
+            <a:endParaRPr sz="2000" dirty="0" smtClean="0">
               <a:latin typeface="微软雅黑" panose="020B0503020204020204" pitchFamily="34" charset="-122"/>
               <a:ea typeface="微软雅黑" panose="020B0503020204020204" pitchFamily="34" charset="-122"/>
+              <a:sym typeface="+mn-ea"/>
             </a:endParaRPr>
           </a:p>
           <a:p>
-            <a:pPr marL="342900" indent="-342900">
-              <a:buFontTx/>
-              <a:buChar char="-"/>
+            <a:pPr marL="457200" indent="-457200">
+              <a:buFont typeface="+mj-lt"/>
+              <a:buAutoNum type="arabicPeriod"/>
             </a:pPr>
             <a:r>
-              <a:rPr lang="en-US" altLang="zh-CN" sz="2400" dirty="0" smtClean="0">
-                <a:latin typeface="微软雅黑" panose="020B0503020204020204" pitchFamily="34" charset="-122"/>
-                <a:ea typeface="微软雅黑" panose="020B0503020204020204" pitchFamily="34" charset="-122"/>
-                <a:sym typeface="+mn-ea"/>
-              </a:rPr>
-              <a:t>Receiver </a:t>
-            </a:r>
-            <a:r>
-              <a:rPr lang="zh-CN" altLang="en-US" sz="2400" dirty="0">
-                <a:latin typeface="微软雅黑" panose="020B0503020204020204" pitchFamily="34" charset="-122"/>
-                <a:ea typeface="微软雅黑" panose="020B0503020204020204" pitchFamily="34" charset="-122"/>
-                <a:sym typeface="+mn-ea"/>
-              </a:rPr>
-              <a:t>可以是</a:t>
-            </a:r>
-            <a:r>
-              <a:rPr lang="zh-CN" altLang="en-US" sz="2400" dirty="0" smtClean="0">
-                <a:latin typeface="微软雅黑" panose="020B0503020204020204" pitchFamily="34" charset="-122"/>
-                <a:ea typeface="微软雅黑" panose="020B0503020204020204" pitchFamily="34" charset="-122"/>
-                <a:sym typeface="+mn-ea"/>
-              </a:rPr>
-              <a:t>类型的值或者指针</a:t>
-            </a:r>
-            <a:endParaRPr lang="en-US" altLang="zh-CN" sz="2400" dirty="0" smtClean="0">
+              <a:rPr sz="2000" dirty="0" smtClean="0">
+                <a:latin typeface="微软雅黑" panose="020B0503020204020204" pitchFamily="34" charset="-122"/>
+                <a:ea typeface="微软雅黑" panose="020B0503020204020204" pitchFamily="34" charset="-122"/>
+                <a:sym typeface="+mn-ea"/>
+              </a:rPr>
+              <a:t>Go语言的结构体（struct）和其他语言的类（class）有同等的地位</a:t>
+            </a:r>
+            <a:endParaRPr sz="2000" dirty="0" smtClean="0">
               <a:latin typeface="微软雅黑" panose="020B0503020204020204" pitchFamily="34" charset="-122"/>
               <a:ea typeface="微软雅黑" panose="020B0503020204020204" pitchFamily="34" charset="-122"/>
+              <a:sym typeface="+mn-ea"/>
             </a:endParaRPr>
           </a:p>
           <a:p>
-            <a:pPr marL="342900" indent="-342900">
-              <a:buFontTx/>
-              <a:buChar char="-"/>
+            <a:pPr marL="457200" indent="-457200">
+              <a:buFont typeface="+mj-lt"/>
+              <a:buAutoNum type="arabicPeriod"/>
             </a:pPr>
             <a:r>
-              <a:rPr lang="zh-CN" altLang="en-US" sz="2400" dirty="0" smtClean="0">
-                <a:latin typeface="微软雅黑" panose="020B0503020204020204" pitchFamily="34" charset="-122"/>
-                <a:ea typeface="微软雅黑" panose="020B0503020204020204" pitchFamily="34" charset="-122"/>
-                <a:sym typeface="+mn-ea"/>
-              </a:rPr>
-              <a:t>可以使用值或指针来调用方法，</a:t>
-            </a:r>
-            <a:r>
-              <a:rPr lang="zh-CN" altLang="en-US" sz="2400" dirty="0">
-                <a:latin typeface="微软雅黑" panose="020B0503020204020204" pitchFamily="34" charset="-122"/>
-                <a:ea typeface="微软雅黑" panose="020B0503020204020204" pitchFamily="34" charset="-122"/>
-                <a:sym typeface="+mn-ea"/>
-              </a:rPr>
-              <a:t>编译器</a:t>
-            </a:r>
-            <a:r>
-              <a:rPr lang="zh-CN" altLang="en-US" sz="2400" dirty="0" smtClean="0">
-                <a:latin typeface="微软雅黑" panose="020B0503020204020204" pitchFamily="34" charset="-122"/>
-                <a:ea typeface="微软雅黑" panose="020B0503020204020204" pitchFamily="34" charset="-122"/>
-                <a:sym typeface="+mn-ea"/>
-              </a:rPr>
-              <a:t>会自动完成转换</a:t>
-            </a:r>
-            <a:endParaRPr lang="en-US" altLang="zh-CN" sz="2400" dirty="0" smtClean="0">
+              <a:rPr sz="2000" dirty="0" smtClean="0">
+                <a:latin typeface="微软雅黑" panose="020B0503020204020204" pitchFamily="34" charset="-122"/>
+                <a:ea typeface="微软雅黑" panose="020B0503020204020204" pitchFamily="34" charset="-122"/>
+                <a:sym typeface="+mn-ea"/>
+              </a:rPr>
+              <a:t>结构体也是</a:t>
+            </a:r>
+            <a:r>
+              <a:rPr sz="2000" dirty="0" smtClean="0">
+                <a:solidFill>
+                  <a:srgbClr val="FF0000"/>
+                </a:solidFill>
+                <a:latin typeface="微软雅黑" panose="020B0503020204020204" pitchFamily="34" charset="-122"/>
+                <a:ea typeface="微软雅黑" panose="020B0503020204020204" pitchFamily="34" charset="-122"/>
+                <a:sym typeface="+mn-ea"/>
+              </a:rPr>
+              <a:t>值类型</a:t>
+            </a:r>
+            <a:r>
+              <a:rPr sz="2000" dirty="0" smtClean="0">
+                <a:latin typeface="微软雅黑" panose="020B0503020204020204" pitchFamily="34" charset="-122"/>
+                <a:ea typeface="微软雅黑" panose="020B0503020204020204" pitchFamily="34" charset="-122"/>
+                <a:sym typeface="+mn-ea"/>
+              </a:rPr>
+              <a:t>，因此可以通过 new 函数来创建。</a:t>
+            </a:r>
+            <a:endParaRPr sz="2000" dirty="0" smtClean="0">
               <a:latin typeface="微软雅黑" panose="020B0503020204020204" pitchFamily="34" charset="-122"/>
               <a:ea typeface="微软雅黑" panose="020B0503020204020204" pitchFamily="34" charset="-122"/>
+              <a:sym typeface="+mn-ea"/>
             </a:endParaRPr>
           </a:p>
           <a:p>
-            <a:pPr marL="342900" indent="-342900">
-              <a:buFontTx/>
-              <a:buChar char="-"/>
+            <a:pPr marL="457200" indent="-457200">
+              <a:buFont typeface="+mj-lt"/>
+              <a:buAutoNum type="arabicPeriod"/>
             </a:pPr>
             <a:r>
-              <a:rPr lang="zh-CN" altLang="en-US" sz="2400" dirty="0" smtClean="0">
-                <a:latin typeface="微软雅黑" panose="020B0503020204020204" pitchFamily="34" charset="-122"/>
-                <a:ea typeface="微软雅黑" panose="020B0503020204020204" pitchFamily="34" charset="-122"/>
-                <a:sym typeface="+mn-ea"/>
-              </a:rPr>
-              <a:t>如果外部结构和嵌入结构存在同名方法，则优先调用外部结构的方法</a:t>
-            </a:r>
-            <a:endParaRPr lang="en-US" altLang="zh-CN" sz="2400" dirty="0" smtClean="0">
+              <a:rPr sz="2000" dirty="0" smtClean="0">
+                <a:latin typeface="微软雅黑" panose="020B0503020204020204" pitchFamily="34" charset="-122"/>
+                <a:ea typeface="微软雅黑" panose="020B0503020204020204" pitchFamily="34" charset="-122"/>
+                <a:sym typeface="+mn-ea"/>
+              </a:rPr>
+              <a:t>组成结构体类型的那些数据称为 </a:t>
+            </a:r>
+            <a:r>
+              <a:rPr sz="2000" dirty="0" smtClean="0">
+                <a:solidFill>
+                  <a:srgbClr val="FF0000"/>
+                </a:solidFill>
+                <a:latin typeface="微软雅黑" panose="020B0503020204020204" pitchFamily="34" charset="-122"/>
+                <a:ea typeface="微软雅黑" panose="020B0503020204020204" pitchFamily="34" charset="-122"/>
+                <a:sym typeface="+mn-ea"/>
+              </a:rPr>
+              <a:t>字段</a:t>
+            </a:r>
+            <a:r>
+              <a:rPr sz="2000" dirty="0" smtClean="0">
+                <a:latin typeface="微软雅黑" panose="020B0503020204020204" pitchFamily="34" charset="-122"/>
+                <a:ea typeface="微软雅黑" panose="020B0503020204020204" pitchFamily="34" charset="-122"/>
+                <a:sym typeface="+mn-ea"/>
+              </a:rPr>
+              <a:t>（fields）。每个字段都有一个类型和一个名字；</a:t>
+            </a:r>
+            <a:r>
+              <a:rPr sz="2000" dirty="0" smtClean="0">
+                <a:solidFill>
+                  <a:srgbClr val="FF0000"/>
+                </a:solidFill>
+                <a:latin typeface="微软雅黑" panose="020B0503020204020204" pitchFamily="34" charset="-122"/>
+                <a:ea typeface="微软雅黑" panose="020B0503020204020204" pitchFamily="34" charset="-122"/>
+                <a:sym typeface="+mn-ea"/>
+              </a:rPr>
+              <a:t>在一个结构体中，字段名字必须是唯一的</a:t>
+            </a:r>
+            <a:r>
+              <a:rPr sz="2000" dirty="0" smtClean="0">
+                <a:latin typeface="微软雅黑" panose="020B0503020204020204" pitchFamily="34" charset="-122"/>
+                <a:ea typeface="微软雅黑" panose="020B0503020204020204" pitchFamily="34" charset="-122"/>
+                <a:sym typeface="+mn-ea"/>
+              </a:rPr>
+              <a:t>。</a:t>
+            </a:r>
+            <a:endParaRPr sz="2000" dirty="0" smtClean="0">
               <a:latin typeface="微软雅黑" panose="020B0503020204020204" pitchFamily="34" charset="-122"/>
               <a:ea typeface="微软雅黑" panose="020B0503020204020204" pitchFamily="34" charset="-122"/>
+              <a:sym typeface="+mn-ea"/>
             </a:endParaRPr>
           </a:p>
           <a:p>
-            <a:pPr marL="342900" indent="-342900">
-              <a:buFontTx/>
-              <a:buChar char="-"/>
+            <a:pPr marL="457200" indent="-457200">
+              <a:buFont typeface="+mj-lt"/>
+              <a:buNone/>
             </a:pPr>
-            <a:r>
-              <a:rPr lang="zh-CN" altLang="en-US" sz="2400" dirty="0" smtClean="0">
-                <a:latin typeface="微软雅黑" panose="020B0503020204020204" pitchFamily="34" charset="-122"/>
-                <a:ea typeface="微软雅黑" panose="020B0503020204020204" pitchFamily="34" charset="-122"/>
-                <a:sym typeface="+mn-ea"/>
-              </a:rPr>
-              <a:t>类型别名不会拥有底层类型所附带的方法</a:t>
-            </a:r>
-            <a:endParaRPr lang="en-US" altLang="zh-CN" sz="2400" dirty="0" smtClean="0">
+            <a:endParaRPr sz="2400" dirty="0" smtClean="0">
               <a:latin typeface="微软雅黑" panose="020B0503020204020204" pitchFamily="34" charset="-122"/>
               <a:ea typeface="微软雅黑" panose="020B0503020204020204" pitchFamily="34" charset="-122"/>
+              <a:sym typeface="+mn-ea"/>
             </a:endParaRPr>
           </a:p>
           <a:p>
-            <a:pPr marL="342900" indent="-342900">
-              <a:buFontTx/>
-              <a:buChar char="-"/>
+            <a:pPr indent="0">
+              <a:buFont typeface="+mj-lt"/>
+              <a:buNone/>
             </a:pPr>
             <a:r>
-              <a:rPr lang="zh-CN" altLang="en-US" sz="2400" dirty="0" smtClean="0">
-                <a:latin typeface="微软雅黑" panose="020B0503020204020204" pitchFamily="34" charset="-122"/>
-                <a:ea typeface="微软雅黑" panose="020B0503020204020204" pitchFamily="34" charset="-122"/>
-                <a:sym typeface="+mn-ea"/>
-              </a:rPr>
-              <a:t>方法可以调用结构中的非公开字段</a:t>
+              <a:rPr lang="zh-CN" sz="1800" dirty="0" smtClean="0">
+                <a:latin typeface="微软雅黑" panose="020B0503020204020204" pitchFamily="34" charset="-122"/>
+                <a:ea typeface="微软雅黑" panose="020B0503020204020204" pitchFamily="34" charset="-122"/>
+                <a:sym typeface="+mn-ea"/>
+              </a:rPr>
+              <a:t>如处理公司的员工信息，每个员工信息包含一个唯一的员工编号、员工的名字、家庭住址、出生日期、工作岗位、薪资、上级领导等等。所有的这些信息都需要绑定到一个实体中就可以使用结构体的概念</a:t>
             </a:r>
             <a:endParaRPr lang="zh-CN" sz="1800" dirty="0" smtClean="0">
               <a:latin typeface="微软雅黑" panose="020B0503020204020204" pitchFamily="34" charset="-122"/>
@@ -7235,17 +7774,60 @@
           <a:lstStyle/>
           <a:p>
             <a:r>
-              <a:rPr lang="zh-CN" altLang="en-US" sz="2700" dirty="0" smtClean="0">
-                <a:sym typeface="+mn-ea"/>
-              </a:rPr>
-              <a:t>方法</a:t>
-            </a:r>
-            <a:r>
-              <a:rPr lang="en-US" altLang="zh-CN" sz="2700" dirty="0" smtClean="0">
-                <a:sym typeface="+mn-ea"/>
-              </a:rPr>
-              <a:t>method</a:t>
-            </a:r>
+              <a:rPr lang="zh-CN" altLang="en-US" sz="2700" spc="200">
+                <a:solidFill>
+                  <a:schemeClr val="tx1">
+                    <a:lumMod val="85000"/>
+                    <a:lumOff val="15000"/>
+                  </a:schemeClr>
+                </a:solidFill>
+                <a:uFillTx/>
+                <a:latin typeface="Arial" panose="020B0604020202020204" pitchFamily="34" charset="0"/>
+                <a:sym typeface="Arial" panose="020B0604020202020204" pitchFamily="34" charset="0"/>
+              </a:rPr>
+              <a:t>复合数据类型</a:t>
+            </a:r>
+            <a:r>
+              <a:rPr lang="en-US" altLang="zh-CN" sz="2700" spc="200">
+                <a:solidFill>
+                  <a:schemeClr val="tx1">
+                    <a:lumMod val="85000"/>
+                    <a:lumOff val="15000"/>
+                  </a:schemeClr>
+                </a:solidFill>
+                <a:uFillTx/>
+                <a:latin typeface="Arial" panose="020B0604020202020204" pitchFamily="34" charset="0"/>
+                <a:sym typeface="Arial" panose="020B0604020202020204" pitchFamily="34" charset="0"/>
+              </a:rPr>
+              <a:t>-</a:t>
+            </a:r>
+            <a:r>
+              <a:rPr lang="zh-CN" altLang="en-US" sz="2700" spc="200">
+                <a:solidFill>
+                  <a:schemeClr val="tx1">
+                    <a:lumMod val="85000"/>
+                    <a:lumOff val="15000"/>
+                  </a:schemeClr>
+                </a:solidFill>
+                <a:uFillTx/>
+                <a:latin typeface="Arial" panose="020B0604020202020204" pitchFamily="34" charset="0"/>
+                <a:sym typeface="Arial" panose="020B0604020202020204" pitchFamily="34" charset="0"/>
+              </a:rPr>
+              <a:t>结构体</a:t>
+            </a:r>
+            <a:br>
+              <a:rPr lang="zh-CN" sz="2700" spc="200">
+                <a:solidFill>
+                  <a:schemeClr val="tx1">
+                    <a:lumMod val="85000"/>
+                    <a:lumOff val="15000"/>
+                  </a:schemeClr>
+                </a:solidFill>
+                <a:uFillTx/>
+                <a:latin typeface="Arial" panose="020B0604020202020204" pitchFamily="34" charset="0"/>
+                <a:sym typeface="Arial" panose="020B0604020202020204" pitchFamily="34" charset="0"/>
+              </a:rPr>
+            </a:br>
             <a:endParaRPr lang="zh-CN" altLang="en-US" sz="2700" dirty="0"/>
           </a:p>
         </p:txBody>
@@ -7300,15 +7882,32 @@
               <a:buFont typeface="+mj-lt"/>
               <a:buNone/>
             </a:pPr>
-            <a:endParaRPr lang="en-US" altLang="zh-CN" sz="2400" dirty="0">
+            <a:r>
+              <a:rPr sz="2400" dirty="0" smtClean="0">
+                <a:latin typeface="微软雅黑" panose="020B0503020204020204" pitchFamily="34" charset="-122"/>
+                <a:ea typeface="微软雅黑" panose="020B0503020204020204" pitchFamily="34" charset="-122"/>
+                <a:sym typeface="+mn-ea"/>
+              </a:rPr>
+              <a:t>struct</a:t>
+            </a:r>
+            <a:r>
+              <a:rPr lang="zh-CN" sz="2400" dirty="0" smtClean="0">
+                <a:latin typeface="微软雅黑" panose="020B0503020204020204" pitchFamily="34" charset="-122"/>
+                <a:ea typeface="微软雅黑" panose="020B0503020204020204" pitchFamily="34" charset="-122"/>
+                <a:sym typeface="+mn-ea"/>
+              </a:rPr>
+              <a:t>定义</a:t>
+            </a:r>
+            <a:endParaRPr sz="2400" dirty="0" smtClean="0">
               <a:latin typeface="微软雅黑" panose="020B0503020204020204" pitchFamily="34" charset="-122"/>
               <a:ea typeface="微软雅黑" panose="020B0503020204020204" pitchFamily="34" charset="-122"/>
+              <a:sym typeface="+mn-ea"/>
             </a:endParaRPr>
           </a:p>
           <a:p>
-            <a:pPr marL="342900" indent="-342900">
-              <a:buFontTx/>
-              <a:buChar char="-"/>
+            <a:pPr marL="457200" indent="-457200">
+              <a:buFont typeface="+mj-lt"/>
+              <a:buAutoNum type="arabicPeriod"/>
             </a:pPr>
             <a:endParaRPr lang="zh-CN" sz="1800" dirty="0" smtClean="0">
               <a:latin typeface="微软雅黑" panose="020B0503020204020204" pitchFamily="34" charset="-122"/>
@@ -7334,8 +7933,8 @@
         </p:blipFill>
         <p:spPr>
           <a:xfrm>
-            <a:off x="1715135" y="1594485"/>
-            <a:ext cx="8004810" cy="2765425"/>
+            <a:off x="2437765" y="1265555"/>
+            <a:ext cx="7374255" cy="5494020"/>
           </a:xfrm>
           <a:prstGeom prst="rect">
             <a:avLst/>

--- a/04/go基础知识.pptx
+++ b/04/go基础知识.pptx
@@ -128,20 +128,20 @@
         <p14:section name="默认节" id="{6D85C079-5351-D344-AC85-0BE671A74C07}">
           <p14:sldIdLst>
             <p14:sldId id="267"/>
-            <p14:sldId id="279"/>
+            <p14:sldId id="289"/>
             <p14:sldId id="309"/>
             <p14:sldId id="320"/>
-            <p14:sldId id="321"/>
             <p14:sldId id="325"/>
+            <p14:sldId id="326"/>
             <p14:sldId id="299"/>
             <p14:sldId id="301"/>
             <p14:sldId id="266"/>
+            <p14:sldId id="279"/>
             <p14:sldId id="330"/>
-            <p14:sldId id="326"/>
-            <p14:sldId id="289"/>
+            <p14:sldId id="341"/>
+            <p14:sldId id="342"/>
             <p14:sldId id="340"/>
-            <p14:sldId id="342"/>
-            <p14:sldId id="341"/>
+            <p14:sldId id="321"/>
           </p14:sldIdLst>
         </p14:section>
         <p14:section name="技术项目" id="{CD5D3B33-B192-7A47-9AA8-B7BE35B63FD9}">
